--- a/gdp_presentation.pptx
+++ b/gdp_presentation.pptx
@@ -4,12 +4,15 @@
   <p:sldMasterIdLst>
     <p:sldMasterId id="2147483648" r:id="rId1"/>
   </p:sldMasterIdLst>
+  <p:notesMasterIdLst>
+    <p:notesMasterId r:id="rId12"/>
+  </p:notesMasterIdLst>
   <p:sldIdLst>
     <p:sldId id="256" r:id="rId2"/>
     <p:sldId id="257" r:id="rId3"/>
     <p:sldId id="258" r:id="rId4"/>
-    <p:sldId id="259" r:id="rId5"/>
-    <p:sldId id="260" r:id="rId6"/>
+    <p:sldId id="260" r:id="rId5"/>
+    <p:sldId id="259" r:id="rId6"/>
     <p:sldId id="261" r:id="rId7"/>
     <p:sldId id="262" r:id="rId8"/>
     <p:sldId id="263" r:id="rId9"/>
@@ -114,6 +117,440 @@
     </a:lvl9pPr>
   </p:defaultTextStyle>
 </p:presentation>
+</file>
+
+<file path=ppt/notesMasters/notesMaster1.xml><?xml version="1.0" encoding="utf-8"?>
+<p:notesMaster xmlns:a="http://schemas.openxmlformats.org/drawingml/2006/main" xmlns:r="http://schemas.openxmlformats.org/officeDocument/2006/relationships" xmlns:p="http://schemas.openxmlformats.org/presentationml/2006/main">
+  <p:cSld>
+    <p:bg>
+      <p:bgRef idx="1001">
+        <a:schemeClr val="bg1"/>
+      </p:bgRef>
+    </p:bg>
+    <p:spTree>
+      <p:nvGrpSpPr>
+        <p:cNvPr id="1" name=""/>
+        <p:cNvGrpSpPr/>
+        <p:nvPr/>
+      </p:nvGrpSpPr>
+      <p:grpSpPr>
+        <a:xfrm>
+          <a:off x="0" y="0"/>
+          <a:ext cx="0" cy="0"/>
+          <a:chOff x="0" y="0"/>
+          <a:chExt cx="0" cy="0"/>
+        </a:xfrm>
+      </p:grpSpPr>
+      <p:sp>
+        <p:nvSpPr>
+          <p:cNvPr id="2" name="Header Placeholder 1"/>
+          <p:cNvSpPr>
+            <a:spLocks noGrp="1"/>
+          </p:cNvSpPr>
+          <p:nvPr>
+            <p:ph type="hdr" sz="quarter"/>
+          </p:nvPr>
+        </p:nvSpPr>
+        <p:spPr>
+          <a:xfrm>
+            <a:off x="0" y="0"/>
+            <a:ext cx="2971800" cy="458788"/>
+          </a:xfrm>
+          <a:prstGeom prst="rect">
+            <a:avLst/>
+          </a:prstGeom>
+        </p:spPr>
+        <p:txBody>
+          <a:bodyPr vert="horz" lIns="91440" tIns="45720" rIns="91440" bIns="45720" rtlCol="0"/>
+          <a:lstStyle>
+            <a:lvl1pPr algn="l">
+              <a:defRPr sz="1200"/>
+            </a:lvl1pPr>
+          </a:lstStyle>
+          <a:p>
+            <a:endParaRPr lang="en-US"/>
+          </a:p>
+        </p:txBody>
+      </p:sp>
+      <p:sp>
+        <p:nvSpPr>
+          <p:cNvPr id="3" name="Date Placeholder 2"/>
+          <p:cNvSpPr>
+            <a:spLocks noGrp="1"/>
+          </p:cNvSpPr>
+          <p:nvPr>
+            <p:ph type="dt" idx="1"/>
+          </p:nvPr>
+        </p:nvSpPr>
+        <p:spPr>
+          <a:xfrm>
+            <a:off x="3884613" y="0"/>
+            <a:ext cx="2971800" cy="458788"/>
+          </a:xfrm>
+          <a:prstGeom prst="rect">
+            <a:avLst/>
+          </a:prstGeom>
+        </p:spPr>
+        <p:txBody>
+          <a:bodyPr vert="horz" lIns="91440" tIns="45720" rIns="91440" bIns="45720" rtlCol="0"/>
+          <a:lstStyle>
+            <a:lvl1pPr algn="r">
+              <a:defRPr sz="1200"/>
+            </a:lvl1pPr>
+          </a:lstStyle>
+          <a:p>
+            <a:fld id="{1507099F-98EB-4B41-BBBE-862CA11BA5AE}" type="datetimeFigureOut">
+              <a:rPr lang="en-US" smtClean="0"/>
+              <a:t>7/14/22</a:t>
+            </a:fld>
+            <a:endParaRPr lang="en-US"/>
+          </a:p>
+        </p:txBody>
+      </p:sp>
+      <p:sp>
+        <p:nvSpPr>
+          <p:cNvPr id="4" name="Slide Image Placeholder 3"/>
+          <p:cNvSpPr>
+            <a:spLocks noGrp="1" noRot="1" noChangeAspect="1"/>
+          </p:cNvSpPr>
+          <p:nvPr>
+            <p:ph type="sldImg" idx="2"/>
+          </p:nvPr>
+        </p:nvSpPr>
+        <p:spPr>
+          <a:xfrm>
+            <a:off x="685800" y="1143000"/>
+            <a:ext cx="5486400" cy="3086100"/>
+          </a:xfrm>
+          <a:prstGeom prst="rect">
+            <a:avLst/>
+          </a:prstGeom>
+          <a:noFill/>
+          <a:ln w="12700">
+            <a:solidFill>
+              <a:prstClr val="black"/>
+            </a:solidFill>
+          </a:ln>
+        </p:spPr>
+        <p:txBody>
+          <a:bodyPr vert="horz" lIns="91440" tIns="45720" rIns="91440" bIns="45720" rtlCol="0" anchor="ctr"/>
+          <a:lstStyle/>
+          <a:p>
+            <a:endParaRPr lang="en-US"/>
+          </a:p>
+        </p:txBody>
+      </p:sp>
+      <p:sp>
+        <p:nvSpPr>
+          <p:cNvPr id="5" name="Notes Placeholder 4"/>
+          <p:cNvSpPr>
+            <a:spLocks noGrp="1"/>
+          </p:cNvSpPr>
+          <p:nvPr>
+            <p:ph type="body" sz="quarter" idx="3"/>
+          </p:nvPr>
+        </p:nvSpPr>
+        <p:spPr>
+          <a:xfrm>
+            <a:off x="685800" y="4400550"/>
+            <a:ext cx="5486400" cy="3600450"/>
+          </a:xfrm>
+          <a:prstGeom prst="rect">
+            <a:avLst/>
+          </a:prstGeom>
+        </p:spPr>
+        <p:txBody>
+          <a:bodyPr vert="horz" lIns="91440" tIns="45720" rIns="91440" bIns="45720" rtlCol="0"/>
+          <a:lstStyle/>
+          <a:p>
+            <a:pPr lvl="0"/>
+            <a:r>
+              <a:rPr lang="en-GB"/>
+              <a:t>Click to edit Master text styles</a:t>
+            </a:r>
+          </a:p>
+          <a:p>
+            <a:pPr lvl="1"/>
+            <a:r>
+              <a:rPr lang="en-GB"/>
+              <a:t>Second level</a:t>
+            </a:r>
+          </a:p>
+          <a:p>
+            <a:pPr lvl="2"/>
+            <a:r>
+              <a:rPr lang="en-GB"/>
+              <a:t>Third level</a:t>
+            </a:r>
+          </a:p>
+          <a:p>
+            <a:pPr lvl="3"/>
+            <a:r>
+              <a:rPr lang="en-GB"/>
+              <a:t>Fourth level</a:t>
+            </a:r>
+          </a:p>
+          <a:p>
+            <a:pPr lvl="4"/>
+            <a:r>
+              <a:rPr lang="en-GB"/>
+              <a:t>Fifth level</a:t>
+            </a:r>
+            <a:endParaRPr lang="en-US"/>
+          </a:p>
+        </p:txBody>
+      </p:sp>
+      <p:sp>
+        <p:nvSpPr>
+          <p:cNvPr id="6" name="Footer Placeholder 5"/>
+          <p:cNvSpPr>
+            <a:spLocks noGrp="1"/>
+          </p:cNvSpPr>
+          <p:nvPr>
+            <p:ph type="ftr" sz="quarter" idx="4"/>
+          </p:nvPr>
+        </p:nvSpPr>
+        <p:spPr>
+          <a:xfrm>
+            <a:off x="0" y="8685213"/>
+            <a:ext cx="2971800" cy="458787"/>
+          </a:xfrm>
+          <a:prstGeom prst="rect">
+            <a:avLst/>
+          </a:prstGeom>
+        </p:spPr>
+        <p:txBody>
+          <a:bodyPr vert="horz" lIns="91440" tIns="45720" rIns="91440" bIns="45720" rtlCol="0" anchor="b"/>
+          <a:lstStyle>
+            <a:lvl1pPr algn="l">
+              <a:defRPr sz="1200"/>
+            </a:lvl1pPr>
+          </a:lstStyle>
+          <a:p>
+            <a:endParaRPr lang="en-US"/>
+          </a:p>
+        </p:txBody>
+      </p:sp>
+      <p:sp>
+        <p:nvSpPr>
+          <p:cNvPr id="7" name="Slide Number Placeholder 6"/>
+          <p:cNvSpPr>
+            <a:spLocks noGrp="1"/>
+          </p:cNvSpPr>
+          <p:nvPr>
+            <p:ph type="sldNum" sz="quarter" idx="5"/>
+          </p:nvPr>
+        </p:nvSpPr>
+        <p:spPr>
+          <a:xfrm>
+            <a:off x="3884613" y="8685213"/>
+            <a:ext cx="2971800" cy="458787"/>
+          </a:xfrm>
+          <a:prstGeom prst="rect">
+            <a:avLst/>
+          </a:prstGeom>
+        </p:spPr>
+        <p:txBody>
+          <a:bodyPr vert="horz" lIns="91440" tIns="45720" rIns="91440" bIns="45720" rtlCol="0" anchor="b"/>
+          <a:lstStyle>
+            <a:lvl1pPr algn="r">
+              <a:defRPr sz="1200"/>
+            </a:lvl1pPr>
+          </a:lstStyle>
+          <a:p>
+            <a:fld id="{31674E15-9EC4-1C4C-9F0A-D4B7364F2117}" type="slidenum">
+              <a:rPr lang="en-US" smtClean="0"/>
+              <a:t>‹#›</a:t>
+            </a:fld>
+            <a:endParaRPr lang="en-US"/>
+          </a:p>
+        </p:txBody>
+      </p:sp>
+    </p:spTree>
+    <p:extLst>
+      <p:ext uri="{BB962C8B-B14F-4D97-AF65-F5344CB8AC3E}">
+        <p14:creationId xmlns:p14="http://schemas.microsoft.com/office/powerpoint/2010/main" val="3786957342"/>
+      </p:ext>
+    </p:extLst>
+  </p:cSld>
+  <p:clrMap bg1="lt1" tx1="dk1" bg2="lt2" tx2="dk2" accent1="accent1" accent2="accent2" accent3="accent3" accent4="accent4" accent5="accent5" accent6="accent6" hlink="hlink" folHlink="folHlink"/>
+  <p:notesStyle>
+    <a:lvl1pPr marL="0" algn="l" defTabSz="914400" rtl="0" eaLnBrk="1" latinLnBrk="0" hangingPunct="1">
+      <a:defRPr sz="1200" kern="1200">
+        <a:solidFill>
+          <a:schemeClr val="tx1"/>
+        </a:solidFill>
+        <a:latin typeface="+mn-lt"/>
+        <a:ea typeface="+mn-ea"/>
+        <a:cs typeface="+mn-cs"/>
+      </a:defRPr>
+    </a:lvl1pPr>
+    <a:lvl2pPr marL="457200" algn="l" defTabSz="914400" rtl="0" eaLnBrk="1" latinLnBrk="0" hangingPunct="1">
+      <a:defRPr sz="1200" kern="1200">
+        <a:solidFill>
+          <a:schemeClr val="tx1"/>
+        </a:solidFill>
+        <a:latin typeface="+mn-lt"/>
+        <a:ea typeface="+mn-ea"/>
+        <a:cs typeface="+mn-cs"/>
+      </a:defRPr>
+    </a:lvl2pPr>
+    <a:lvl3pPr marL="914400" algn="l" defTabSz="914400" rtl="0" eaLnBrk="1" latinLnBrk="0" hangingPunct="1">
+      <a:defRPr sz="1200" kern="1200">
+        <a:solidFill>
+          <a:schemeClr val="tx1"/>
+        </a:solidFill>
+        <a:latin typeface="+mn-lt"/>
+        <a:ea typeface="+mn-ea"/>
+        <a:cs typeface="+mn-cs"/>
+      </a:defRPr>
+    </a:lvl3pPr>
+    <a:lvl4pPr marL="1371600" algn="l" defTabSz="914400" rtl="0" eaLnBrk="1" latinLnBrk="0" hangingPunct="1">
+      <a:defRPr sz="1200" kern="1200">
+        <a:solidFill>
+          <a:schemeClr val="tx1"/>
+        </a:solidFill>
+        <a:latin typeface="+mn-lt"/>
+        <a:ea typeface="+mn-ea"/>
+        <a:cs typeface="+mn-cs"/>
+      </a:defRPr>
+    </a:lvl4pPr>
+    <a:lvl5pPr marL="1828800" algn="l" defTabSz="914400" rtl="0" eaLnBrk="1" latinLnBrk="0" hangingPunct="1">
+      <a:defRPr sz="1200" kern="1200">
+        <a:solidFill>
+          <a:schemeClr val="tx1"/>
+        </a:solidFill>
+        <a:latin typeface="+mn-lt"/>
+        <a:ea typeface="+mn-ea"/>
+        <a:cs typeface="+mn-cs"/>
+      </a:defRPr>
+    </a:lvl5pPr>
+    <a:lvl6pPr marL="2286000" algn="l" defTabSz="914400" rtl="0" eaLnBrk="1" latinLnBrk="0" hangingPunct="1">
+      <a:defRPr sz="1200" kern="1200">
+        <a:solidFill>
+          <a:schemeClr val="tx1"/>
+        </a:solidFill>
+        <a:latin typeface="+mn-lt"/>
+        <a:ea typeface="+mn-ea"/>
+        <a:cs typeface="+mn-cs"/>
+      </a:defRPr>
+    </a:lvl6pPr>
+    <a:lvl7pPr marL="2743200" algn="l" defTabSz="914400" rtl="0" eaLnBrk="1" latinLnBrk="0" hangingPunct="1">
+      <a:defRPr sz="1200" kern="1200">
+        <a:solidFill>
+          <a:schemeClr val="tx1"/>
+        </a:solidFill>
+        <a:latin typeface="+mn-lt"/>
+        <a:ea typeface="+mn-ea"/>
+        <a:cs typeface="+mn-cs"/>
+      </a:defRPr>
+    </a:lvl7pPr>
+    <a:lvl8pPr marL="3200400" algn="l" defTabSz="914400" rtl="0" eaLnBrk="1" latinLnBrk="0" hangingPunct="1">
+      <a:defRPr sz="1200" kern="1200">
+        <a:solidFill>
+          <a:schemeClr val="tx1"/>
+        </a:solidFill>
+        <a:latin typeface="+mn-lt"/>
+        <a:ea typeface="+mn-ea"/>
+        <a:cs typeface="+mn-cs"/>
+      </a:defRPr>
+    </a:lvl8pPr>
+    <a:lvl9pPr marL="3657600" algn="l" defTabSz="914400" rtl="0" eaLnBrk="1" latinLnBrk="0" hangingPunct="1">
+      <a:defRPr sz="1200" kern="1200">
+        <a:solidFill>
+          <a:schemeClr val="tx1"/>
+        </a:solidFill>
+        <a:latin typeface="+mn-lt"/>
+        <a:ea typeface="+mn-ea"/>
+        <a:cs typeface="+mn-cs"/>
+      </a:defRPr>
+    </a:lvl9pPr>
+  </p:notesStyle>
+</p:notesMaster>
+</file>
+
+<file path=ppt/notesSlides/notesSlide1.xml><?xml version="1.0" encoding="utf-8"?>
+<p:notes xmlns:a="http://schemas.openxmlformats.org/drawingml/2006/main" xmlns:r="http://schemas.openxmlformats.org/officeDocument/2006/relationships" xmlns:p="http://schemas.openxmlformats.org/presentationml/2006/main">
+  <p:cSld>
+    <p:spTree>
+      <p:nvGrpSpPr>
+        <p:cNvPr id="1" name=""/>
+        <p:cNvGrpSpPr/>
+        <p:nvPr/>
+      </p:nvGrpSpPr>
+      <p:grpSpPr>
+        <a:xfrm>
+          <a:off x="0" y="0"/>
+          <a:ext cx="0" cy="0"/>
+          <a:chOff x="0" y="0"/>
+          <a:chExt cx="0" cy="0"/>
+        </a:xfrm>
+      </p:grpSpPr>
+      <p:sp>
+        <p:nvSpPr>
+          <p:cNvPr id="2" name="Slide Image Placeholder 1"/>
+          <p:cNvSpPr>
+            <a:spLocks noGrp="1" noRot="1" noChangeAspect="1"/>
+          </p:cNvSpPr>
+          <p:nvPr>
+            <p:ph type="sldImg"/>
+          </p:nvPr>
+        </p:nvSpPr>
+        <p:spPr/>
+      </p:sp>
+      <p:sp>
+        <p:nvSpPr>
+          <p:cNvPr id="3" name="Notes Placeholder 2"/>
+          <p:cNvSpPr>
+            <a:spLocks noGrp="1"/>
+          </p:cNvSpPr>
+          <p:nvPr>
+            <p:ph type="body" idx="1"/>
+          </p:nvPr>
+        </p:nvSpPr>
+        <p:spPr/>
+        <p:txBody>
+          <a:bodyPr/>
+          <a:lstStyle/>
+          <a:p>
+            <a:endParaRPr lang="en-US"/>
+          </a:p>
+        </p:txBody>
+      </p:sp>
+      <p:sp>
+        <p:nvSpPr>
+          <p:cNvPr id="4" name="Slide Number Placeholder 3"/>
+          <p:cNvSpPr>
+            <a:spLocks noGrp="1"/>
+          </p:cNvSpPr>
+          <p:nvPr>
+            <p:ph type="sldNum" sz="quarter" idx="5"/>
+          </p:nvPr>
+        </p:nvSpPr>
+        <p:spPr/>
+        <p:txBody>
+          <a:bodyPr/>
+          <a:lstStyle/>
+          <a:p>
+            <a:fld id="{31674E15-9EC4-1C4C-9F0A-D4B7364F2117}" type="slidenum">
+              <a:rPr lang="en-US" smtClean="0"/>
+              <a:t>7</a:t>
+            </a:fld>
+            <a:endParaRPr lang="en-US"/>
+          </a:p>
+        </p:txBody>
+      </p:sp>
+    </p:spTree>
+    <p:extLst>
+      <p:ext uri="{BB962C8B-B14F-4D97-AF65-F5344CB8AC3E}">
+        <p14:creationId xmlns:p14="http://schemas.microsoft.com/office/powerpoint/2010/main" val="1717266128"/>
+      </p:ext>
+    </p:extLst>
+  </p:cSld>
+  <p:clrMapOvr>
+    <a:masterClrMapping/>
+  </p:clrMapOvr>
+</p:notes>
 </file>
 
 <file path=ppt/slideLayouts/slideLayout1.xml><?xml version="1.0" encoding="utf-8"?>
@@ -3543,6 +3980,87 @@
           </a:prstGeom>
         </p:spPr>
       </p:pic>
+      <p:pic>
+        <p:nvPicPr>
+          <p:cNvPr id="5" name="Picture 4">
+            <a:extLst>
+              <a:ext uri="{FF2B5EF4-FFF2-40B4-BE49-F238E27FC236}">
+                <a16:creationId xmlns:a16="http://schemas.microsoft.com/office/drawing/2014/main" id="{F954BB39-BA36-0AD6-591F-FF54CD4C0094}"/>
+              </a:ext>
+            </a:extLst>
+          </p:cNvPr>
+          <p:cNvPicPr>
+            <a:picLocks noChangeAspect="1"/>
+          </p:cNvPicPr>
+          <p:nvPr/>
+        </p:nvPicPr>
+        <p:blipFill>
+          <a:blip r:embed="rId4"/>
+          <a:stretch>
+            <a:fillRect/>
+          </a:stretch>
+        </p:blipFill>
+        <p:spPr>
+          <a:xfrm>
+            <a:off x="393177" y="753932"/>
+            <a:ext cx="5854700" cy="1219200"/>
+          </a:xfrm>
+          <a:prstGeom prst="rect">
+            <a:avLst/>
+          </a:prstGeom>
+        </p:spPr>
+      </p:pic>
+      <p:sp>
+        <p:nvSpPr>
+          <p:cNvPr id="8" name="TextBox 7">
+            <a:extLst>
+              <a:ext uri="{FF2B5EF4-FFF2-40B4-BE49-F238E27FC236}">
+                <a16:creationId xmlns:a16="http://schemas.microsoft.com/office/drawing/2014/main" id="{61361C80-94D5-F71D-C35F-97A32286CC81}"/>
+              </a:ext>
+            </a:extLst>
+          </p:cNvPr>
+          <p:cNvSpPr txBox="1"/>
+          <p:nvPr/>
+        </p:nvSpPr>
+        <p:spPr>
+          <a:xfrm>
+            <a:off x="1425388" y="1839121"/>
+            <a:ext cx="6099586" cy="646331"/>
+          </a:xfrm>
+          <a:prstGeom prst="rect">
+            <a:avLst/>
+          </a:prstGeom>
+          <a:noFill/>
+        </p:spPr>
+        <p:txBody>
+          <a:bodyPr wrap="square">
+            <a:spAutoFit/>
+          </a:bodyPr>
+          <a:lstStyle/>
+          <a:p>
+            <a:r>
+              <a:rPr lang="en-US" dirty="0"/>
+              <a:t>https://</a:t>
+            </a:r>
+            <a:r>
+              <a:rPr lang="en-US" dirty="0" err="1"/>
+              <a:t>blogs.worldbank.org</a:t>
+            </a:r>
+            <a:r>
+              <a:rPr lang="en-US" dirty="0"/>
+              <a:t>/</a:t>
+            </a:r>
+            <a:r>
+              <a:rPr lang="en-US" dirty="0" err="1"/>
+              <a:t>opendata</a:t>
+            </a:r>
+            <a:r>
+              <a:rPr lang="en-US" dirty="0"/>
+              <a:t>/new-world-bank-country-classifications-income-level-2021-2022</a:t>
+            </a:r>
+          </a:p>
+        </p:txBody>
+      </p:sp>
     </p:spTree>
     <p:extLst>
       <p:ext uri="{BB962C8B-B14F-4D97-AF65-F5344CB8AC3E}">
@@ -3633,6 +4151,445 @@
           </a:prstGeom>
         </p:spPr>
       </p:pic>
+      <p:sp>
+        <p:nvSpPr>
+          <p:cNvPr id="2" name="TextBox 1">
+            <a:extLst>
+              <a:ext uri="{FF2B5EF4-FFF2-40B4-BE49-F238E27FC236}">
+                <a16:creationId xmlns:a16="http://schemas.microsoft.com/office/drawing/2014/main" id="{CDFE98C8-8521-5AFB-F741-1687C6D8BF1D}"/>
+              </a:ext>
+            </a:extLst>
+          </p:cNvPr>
+          <p:cNvSpPr txBox="1"/>
+          <p:nvPr/>
+        </p:nvSpPr>
+        <p:spPr>
+          <a:xfrm>
+            <a:off x="4620435" y="174817"/>
+            <a:ext cx="2951129" cy="369332"/>
+          </a:xfrm>
+          <a:prstGeom prst="rect">
+            <a:avLst/>
+          </a:prstGeom>
+          <a:noFill/>
+        </p:spPr>
+        <p:txBody>
+          <a:bodyPr wrap="none" rtlCol="0">
+            <a:spAutoFit/>
+          </a:bodyPr>
+          <a:lstStyle/>
+          <a:p>
+            <a:pPr marL="342900" indent="-342900">
+              <a:buAutoNum type="arabicPeriod"/>
+            </a:pPr>
+            <a:r>
+              <a:rPr lang="en-US" dirty="0"/>
+              <a:t>The Source and the Data: </a:t>
+            </a:r>
+          </a:p>
+        </p:txBody>
+      </p:sp>
+      <p:pic>
+        <p:nvPicPr>
+          <p:cNvPr id="5" name="Picture 4">
+            <a:extLst>
+              <a:ext uri="{FF2B5EF4-FFF2-40B4-BE49-F238E27FC236}">
+                <a16:creationId xmlns:a16="http://schemas.microsoft.com/office/drawing/2014/main" id="{BC7B2712-666E-8776-5726-BAA329489118}"/>
+              </a:ext>
+            </a:extLst>
+          </p:cNvPr>
+          <p:cNvPicPr>
+            <a:picLocks noChangeAspect="1"/>
+          </p:cNvPicPr>
+          <p:nvPr/>
+        </p:nvPicPr>
+        <p:blipFill>
+          <a:blip r:embed="rId4"/>
+          <a:stretch>
+            <a:fillRect/>
+          </a:stretch>
+        </p:blipFill>
+        <p:spPr>
+          <a:xfrm>
+            <a:off x="4191893" y="839096"/>
+            <a:ext cx="3951645" cy="957431"/>
+          </a:xfrm>
+          <a:prstGeom prst="rect">
+            <a:avLst/>
+          </a:prstGeom>
+        </p:spPr>
+      </p:pic>
+      <p:sp>
+        <p:nvSpPr>
+          <p:cNvPr id="8" name="TextBox 7">
+            <a:extLst>
+              <a:ext uri="{FF2B5EF4-FFF2-40B4-BE49-F238E27FC236}">
+                <a16:creationId xmlns:a16="http://schemas.microsoft.com/office/drawing/2014/main" id="{EA0DC812-2817-22A1-EAC6-5997A7F797C4}"/>
+              </a:ext>
+            </a:extLst>
+          </p:cNvPr>
+          <p:cNvSpPr txBox="1"/>
+          <p:nvPr/>
+        </p:nvSpPr>
+        <p:spPr>
+          <a:xfrm>
+            <a:off x="1780787" y="3418556"/>
+            <a:ext cx="1100942" cy="923330"/>
+          </a:xfrm>
+          <a:prstGeom prst="rect">
+            <a:avLst/>
+          </a:prstGeom>
+          <a:noFill/>
+        </p:spPr>
+        <p:txBody>
+          <a:bodyPr wrap="none" rtlCol="0">
+            <a:spAutoFit/>
+          </a:bodyPr>
+          <a:lstStyle/>
+          <a:p>
+            <a:r>
+              <a:rPr lang="en-US" dirty="0"/>
+              <a:t>COUNTRY</a:t>
+            </a:r>
+          </a:p>
+          <a:p>
+            <a:pPr algn="ctr"/>
+            <a:r>
+              <a:rPr lang="en-US" dirty="0"/>
+              <a:t>or </a:t>
+            </a:r>
+          </a:p>
+          <a:p>
+            <a:r>
+              <a:rPr lang="en-US" dirty="0"/>
+              <a:t>  REGION </a:t>
+            </a:r>
+          </a:p>
+        </p:txBody>
+      </p:sp>
+      <p:sp>
+        <p:nvSpPr>
+          <p:cNvPr id="9" name="TextBox 8">
+            <a:extLst>
+              <a:ext uri="{FF2B5EF4-FFF2-40B4-BE49-F238E27FC236}">
+                <a16:creationId xmlns:a16="http://schemas.microsoft.com/office/drawing/2014/main" id="{B1DFC97F-4D90-FBE8-1D71-B0E38B9F63E6}"/>
+              </a:ext>
+            </a:extLst>
+          </p:cNvPr>
+          <p:cNvSpPr txBox="1"/>
+          <p:nvPr/>
+        </p:nvSpPr>
+        <p:spPr>
+          <a:xfrm>
+            <a:off x="5355009" y="3581796"/>
+            <a:ext cx="1368965" cy="369332"/>
+          </a:xfrm>
+          <a:prstGeom prst="rect">
+            <a:avLst/>
+          </a:prstGeom>
+          <a:noFill/>
+        </p:spPr>
+        <p:txBody>
+          <a:bodyPr wrap="none" rtlCol="0">
+            <a:spAutoFit/>
+          </a:bodyPr>
+          <a:lstStyle/>
+          <a:p>
+            <a:r>
+              <a:rPr lang="en-US" dirty="0"/>
+              <a:t>INDICATORS </a:t>
+            </a:r>
+          </a:p>
+        </p:txBody>
+      </p:sp>
+      <p:grpSp>
+        <p:nvGrpSpPr>
+          <p:cNvPr id="15" name="Group 14">
+            <a:extLst>
+              <a:ext uri="{FF2B5EF4-FFF2-40B4-BE49-F238E27FC236}">
+                <a16:creationId xmlns:a16="http://schemas.microsoft.com/office/drawing/2014/main" id="{55A2311C-5A96-B723-57C3-B6712CB62D21}"/>
+              </a:ext>
+            </a:extLst>
+          </p:cNvPr>
+          <p:cNvGrpSpPr/>
+          <p:nvPr/>
+        </p:nvGrpSpPr>
+        <p:grpSpPr>
+          <a:xfrm>
+            <a:off x="8831354" y="2348137"/>
+            <a:ext cx="1711140" cy="2954326"/>
+            <a:chOff x="6507703" y="2302136"/>
+            <a:chExt cx="1711140" cy="2954326"/>
+          </a:xfrm>
+        </p:grpSpPr>
+        <p:sp>
+          <p:nvSpPr>
+            <p:cNvPr id="10" name="TextBox 9">
+              <a:extLst>
+                <a:ext uri="{FF2B5EF4-FFF2-40B4-BE49-F238E27FC236}">
+                  <a16:creationId xmlns:a16="http://schemas.microsoft.com/office/drawing/2014/main" id="{F2E9FF09-0257-B52C-EEDC-E81B0BBF5DE0}"/>
+                </a:ext>
+              </a:extLst>
+            </p:cNvPr>
+            <p:cNvSpPr txBox="1"/>
+            <p:nvPr/>
+          </p:nvSpPr>
+          <p:spPr>
+            <a:xfrm>
+              <a:off x="6583680" y="2302136"/>
+              <a:ext cx="1413657" cy="369332"/>
+            </a:xfrm>
+            <a:prstGeom prst="rect">
+              <a:avLst/>
+            </a:prstGeom>
+            <a:noFill/>
+          </p:spPr>
+          <p:txBody>
+            <a:bodyPr wrap="none" rtlCol="0">
+              <a:spAutoFit/>
+            </a:bodyPr>
+            <a:lstStyle/>
+            <a:p>
+              <a:r>
+                <a:rPr lang="en-US" dirty="0"/>
+                <a:t>National Acc </a:t>
+              </a:r>
+            </a:p>
+          </p:txBody>
+        </p:sp>
+        <p:sp>
+          <p:nvSpPr>
+            <p:cNvPr id="11" name="TextBox 10">
+              <a:extLst>
+                <a:ext uri="{FF2B5EF4-FFF2-40B4-BE49-F238E27FC236}">
+                  <a16:creationId xmlns:a16="http://schemas.microsoft.com/office/drawing/2014/main" id="{1D4C3DFE-14C8-E941-40AA-AA2AE700F612}"/>
+                </a:ext>
+              </a:extLst>
+            </p:cNvPr>
+            <p:cNvSpPr txBox="1"/>
+            <p:nvPr/>
+          </p:nvSpPr>
+          <p:spPr>
+            <a:xfrm>
+              <a:off x="6682649" y="3003223"/>
+              <a:ext cx="1215717" cy="369332"/>
+            </a:xfrm>
+            <a:prstGeom prst="rect">
+              <a:avLst/>
+            </a:prstGeom>
+            <a:noFill/>
+          </p:spPr>
+          <p:txBody>
+            <a:bodyPr wrap="none" rtlCol="0">
+              <a:spAutoFit/>
+            </a:bodyPr>
+            <a:lstStyle/>
+            <a:p>
+              <a:r>
+                <a:rPr lang="en-US" dirty="0"/>
+                <a:t>Monetary  </a:t>
+              </a:r>
+            </a:p>
+          </p:txBody>
+        </p:sp>
+        <p:sp>
+          <p:nvSpPr>
+            <p:cNvPr id="12" name="TextBox 11">
+              <a:extLst>
+                <a:ext uri="{FF2B5EF4-FFF2-40B4-BE49-F238E27FC236}">
+                  <a16:creationId xmlns:a16="http://schemas.microsoft.com/office/drawing/2014/main" id="{3541C3DC-5139-CD0E-5954-6F674884BC5D}"/>
+                </a:ext>
+              </a:extLst>
+            </p:cNvPr>
+            <p:cNvSpPr txBox="1"/>
+            <p:nvPr/>
+          </p:nvSpPr>
+          <p:spPr>
+            <a:xfrm>
+              <a:off x="6873604" y="3576089"/>
+              <a:ext cx="758734" cy="369332"/>
+            </a:xfrm>
+            <a:prstGeom prst="rect">
+              <a:avLst/>
+            </a:prstGeom>
+            <a:noFill/>
+          </p:spPr>
+          <p:txBody>
+            <a:bodyPr wrap="none" rtlCol="0">
+              <a:spAutoFit/>
+            </a:bodyPr>
+            <a:lstStyle/>
+            <a:p>
+              <a:r>
+                <a:rPr lang="en-US" dirty="0"/>
+                <a:t>Trade </a:t>
+              </a:r>
+            </a:p>
+          </p:txBody>
+        </p:sp>
+        <p:sp>
+          <p:nvSpPr>
+            <p:cNvPr id="13" name="TextBox 12">
+              <a:extLst>
+                <a:ext uri="{FF2B5EF4-FFF2-40B4-BE49-F238E27FC236}">
+                  <a16:creationId xmlns:a16="http://schemas.microsoft.com/office/drawing/2014/main" id="{2CACDF4F-CAAC-FC03-AAD6-7CA10D29552A}"/>
+                </a:ext>
+              </a:extLst>
+            </p:cNvPr>
+            <p:cNvSpPr txBox="1"/>
+            <p:nvPr/>
+          </p:nvSpPr>
+          <p:spPr>
+            <a:xfrm>
+              <a:off x="6507703" y="4211782"/>
+              <a:ext cx="1528047" cy="369332"/>
+            </a:xfrm>
+            <a:prstGeom prst="rect">
+              <a:avLst/>
+            </a:prstGeom>
+            <a:noFill/>
+          </p:spPr>
+          <p:txBody>
+            <a:bodyPr wrap="none" rtlCol="0">
+              <a:spAutoFit/>
+            </a:bodyPr>
+            <a:lstStyle/>
+            <a:p>
+              <a:r>
+                <a:rPr lang="en-US" dirty="0"/>
+                <a:t>Demographics</a:t>
+              </a:r>
+            </a:p>
+          </p:txBody>
+        </p:sp>
+        <p:sp>
+          <p:nvSpPr>
+            <p:cNvPr id="14" name="TextBox 13">
+              <a:extLst>
+                <a:ext uri="{FF2B5EF4-FFF2-40B4-BE49-F238E27FC236}">
+                  <a16:creationId xmlns:a16="http://schemas.microsoft.com/office/drawing/2014/main" id="{8238077F-CC16-F401-3CA5-BBE87F25ACC8}"/>
+                </a:ext>
+              </a:extLst>
+            </p:cNvPr>
+            <p:cNvSpPr txBox="1"/>
+            <p:nvPr/>
+          </p:nvSpPr>
+          <p:spPr>
+            <a:xfrm>
+              <a:off x="6594438" y="4887130"/>
+              <a:ext cx="1624405" cy="369332"/>
+            </a:xfrm>
+            <a:prstGeom prst="rect">
+              <a:avLst/>
+            </a:prstGeom>
+            <a:noFill/>
+          </p:spPr>
+          <p:txBody>
+            <a:bodyPr wrap="square" rtlCol="0">
+              <a:spAutoFit/>
+            </a:bodyPr>
+            <a:lstStyle/>
+            <a:p>
+              <a:r>
+                <a:rPr lang="en-US" dirty="0"/>
+                <a:t> Gov. Finance</a:t>
+              </a:r>
+            </a:p>
+          </p:txBody>
+        </p:sp>
+      </p:grpSp>
+      <p:sp>
+        <p:nvSpPr>
+          <p:cNvPr id="16" name="Right Arrow 15">
+            <a:extLst>
+              <a:ext uri="{FF2B5EF4-FFF2-40B4-BE49-F238E27FC236}">
+                <a16:creationId xmlns:a16="http://schemas.microsoft.com/office/drawing/2014/main" id="{53693BB0-CE6E-9EB8-CB62-4DB5471FF083}"/>
+              </a:ext>
+            </a:extLst>
+          </p:cNvPr>
+          <p:cNvSpPr/>
+          <p:nvPr/>
+        </p:nvSpPr>
+        <p:spPr>
+          <a:xfrm>
+            <a:off x="3469036" y="3637397"/>
+            <a:ext cx="1376979" cy="258131"/>
+          </a:xfrm>
+          <a:prstGeom prst="rightArrow">
+            <a:avLst/>
+          </a:prstGeom>
+        </p:spPr>
+        <p:style>
+          <a:lnRef idx="2">
+            <a:schemeClr val="accent1">
+              <a:shade val="50000"/>
+            </a:schemeClr>
+          </a:lnRef>
+          <a:fillRef idx="1">
+            <a:schemeClr val="accent1"/>
+          </a:fillRef>
+          <a:effectRef idx="0">
+            <a:schemeClr val="accent1"/>
+          </a:effectRef>
+          <a:fontRef idx="minor">
+            <a:schemeClr val="lt1"/>
+          </a:fontRef>
+        </p:style>
+        <p:txBody>
+          <a:bodyPr rtlCol="0" anchor="ctr"/>
+          <a:lstStyle/>
+          <a:p>
+            <a:pPr algn="ctr"/>
+            <a:endParaRPr lang="en-US"/>
+          </a:p>
+        </p:txBody>
+      </p:sp>
+      <p:sp>
+        <p:nvSpPr>
+          <p:cNvPr id="17" name="Right Arrow 16">
+            <a:extLst>
+              <a:ext uri="{FF2B5EF4-FFF2-40B4-BE49-F238E27FC236}">
+                <a16:creationId xmlns:a16="http://schemas.microsoft.com/office/drawing/2014/main" id="{42FE821A-2989-4144-E443-8EAEC7FDDB6B}"/>
+              </a:ext>
+            </a:extLst>
+          </p:cNvPr>
+          <p:cNvSpPr/>
+          <p:nvPr/>
+        </p:nvSpPr>
+        <p:spPr>
+          <a:xfrm>
+            <a:off x="7091439" y="3640635"/>
+            <a:ext cx="1376979" cy="258131"/>
+          </a:xfrm>
+          <a:prstGeom prst="rightArrow">
+            <a:avLst/>
+          </a:prstGeom>
+        </p:spPr>
+        <p:style>
+          <a:lnRef idx="2">
+            <a:schemeClr val="accent1">
+              <a:shade val="50000"/>
+            </a:schemeClr>
+          </a:lnRef>
+          <a:fillRef idx="1">
+            <a:schemeClr val="accent1"/>
+          </a:fillRef>
+          <a:effectRef idx="0">
+            <a:schemeClr val="accent1"/>
+          </a:effectRef>
+          <a:fontRef idx="minor">
+            <a:schemeClr val="lt1"/>
+          </a:fontRef>
+        </p:style>
+        <p:txBody>
+          <a:bodyPr rtlCol="0" anchor="ctr"/>
+          <a:lstStyle/>
+          <a:p>
+            <a:pPr algn="ctr"/>
+            <a:endParaRPr lang="en-US"/>
+          </a:p>
+        </p:txBody>
+      </p:sp>
     </p:spTree>
     <p:extLst>
       <p:ext uri="{BB962C8B-B14F-4D97-AF65-F5344CB8AC3E}">
@@ -3723,6 +4680,832 @@
           </a:prstGeom>
         </p:spPr>
       </p:pic>
+      <p:grpSp>
+        <p:nvGrpSpPr>
+          <p:cNvPr id="14" name="Group 13">
+            <a:extLst>
+              <a:ext uri="{FF2B5EF4-FFF2-40B4-BE49-F238E27FC236}">
+                <a16:creationId xmlns:a16="http://schemas.microsoft.com/office/drawing/2014/main" id="{79E39FB2-DAA7-0940-8F49-3980DE64FEDA}"/>
+              </a:ext>
+            </a:extLst>
+          </p:cNvPr>
+          <p:cNvGrpSpPr/>
+          <p:nvPr/>
+        </p:nvGrpSpPr>
+        <p:grpSpPr>
+          <a:xfrm>
+            <a:off x="1037970" y="446775"/>
+            <a:ext cx="4370228" cy="3234342"/>
+            <a:chOff x="1024180" y="276455"/>
+            <a:chExt cx="4370228" cy="3234342"/>
+          </a:xfrm>
+        </p:grpSpPr>
+        <p:sp>
+          <p:nvSpPr>
+            <p:cNvPr id="10" name="TextBox 9">
+              <a:extLst>
+                <a:ext uri="{FF2B5EF4-FFF2-40B4-BE49-F238E27FC236}">
+                  <a16:creationId xmlns:a16="http://schemas.microsoft.com/office/drawing/2014/main" id="{FF12FD5D-D914-6264-A928-F4EC9351741A}"/>
+                </a:ext>
+              </a:extLst>
+            </p:cNvPr>
+            <p:cNvSpPr txBox="1"/>
+            <p:nvPr/>
+          </p:nvSpPr>
+          <p:spPr>
+            <a:xfrm>
+              <a:off x="1024180" y="276455"/>
+              <a:ext cx="1413657" cy="369332"/>
+            </a:xfrm>
+            <a:prstGeom prst="rect">
+              <a:avLst/>
+            </a:prstGeom>
+            <a:noFill/>
+          </p:spPr>
+          <p:txBody>
+            <a:bodyPr wrap="none" rtlCol="0">
+              <a:spAutoFit/>
+            </a:bodyPr>
+            <a:lstStyle/>
+            <a:p>
+              <a:r>
+                <a:rPr lang="en-US" dirty="0"/>
+                <a:t>National Acc </a:t>
+              </a:r>
+            </a:p>
+          </p:txBody>
+        </p:sp>
+        <p:sp>
+          <p:nvSpPr>
+            <p:cNvPr id="11" name="TextBox 10">
+              <a:extLst>
+                <a:ext uri="{FF2B5EF4-FFF2-40B4-BE49-F238E27FC236}">
+                  <a16:creationId xmlns:a16="http://schemas.microsoft.com/office/drawing/2014/main" id="{893DB3E5-6E45-2BFC-5719-1E5D68B738A2}"/>
+                </a:ext>
+              </a:extLst>
+            </p:cNvPr>
+            <p:cNvSpPr txBox="1"/>
+            <p:nvPr/>
+          </p:nvSpPr>
+          <p:spPr>
+            <a:xfrm>
+              <a:off x="1143343" y="648475"/>
+              <a:ext cx="4251065" cy="2862322"/>
+            </a:xfrm>
+            <a:prstGeom prst="rect">
+              <a:avLst/>
+            </a:prstGeom>
+            <a:noFill/>
+          </p:spPr>
+          <p:txBody>
+            <a:bodyPr wrap="square" rtlCol="0">
+              <a:spAutoFit/>
+            </a:bodyPr>
+            <a:lstStyle/>
+            <a:p>
+              <a:r>
+                <a:rPr lang="en-GB" sz="1200" b="1" dirty="0"/>
+                <a:t>Gross domestic product</a:t>
+              </a:r>
+              <a:r>
+                <a:rPr lang="en-GB" sz="1200" dirty="0"/>
+                <a:t>, constant price ( </a:t>
+              </a:r>
+              <a:r>
+                <a:rPr lang="en-GB" sz="1200" b="1" dirty="0"/>
+                <a:t>gdp_con</a:t>
+              </a:r>
+              <a:r>
+                <a:rPr lang="en-GB" sz="1200" dirty="0"/>
+                <a:t>) </a:t>
+              </a:r>
+            </a:p>
+            <a:p>
+              <a:r>
+                <a:rPr lang="en-GB" sz="1200" i="1" dirty="0"/>
+                <a:t>% GDP (inc. exports – imports)</a:t>
+              </a:r>
+            </a:p>
+            <a:p>
+              <a:r>
+                <a:rPr lang="en-GB" sz="1200" dirty="0"/>
+                <a:t> </a:t>
+              </a:r>
+            </a:p>
+            <a:p>
+              <a:r>
+                <a:rPr lang="en-GB" sz="1200" b="1" dirty="0"/>
+                <a:t>Gross domestic product, </a:t>
+              </a:r>
+              <a:r>
+                <a:rPr lang="en-GB" sz="1200" dirty="0"/>
+                <a:t>current prices </a:t>
+              </a:r>
+              <a:r>
+                <a:rPr lang="en-GB" sz="1200" b="1" dirty="0"/>
+                <a:t>(gdp_curr</a:t>
+              </a:r>
+              <a:r>
+                <a:rPr lang="en-GB" sz="1200" dirty="0"/>
+                <a:t>): </a:t>
+              </a:r>
+              <a:r>
+                <a:rPr lang="en-GB" sz="1200" i="1" dirty="0"/>
+                <a:t>$</a:t>
+              </a:r>
+            </a:p>
+            <a:p>
+              <a:r>
+                <a:rPr lang="en-GB" sz="1200" i="1" dirty="0"/>
+                <a:t>GDP (inc. exports – imports)</a:t>
+              </a:r>
+            </a:p>
+            <a:p>
+              <a:r>
+                <a:rPr lang="en-GB" sz="1200" i="1" dirty="0"/>
+                <a:t> </a:t>
+              </a:r>
+              <a:endParaRPr lang="en-GB" sz="1200" b="1" i="1" dirty="0"/>
+            </a:p>
+            <a:p>
+              <a:r>
+                <a:rPr lang="en-GB" sz="1200" b="1" dirty="0"/>
+                <a:t>Gross domestic product</a:t>
+              </a:r>
+              <a:r>
+                <a:rPr lang="en-GB" sz="1200" dirty="0"/>
+                <a:t>, deflator (</a:t>
+              </a:r>
+              <a:r>
+                <a:rPr lang="en-GB" sz="1200" b="1" dirty="0"/>
+                <a:t>gdp_defl</a:t>
+              </a:r>
+              <a:r>
+                <a:rPr lang="en-GB" sz="1200" dirty="0"/>
+                <a:t>) </a:t>
+              </a:r>
+            </a:p>
+            <a:p>
+              <a:r>
+                <a:rPr lang="en-GB" sz="1200" dirty="0"/>
+                <a:t> </a:t>
+              </a:r>
+            </a:p>
+            <a:p>
+              <a:r>
+                <a:rPr lang="en-GB" sz="1200" b="1" dirty="0"/>
+                <a:t>Gross domestic product per capita</a:t>
+              </a:r>
+              <a:r>
+                <a:rPr lang="en-GB" sz="1200" dirty="0"/>
+                <a:t>, constant prices</a:t>
+              </a:r>
+            </a:p>
+            <a:p>
+              <a:r>
+                <a:rPr lang="en-GB" sz="1200" dirty="0"/>
+                <a:t>(</a:t>
+              </a:r>
+              <a:r>
+                <a:rPr lang="en-GB" sz="1200" b="1" dirty="0"/>
+                <a:t>gdp_percap_cons</a:t>
+              </a:r>
+              <a:r>
+                <a:rPr lang="en-GB" sz="1200" dirty="0"/>
+                <a:t>) </a:t>
+              </a:r>
+              <a:r>
+                <a:rPr lang="en-GB" sz="1200" i="1" dirty="0"/>
+                <a:t>$</a:t>
+              </a:r>
+            </a:p>
+            <a:p>
+              <a:r>
+                <a:rPr lang="en-GB" sz="1200" dirty="0"/>
+                <a:t> </a:t>
+              </a:r>
+            </a:p>
+            <a:p>
+              <a:r>
+                <a:rPr lang="en-GB" sz="1200" b="1" dirty="0"/>
+                <a:t>Total investment</a:t>
+              </a:r>
+              <a:r>
+                <a:rPr lang="en-GB" sz="1200" dirty="0"/>
+                <a:t>(</a:t>
+              </a:r>
+              <a:r>
+                <a:rPr lang="en-GB" sz="1200" b="1" dirty="0"/>
+                <a:t>tot_invest</a:t>
+              </a:r>
+              <a:r>
+                <a:rPr lang="en-GB" sz="1200" dirty="0"/>
+                <a:t>) </a:t>
+              </a:r>
+              <a:r>
+                <a:rPr lang="en-GB" sz="1200" i="1" dirty="0"/>
+                <a:t>% GDP </a:t>
+              </a:r>
+            </a:p>
+            <a:p>
+              <a:r>
+                <a:rPr lang="en-GB" sz="1200" dirty="0"/>
+                <a:t> </a:t>
+              </a:r>
+            </a:p>
+            <a:p>
+              <a:r>
+                <a:rPr lang="en-GB" sz="1200" b="1" dirty="0"/>
+                <a:t>Gross national savings (gross_savings) </a:t>
+              </a:r>
+              <a:r>
+                <a:rPr lang="en-GB" sz="1200" i="1" dirty="0"/>
+                <a:t>% GDP</a:t>
+              </a:r>
+            </a:p>
+            <a:p>
+              <a:r>
+                <a:rPr lang="en-GB" sz="1200" dirty="0"/>
+                <a:t> </a:t>
+              </a:r>
+            </a:p>
+          </p:txBody>
+        </p:sp>
+      </p:grpSp>
+      <p:grpSp>
+        <p:nvGrpSpPr>
+          <p:cNvPr id="15" name="Group 14">
+            <a:extLst>
+              <a:ext uri="{FF2B5EF4-FFF2-40B4-BE49-F238E27FC236}">
+                <a16:creationId xmlns:a16="http://schemas.microsoft.com/office/drawing/2014/main" id="{316A9E5B-5558-C2D8-5662-175F1D64747E}"/>
+              </a:ext>
+            </a:extLst>
+          </p:cNvPr>
+          <p:cNvGrpSpPr/>
+          <p:nvPr/>
+        </p:nvGrpSpPr>
+        <p:grpSpPr>
+          <a:xfrm>
+            <a:off x="7357843" y="568935"/>
+            <a:ext cx="3543788" cy="1224456"/>
+            <a:chOff x="7357843" y="95438"/>
+            <a:chExt cx="3543788" cy="1224456"/>
+          </a:xfrm>
+        </p:grpSpPr>
+        <p:sp>
+          <p:nvSpPr>
+            <p:cNvPr id="5" name="TextBox 4">
+              <a:extLst>
+                <a:ext uri="{FF2B5EF4-FFF2-40B4-BE49-F238E27FC236}">
+                  <a16:creationId xmlns:a16="http://schemas.microsoft.com/office/drawing/2014/main" id="{D023D0B4-2E98-7E89-90E1-1BD9F365C11D}"/>
+                </a:ext>
+              </a:extLst>
+            </p:cNvPr>
+            <p:cNvSpPr txBox="1"/>
+            <p:nvPr/>
+          </p:nvSpPr>
+          <p:spPr>
+            <a:xfrm>
+              <a:off x="7357843" y="95438"/>
+              <a:ext cx="1215717" cy="369332"/>
+            </a:xfrm>
+            <a:prstGeom prst="rect">
+              <a:avLst/>
+            </a:prstGeom>
+            <a:noFill/>
+          </p:spPr>
+          <p:txBody>
+            <a:bodyPr wrap="none" rtlCol="0">
+              <a:spAutoFit/>
+            </a:bodyPr>
+            <a:lstStyle/>
+            <a:p>
+              <a:r>
+                <a:rPr lang="en-US" dirty="0"/>
+                <a:t>Monetary  </a:t>
+              </a:r>
+            </a:p>
+          </p:txBody>
+        </p:sp>
+        <p:sp>
+          <p:nvSpPr>
+            <p:cNvPr id="12" name="TextBox 11">
+              <a:extLst>
+                <a:ext uri="{FF2B5EF4-FFF2-40B4-BE49-F238E27FC236}">
+                  <a16:creationId xmlns:a16="http://schemas.microsoft.com/office/drawing/2014/main" id="{9D45E562-A76D-BCEC-EC76-F2A22355EE9D}"/>
+                </a:ext>
+              </a:extLst>
+            </p:cNvPr>
+            <p:cNvSpPr txBox="1"/>
+            <p:nvPr/>
+          </p:nvSpPr>
+          <p:spPr>
+            <a:xfrm>
+              <a:off x="7454662" y="488897"/>
+              <a:ext cx="3446969" cy="830997"/>
+            </a:xfrm>
+            <a:prstGeom prst="rect">
+              <a:avLst/>
+            </a:prstGeom>
+            <a:noFill/>
+          </p:spPr>
+          <p:txBody>
+            <a:bodyPr wrap="none" rtlCol="0">
+              <a:spAutoFit/>
+            </a:bodyPr>
+            <a:lstStyle/>
+            <a:p>
+              <a:r>
+                <a:rPr lang="en-GB" sz="1200" b="1" dirty="0"/>
+                <a:t>Inflation</a:t>
+              </a:r>
+              <a:r>
+                <a:rPr lang="en-GB" sz="1200" dirty="0"/>
+                <a:t>, average consumer prices (</a:t>
+              </a:r>
+              <a:r>
+                <a:rPr lang="en-GB" sz="1200" b="1" dirty="0"/>
+                <a:t>inflation_ind</a:t>
+              </a:r>
+              <a:r>
+                <a:rPr lang="en-GB" sz="1200" dirty="0"/>
+                <a:t>) %</a:t>
+              </a:r>
+            </a:p>
+            <a:p>
+              <a:r>
+                <a:rPr lang="en-GB" dirty="0"/>
+                <a:t> </a:t>
+              </a:r>
+            </a:p>
+            <a:p>
+              <a:endParaRPr lang="en-US" dirty="0"/>
+            </a:p>
+          </p:txBody>
+        </p:sp>
+      </p:grpSp>
+      <p:grpSp>
+        <p:nvGrpSpPr>
+          <p:cNvPr id="16" name="Group 15">
+            <a:extLst>
+              <a:ext uri="{FF2B5EF4-FFF2-40B4-BE49-F238E27FC236}">
+                <a16:creationId xmlns:a16="http://schemas.microsoft.com/office/drawing/2014/main" id="{E02B1512-BE51-2B2C-7DCD-854C7DB84BA9}"/>
+              </a:ext>
+            </a:extLst>
+          </p:cNvPr>
+          <p:cNvGrpSpPr/>
+          <p:nvPr/>
+        </p:nvGrpSpPr>
+        <p:grpSpPr>
+          <a:xfrm>
+            <a:off x="7357843" y="1817518"/>
+            <a:ext cx="3820211" cy="1362088"/>
+            <a:chOff x="7357843" y="1342801"/>
+            <a:chExt cx="3820211" cy="1362088"/>
+          </a:xfrm>
+        </p:grpSpPr>
+        <p:sp>
+          <p:nvSpPr>
+            <p:cNvPr id="8" name="TextBox 7">
+              <a:extLst>
+                <a:ext uri="{FF2B5EF4-FFF2-40B4-BE49-F238E27FC236}">
+                  <a16:creationId xmlns:a16="http://schemas.microsoft.com/office/drawing/2014/main" id="{33499FF6-0CD7-BC0D-DBFB-9F70DEC8741F}"/>
+                </a:ext>
+              </a:extLst>
+            </p:cNvPr>
+            <p:cNvSpPr txBox="1"/>
+            <p:nvPr/>
+          </p:nvSpPr>
+          <p:spPr>
+            <a:xfrm>
+              <a:off x="7357843" y="1342801"/>
+              <a:ext cx="1528047" cy="369332"/>
+            </a:xfrm>
+            <a:prstGeom prst="rect">
+              <a:avLst/>
+            </a:prstGeom>
+            <a:noFill/>
+          </p:spPr>
+          <p:txBody>
+            <a:bodyPr wrap="none" rtlCol="0">
+              <a:spAutoFit/>
+            </a:bodyPr>
+            <a:lstStyle/>
+            <a:p>
+              <a:r>
+                <a:rPr lang="en-US" dirty="0"/>
+                <a:t>Demographics</a:t>
+              </a:r>
+            </a:p>
+          </p:txBody>
+        </p:sp>
+        <p:sp>
+          <p:nvSpPr>
+            <p:cNvPr id="13" name="TextBox 12">
+              <a:extLst>
+                <a:ext uri="{FF2B5EF4-FFF2-40B4-BE49-F238E27FC236}">
+                  <a16:creationId xmlns:a16="http://schemas.microsoft.com/office/drawing/2014/main" id="{EA834C2D-C205-7541-E199-B351D1F429F9}"/>
+                </a:ext>
+              </a:extLst>
+            </p:cNvPr>
+            <p:cNvSpPr txBox="1"/>
+            <p:nvPr/>
+          </p:nvSpPr>
+          <p:spPr>
+            <a:xfrm>
+              <a:off x="7454662" y="1596893"/>
+              <a:ext cx="3723392" cy="1107996"/>
+            </a:xfrm>
+            <a:prstGeom prst="rect">
+              <a:avLst/>
+            </a:prstGeom>
+            <a:noFill/>
+          </p:spPr>
+          <p:txBody>
+            <a:bodyPr wrap="none" rtlCol="0">
+              <a:spAutoFit/>
+            </a:bodyPr>
+            <a:lstStyle/>
+            <a:p>
+              <a:r>
+                <a:rPr lang="en-GB" sz="1200" dirty="0"/>
+                <a:t> </a:t>
+              </a:r>
+            </a:p>
+            <a:p>
+              <a:r>
+                <a:rPr lang="en-GB" sz="1200" b="1" dirty="0"/>
+                <a:t>Unemployment rate (unemployment) </a:t>
+              </a:r>
+              <a:r>
+                <a:rPr lang="en-GB" sz="1200" i="1" dirty="0"/>
+                <a:t>% of labour force </a:t>
+              </a:r>
+            </a:p>
+            <a:p>
+              <a:r>
+                <a:rPr lang="en-GB" sz="1200" dirty="0"/>
+                <a:t> </a:t>
+              </a:r>
+            </a:p>
+            <a:p>
+              <a:r>
+                <a:rPr lang="en-GB" sz="1200" b="1" dirty="0"/>
+                <a:t>Population (pop)</a:t>
+              </a:r>
+            </a:p>
+            <a:p>
+              <a:endParaRPr lang="en-US" dirty="0"/>
+            </a:p>
+          </p:txBody>
+        </p:sp>
+      </p:grpSp>
+      <p:grpSp>
+        <p:nvGrpSpPr>
+          <p:cNvPr id="18" name="Group 17">
+            <a:extLst>
+              <a:ext uri="{FF2B5EF4-FFF2-40B4-BE49-F238E27FC236}">
+                <a16:creationId xmlns:a16="http://schemas.microsoft.com/office/drawing/2014/main" id="{395D9669-15CB-175B-8D6C-7EED84C62208}"/>
+              </a:ext>
+            </a:extLst>
+          </p:cNvPr>
+          <p:cNvGrpSpPr/>
+          <p:nvPr/>
+        </p:nvGrpSpPr>
+        <p:grpSpPr>
+          <a:xfrm>
+            <a:off x="7357843" y="3989430"/>
+            <a:ext cx="4420203" cy="1501454"/>
+            <a:chOff x="7384490" y="3012635"/>
+            <a:chExt cx="4420203" cy="1501454"/>
+          </a:xfrm>
+        </p:grpSpPr>
+        <p:sp>
+          <p:nvSpPr>
+            <p:cNvPr id="7" name="TextBox 6">
+              <a:extLst>
+                <a:ext uri="{FF2B5EF4-FFF2-40B4-BE49-F238E27FC236}">
+                  <a16:creationId xmlns:a16="http://schemas.microsoft.com/office/drawing/2014/main" id="{38AD2406-0252-9A77-464D-C785C78EBE8C}"/>
+                </a:ext>
+              </a:extLst>
+            </p:cNvPr>
+            <p:cNvSpPr txBox="1"/>
+            <p:nvPr/>
+          </p:nvSpPr>
+          <p:spPr>
+            <a:xfrm>
+              <a:off x="7384490" y="3012635"/>
+              <a:ext cx="758734" cy="369332"/>
+            </a:xfrm>
+            <a:prstGeom prst="rect">
+              <a:avLst/>
+            </a:prstGeom>
+            <a:noFill/>
+          </p:spPr>
+          <p:txBody>
+            <a:bodyPr wrap="none" rtlCol="0">
+              <a:spAutoFit/>
+            </a:bodyPr>
+            <a:lstStyle/>
+            <a:p>
+              <a:r>
+                <a:rPr lang="en-US" dirty="0"/>
+                <a:t>Trade </a:t>
+              </a:r>
+            </a:p>
+          </p:txBody>
+        </p:sp>
+        <p:sp>
+          <p:nvSpPr>
+            <p:cNvPr id="17" name="TextBox 16">
+              <a:extLst>
+                <a:ext uri="{FF2B5EF4-FFF2-40B4-BE49-F238E27FC236}">
+                  <a16:creationId xmlns:a16="http://schemas.microsoft.com/office/drawing/2014/main" id="{B23C818A-D7C9-9C34-4320-7E1B7EAD046D}"/>
+                </a:ext>
+              </a:extLst>
+            </p:cNvPr>
+            <p:cNvSpPr txBox="1"/>
+            <p:nvPr/>
+          </p:nvSpPr>
+          <p:spPr>
+            <a:xfrm>
+              <a:off x="7502425" y="3498426"/>
+              <a:ext cx="4302268" cy="1015663"/>
+            </a:xfrm>
+            <a:prstGeom prst="rect">
+              <a:avLst/>
+            </a:prstGeom>
+            <a:noFill/>
+          </p:spPr>
+          <p:txBody>
+            <a:bodyPr wrap="none" rtlCol="0">
+              <a:spAutoFit/>
+            </a:bodyPr>
+            <a:lstStyle/>
+            <a:p>
+              <a:r>
+                <a:rPr lang="en-GB" sz="1200" b="1" dirty="0"/>
+                <a:t>Volume of imports of goods and services (</a:t>
+              </a:r>
+              <a:r>
+                <a:rPr lang="en-GB" sz="1200" b="1" dirty="0" err="1"/>
+                <a:t>import_g_s</a:t>
+              </a:r>
+              <a:r>
+                <a:rPr lang="en-GB" sz="1200" b="1" dirty="0"/>
+                <a:t>)</a:t>
+              </a:r>
+              <a:r>
+                <a:rPr lang="en-GB" sz="1200" dirty="0"/>
+                <a:t> </a:t>
+              </a:r>
+              <a:r>
+                <a:rPr lang="en-GB" sz="1200" i="1" dirty="0"/>
+                <a:t>% change </a:t>
+              </a:r>
+            </a:p>
+            <a:p>
+              <a:r>
+                <a:rPr lang="en-GB" sz="1200" dirty="0"/>
+                <a:t> </a:t>
+              </a:r>
+            </a:p>
+            <a:p>
+              <a:r>
+                <a:rPr lang="en-GB" sz="1200" b="1" dirty="0"/>
+                <a:t>Volume of exports of goods and services (</a:t>
+              </a:r>
+              <a:r>
+                <a:rPr lang="en-GB" sz="1200" b="1" dirty="0" err="1"/>
+                <a:t>export_g_s</a:t>
+              </a:r>
+              <a:r>
+                <a:rPr lang="en-GB" sz="1200" b="1" dirty="0"/>
+                <a:t>) </a:t>
+              </a:r>
+              <a:r>
+                <a:rPr lang="en-GB" sz="1200" i="1" dirty="0"/>
+                <a:t>% change</a:t>
+              </a:r>
+            </a:p>
+            <a:p>
+              <a:r>
+                <a:rPr lang="en-GB" sz="1200" dirty="0"/>
+                <a:t> </a:t>
+              </a:r>
+            </a:p>
+            <a:p>
+              <a:endParaRPr lang="en-US" sz="1200" dirty="0"/>
+            </a:p>
+          </p:txBody>
+        </p:sp>
+      </p:grpSp>
+      <p:grpSp>
+        <p:nvGrpSpPr>
+          <p:cNvPr id="20" name="Group 19">
+            <a:extLst>
+              <a:ext uri="{FF2B5EF4-FFF2-40B4-BE49-F238E27FC236}">
+                <a16:creationId xmlns:a16="http://schemas.microsoft.com/office/drawing/2014/main" id="{C323A77D-4715-45A1-C066-F7FC4DBF06BD}"/>
+              </a:ext>
+            </a:extLst>
+          </p:cNvPr>
+          <p:cNvGrpSpPr/>
+          <p:nvPr/>
+        </p:nvGrpSpPr>
+        <p:grpSpPr>
+          <a:xfrm>
+            <a:off x="1037970" y="3989430"/>
+            <a:ext cx="4862769" cy="2408679"/>
+            <a:chOff x="1037970" y="3722923"/>
+            <a:chExt cx="4862769" cy="2408679"/>
+          </a:xfrm>
+        </p:grpSpPr>
+        <p:sp>
+          <p:nvSpPr>
+            <p:cNvPr id="9" name="TextBox 8">
+              <a:extLst>
+                <a:ext uri="{FF2B5EF4-FFF2-40B4-BE49-F238E27FC236}">
+                  <a16:creationId xmlns:a16="http://schemas.microsoft.com/office/drawing/2014/main" id="{B2E9A3C4-5791-AD4D-0DB7-681F69F69393}"/>
+                </a:ext>
+              </a:extLst>
+            </p:cNvPr>
+            <p:cNvSpPr txBox="1"/>
+            <p:nvPr/>
+          </p:nvSpPr>
+          <p:spPr>
+            <a:xfrm>
+              <a:off x="1037970" y="3722923"/>
+              <a:ext cx="1624405" cy="369332"/>
+            </a:xfrm>
+            <a:prstGeom prst="rect">
+              <a:avLst/>
+            </a:prstGeom>
+            <a:noFill/>
+          </p:spPr>
+          <p:txBody>
+            <a:bodyPr wrap="square" rtlCol="0">
+              <a:spAutoFit/>
+            </a:bodyPr>
+            <a:lstStyle/>
+            <a:p>
+              <a:r>
+                <a:rPr lang="en-US" dirty="0"/>
+                <a:t> Gov. Finance</a:t>
+              </a:r>
+            </a:p>
+          </p:txBody>
+        </p:sp>
+        <p:sp>
+          <p:nvSpPr>
+            <p:cNvPr id="19" name="TextBox 18">
+              <a:extLst>
+                <a:ext uri="{FF2B5EF4-FFF2-40B4-BE49-F238E27FC236}">
+                  <a16:creationId xmlns:a16="http://schemas.microsoft.com/office/drawing/2014/main" id="{65C6DB83-60F4-DEDA-6048-4B5C9592AD30}"/>
+                </a:ext>
+              </a:extLst>
+            </p:cNvPr>
+            <p:cNvSpPr txBox="1"/>
+            <p:nvPr/>
+          </p:nvSpPr>
+          <p:spPr>
+            <a:xfrm>
+              <a:off x="1157133" y="4192610"/>
+              <a:ext cx="4743606" cy="1938992"/>
+            </a:xfrm>
+            <a:prstGeom prst="rect">
+              <a:avLst/>
+            </a:prstGeom>
+            <a:noFill/>
+          </p:spPr>
+          <p:txBody>
+            <a:bodyPr wrap="none" rtlCol="0">
+              <a:spAutoFit/>
+            </a:bodyPr>
+            <a:lstStyle/>
+            <a:p>
+              <a:r>
+                <a:rPr lang="en-GB" sz="1200" b="1" dirty="0"/>
+                <a:t>General government revenue (gov_rev) </a:t>
+              </a:r>
+              <a:r>
+                <a:rPr lang="en-GB" sz="1200" i="1" dirty="0"/>
+                <a:t>% gdp </a:t>
+              </a:r>
+            </a:p>
+            <a:p>
+              <a:r>
+                <a:rPr lang="en-GB" sz="1200" dirty="0"/>
+                <a:t> </a:t>
+              </a:r>
+            </a:p>
+            <a:p>
+              <a:r>
+                <a:rPr lang="en-GB" sz="1200" b="1" dirty="0"/>
+                <a:t>General government total expenditure (</a:t>
+              </a:r>
+              <a:r>
+                <a:rPr lang="en-GB" sz="1200" b="1" dirty="0" err="1"/>
+                <a:t>gov_expend</a:t>
+              </a:r>
+              <a:r>
+                <a:rPr lang="en-GB" sz="1200" b="1" dirty="0"/>
+                <a:t>) </a:t>
+              </a:r>
+              <a:r>
+                <a:rPr lang="en-GB" sz="1200" i="1" dirty="0"/>
+                <a:t>% gdp</a:t>
+              </a:r>
+            </a:p>
+            <a:p>
+              <a:r>
+                <a:rPr lang="en-GB" sz="1200" dirty="0"/>
+                <a:t> </a:t>
+              </a:r>
+              <a:endParaRPr lang="en-GB" sz="1200" b="1" dirty="0"/>
+            </a:p>
+            <a:p>
+              <a:r>
+                <a:rPr lang="en-GB" sz="1200" b="1" dirty="0"/>
+                <a:t>General government net lending/borrowing ( </a:t>
+              </a:r>
+              <a:r>
+                <a:rPr lang="en-GB" sz="1200" b="1" dirty="0" err="1"/>
+                <a:t>gov_net_len</a:t>
+              </a:r>
+              <a:r>
+                <a:rPr lang="en-GB" sz="1200" b="1" dirty="0"/>
+                <a:t>/</a:t>
+              </a:r>
+              <a:r>
+                <a:rPr lang="en-GB" sz="1200" b="1" dirty="0" err="1"/>
+                <a:t>borr</a:t>
+              </a:r>
+              <a:r>
+                <a:rPr lang="en-GB" sz="1200" b="1" dirty="0"/>
+                <a:t>) </a:t>
+              </a:r>
+              <a:r>
+                <a:rPr lang="en-GB" sz="1200" i="1" dirty="0"/>
+                <a:t>% gdp </a:t>
+              </a:r>
+            </a:p>
+            <a:p>
+              <a:r>
+                <a:rPr lang="en-GB" sz="1200" dirty="0"/>
+                <a:t> </a:t>
+              </a:r>
+            </a:p>
+            <a:p>
+              <a:r>
+                <a:rPr lang="en-GB" sz="1200" b="1" dirty="0"/>
+                <a:t>General government gross debt(</a:t>
+              </a:r>
+              <a:r>
+                <a:rPr lang="en-GB" sz="1200" b="1" dirty="0" err="1"/>
+                <a:t>gross_debt</a:t>
+              </a:r>
+              <a:r>
+                <a:rPr lang="en-GB" sz="1200" b="1" dirty="0"/>
+                <a:t>) </a:t>
+              </a:r>
+              <a:r>
+                <a:rPr lang="en-GB" sz="1200" i="1" dirty="0"/>
+                <a:t>% gdp</a:t>
+              </a:r>
+            </a:p>
+            <a:p>
+              <a:r>
+                <a:rPr lang="en-GB" sz="1200" dirty="0"/>
+                <a:t> </a:t>
+              </a:r>
+            </a:p>
+            <a:p>
+              <a:r>
+                <a:rPr lang="en-GB" sz="1200" b="1" dirty="0"/>
+                <a:t>Current account balance (</a:t>
+              </a:r>
+              <a:r>
+                <a:rPr lang="en-GB" sz="1200" b="1" dirty="0" err="1"/>
+                <a:t>acc_bal</a:t>
+              </a:r>
+              <a:r>
+                <a:rPr lang="en-GB" sz="1200" b="1" dirty="0"/>
+                <a:t>) </a:t>
+              </a:r>
+              <a:r>
+                <a:rPr lang="en-GB" sz="1200" i="1" dirty="0"/>
+                <a:t>% gdp </a:t>
+              </a:r>
+            </a:p>
+            <a:p>
+              <a:r>
+                <a:rPr lang="en-GB" sz="1200" dirty="0"/>
+                <a:t> </a:t>
+              </a:r>
+            </a:p>
+          </p:txBody>
+        </p:sp>
+      </p:grpSp>
     </p:spTree>
     <p:extLst>
       <p:ext uri="{BB962C8B-B14F-4D97-AF65-F5344CB8AC3E}">
@@ -3816,7 +5599,7 @@
     </p:spTree>
     <p:extLst>
       <p:ext uri="{BB962C8B-B14F-4D97-AF65-F5344CB8AC3E}">
-        <p14:creationId xmlns:p14="http://schemas.microsoft.com/office/powerpoint/2010/main" val="1257098478"/>
+        <p14:creationId xmlns:p14="http://schemas.microsoft.com/office/powerpoint/2010/main" val="908340069"/>
       </p:ext>
     </p:extLst>
   </p:cSld>
@@ -3903,10 +5686,75 @@
           </a:prstGeom>
         </p:spPr>
       </p:pic>
+      <p:sp>
+        <p:nvSpPr>
+          <p:cNvPr id="2" name="TextBox 1">
+            <a:extLst>
+              <a:ext uri="{FF2B5EF4-FFF2-40B4-BE49-F238E27FC236}">
+                <a16:creationId xmlns:a16="http://schemas.microsoft.com/office/drawing/2014/main" id="{91E576C2-FAE7-760F-E055-591F9515BA00}"/>
+              </a:ext>
+            </a:extLst>
+          </p:cNvPr>
+          <p:cNvSpPr txBox="1"/>
+          <p:nvPr/>
+        </p:nvSpPr>
+        <p:spPr>
+          <a:xfrm>
+            <a:off x="4276174" y="225910"/>
+            <a:ext cx="3702167" cy="369332"/>
+          </a:xfrm>
+          <a:prstGeom prst="rect">
+            <a:avLst/>
+          </a:prstGeom>
+          <a:noFill/>
+        </p:spPr>
+        <p:txBody>
+          <a:bodyPr wrap="none" rtlCol="0">
+            <a:spAutoFit/>
+          </a:bodyPr>
+          <a:lstStyle/>
+          <a:p>
+            <a:r>
+              <a:rPr lang="en-US" dirty="0"/>
+              <a:t>The relations with the target feature: </a:t>
+            </a:r>
+          </a:p>
+        </p:txBody>
+      </p:sp>
+      <p:pic>
+        <p:nvPicPr>
+          <p:cNvPr id="5" name="Picture 4">
+            <a:extLst>
+              <a:ext uri="{FF2B5EF4-FFF2-40B4-BE49-F238E27FC236}">
+                <a16:creationId xmlns:a16="http://schemas.microsoft.com/office/drawing/2014/main" id="{368D76E5-60B5-5327-EBD9-67AC9BAF128D}"/>
+              </a:ext>
+            </a:extLst>
+          </p:cNvPr>
+          <p:cNvPicPr>
+            <a:picLocks noChangeAspect="1"/>
+          </p:cNvPicPr>
+          <p:nvPr/>
+        </p:nvPicPr>
+        <p:blipFill>
+          <a:blip r:embed="rId4"/>
+          <a:stretch>
+            <a:fillRect/>
+          </a:stretch>
+        </p:blipFill>
+        <p:spPr>
+          <a:xfrm>
+            <a:off x="1667150" y="698742"/>
+            <a:ext cx="8660189" cy="5530399"/>
+          </a:xfrm>
+          <a:prstGeom prst="rect">
+            <a:avLst/>
+          </a:prstGeom>
+        </p:spPr>
+      </p:pic>
     </p:spTree>
     <p:extLst>
       <p:ext uri="{BB962C8B-B14F-4D97-AF65-F5344CB8AC3E}">
-        <p14:creationId xmlns:p14="http://schemas.microsoft.com/office/powerpoint/2010/main" val="908340069"/>
+        <p14:creationId xmlns:p14="http://schemas.microsoft.com/office/powerpoint/2010/main" val="1257098478"/>
       </p:ext>
     </p:extLst>
   </p:cSld>
@@ -3987,6 +5835,449 @@
           <a:xfrm>
             <a:off x="11272220" y="5938220"/>
             <a:ext cx="919779" cy="919779"/>
+          </a:xfrm>
+          <a:prstGeom prst="rect">
+            <a:avLst/>
+          </a:prstGeom>
+        </p:spPr>
+      </p:pic>
+      <p:sp>
+        <p:nvSpPr>
+          <p:cNvPr id="2" name="TextBox 1">
+            <a:extLst>
+              <a:ext uri="{FF2B5EF4-FFF2-40B4-BE49-F238E27FC236}">
+                <a16:creationId xmlns:a16="http://schemas.microsoft.com/office/drawing/2014/main" id="{03B1974D-B586-9350-4297-6D81ABECA19A}"/>
+              </a:ext>
+            </a:extLst>
+          </p:cNvPr>
+          <p:cNvSpPr txBox="1"/>
+          <p:nvPr/>
+        </p:nvSpPr>
+        <p:spPr>
+          <a:xfrm>
+            <a:off x="5330662" y="193638"/>
+            <a:ext cx="1530675" cy="369332"/>
+          </a:xfrm>
+          <a:prstGeom prst="rect">
+            <a:avLst/>
+          </a:prstGeom>
+          <a:noFill/>
+        </p:spPr>
+        <p:txBody>
+          <a:bodyPr wrap="none" rtlCol="0">
+            <a:spAutoFit/>
+          </a:bodyPr>
+          <a:lstStyle/>
+          <a:p>
+            <a:r>
+              <a:rPr lang="en-US" dirty="0"/>
+              <a:t>ML approach: </a:t>
+            </a:r>
+          </a:p>
+        </p:txBody>
+      </p:sp>
+      <p:sp>
+        <p:nvSpPr>
+          <p:cNvPr id="3" name="TextBox 2">
+            <a:extLst>
+              <a:ext uri="{FF2B5EF4-FFF2-40B4-BE49-F238E27FC236}">
+                <a16:creationId xmlns:a16="http://schemas.microsoft.com/office/drawing/2014/main" id="{3E1B7C91-6301-A7B9-E170-8705AB9A54C2}"/>
+              </a:ext>
+            </a:extLst>
+          </p:cNvPr>
+          <p:cNvSpPr txBox="1"/>
+          <p:nvPr/>
+        </p:nvSpPr>
+        <p:spPr>
+          <a:xfrm>
+            <a:off x="2198688" y="1249673"/>
+            <a:ext cx="2265877" cy="369332"/>
+          </a:xfrm>
+          <a:prstGeom prst="rect">
+            <a:avLst/>
+          </a:prstGeom>
+          <a:noFill/>
+        </p:spPr>
+        <p:txBody>
+          <a:bodyPr wrap="none" rtlCol="0">
+            <a:spAutoFit/>
+          </a:bodyPr>
+          <a:lstStyle/>
+          <a:p>
+            <a:r>
+              <a:rPr lang="en-US" dirty="0"/>
+              <a:t>Supervised ML model </a:t>
+            </a:r>
+          </a:p>
+        </p:txBody>
+      </p:sp>
+      <p:sp>
+        <p:nvSpPr>
+          <p:cNvPr id="5" name="TextBox 4">
+            <a:extLst>
+              <a:ext uri="{FF2B5EF4-FFF2-40B4-BE49-F238E27FC236}">
+                <a16:creationId xmlns:a16="http://schemas.microsoft.com/office/drawing/2014/main" id="{6022CAF2-BDF6-CAB2-5879-E9DC03E19649}"/>
+              </a:ext>
+            </a:extLst>
+          </p:cNvPr>
+          <p:cNvSpPr txBox="1"/>
+          <p:nvPr/>
+        </p:nvSpPr>
+        <p:spPr>
+          <a:xfrm>
+            <a:off x="667516" y="1249673"/>
+            <a:ext cx="740908" cy="369332"/>
+          </a:xfrm>
+          <a:prstGeom prst="rect">
+            <a:avLst/>
+          </a:prstGeom>
+          <a:noFill/>
+        </p:spPr>
+        <p:txBody>
+          <a:bodyPr wrap="none" rtlCol="0">
+            <a:spAutoFit/>
+          </a:bodyPr>
+          <a:lstStyle/>
+          <a:p>
+            <a:r>
+              <a:rPr lang="en-US" dirty="0"/>
+              <a:t>AIM : </a:t>
+            </a:r>
+          </a:p>
+        </p:txBody>
+      </p:sp>
+      <p:sp>
+        <p:nvSpPr>
+          <p:cNvPr id="8" name="TextBox 7">
+            <a:extLst>
+              <a:ext uri="{FF2B5EF4-FFF2-40B4-BE49-F238E27FC236}">
+                <a16:creationId xmlns:a16="http://schemas.microsoft.com/office/drawing/2014/main" id="{0C739135-EC2B-F99B-3DA1-82C9DEAA58C0}"/>
+              </a:ext>
+            </a:extLst>
+          </p:cNvPr>
+          <p:cNvSpPr txBox="1"/>
+          <p:nvPr/>
+        </p:nvSpPr>
+        <p:spPr>
+          <a:xfrm>
+            <a:off x="5163671" y="1249673"/>
+            <a:ext cx="2876941" cy="646331"/>
+          </a:xfrm>
+          <a:prstGeom prst="rect">
+            <a:avLst/>
+          </a:prstGeom>
+          <a:noFill/>
+        </p:spPr>
+        <p:txBody>
+          <a:bodyPr wrap="none" rtlCol="0">
+            <a:spAutoFit/>
+          </a:bodyPr>
+          <a:lstStyle/>
+          <a:p>
+            <a:r>
+              <a:rPr lang="en-US" dirty="0"/>
+              <a:t>Predict Country GDP (Curr $)</a:t>
+            </a:r>
+          </a:p>
+          <a:p>
+            <a:r>
+              <a:rPr lang="en-US" dirty="0"/>
+              <a:t> </a:t>
+            </a:r>
+          </a:p>
+        </p:txBody>
+      </p:sp>
+      <p:sp>
+        <p:nvSpPr>
+          <p:cNvPr id="9" name="TextBox 8">
+            <a:extLst>
+              <a:ext uri="{FF2B5EF4-FFF2-40B4-BE49-F238E27FC236}">
+                <a16:creationId xmlns:a16="http://schemas.microsoft.com/office/drawing/2014/main" id="{6DD9FE2B-3367-E855-72CC-CFC820128D1F}"/>
+              </a:ext>
+            </a:extLst>
+          </p:cNvPr>
+          <p:cNvSpPr txBox="1"/>
+          <p:nvPr/>
+        </p:nvSpPr>
+        <p:spPr>
+          <a:xfrm>
+            <a:off x="9076698" y="1111173"/>
+            <a:ext cx="2447786" cy="646331"/>
+          </a:xfrm>
+          <a:prstGeom prst="rect">
+            <a:avLst/>
+          </a:prstGeom>
+          <a:noFill/>
+        </p:spPr>
+        <p:txBody>
+          <a:bodyPr wrap="none" rtlCol="0">
+            <a:spAutoFit/>
+          </a:bodyPr>
+          <a:lstStyle/>
+          <a:p>
+            <a:r>
+              <a:rPr lang="en-US" dirty="0"/>
+              <a:t>Based on the selected</a:t>
+            </a:r>
+          </a:p>
+          <a:p>
+            <a:r>
+              <a:rPr lang="en-US" dirty="0"/>
+              <a:t>features data from IMF </a:t>
+            </a:r>
+          </a:p>
+        </p:txBody>
+      </p:sp>
+      <p:sp>
+        <p:nvSpPr>
+          <p:cNvPr id="10" name="TextBox 9">
+            <a:extLst>
+              <a:ext uri="{FF2B5EF4-FFF2-40B4-BE49-F238E27FC236}">
+                <a16:creationId xmlns:a16="http://schemas.microsoft.com/office/drawing/2014/main" id="{12CF8888-E098-DD13-98D6-679066193D36}"/>
+              </a:ext>
+            </a:extLst>
+          </p:cNvPr>
+          <p:cNvSpPr txBox="1"/>
+          <p:nvPr/>
+        </p:nvSpPr>
+        <p:spPr>
+          <a:xfrm>
+            <a:off x="4816963" y="2039255"/>
+            <a:ext cx="2205540" cy="369332"/>
+          </a:xfrm>
+          <a:prstGeom prst="rect">
+            <a:avLst/>
+          </a:prstGeom>
+          <a:noFill/>
+        </p:spPr>
+        <p:txBody>
+          <a:bodyPr wrap="none" rtlCol="0">
+            <a:spAutoFit/>
+          </a:bodyPr>
+          <a:lstStyle/>
+          <a:p>
+            <a:r>
+              <a:rPr lang="en-US" dirty="0"/>
+              <a:t>What kind of model ?</a:t>
+            </a:r>
+          </a:p>
+        </p:txBody>
+      </p:sp>
+      <p:grpSp>
+        <p:nvGrpSpPr>
+          <p:cNvPr id="14" name="Group 13">
+            <a:extLst>
+              <a:ext uri="{FF2B5EF4-FFF2-40B4-BE49-F238E27FC236}">
+                <a16:creationId xmlns:a16="http://schemas.microsoft.com/office/drawing/2014/main" id="{D3B5EAAB-6711-1C5A-5F2C-33379B9EDAFE}"/>
+              </a:ext>
+            </a:extLst>
+          </p:cNvPr>
+          <p:cNvGrpSpPr/>
+          <p:nvPr/>
+        </p:nvGrpSpPr>
+        <p:grpSpPr>
+          <a:xfrm>
+            <a:off x="6911538" y="1963202"/>
+            <a:ext cx="2542876" cy="507831"/>
+            <a:chOff x="2228856" y="2813147"/>
+            <a:chExt cx="2542876" cy="507831"/>
+          </a:xfrm>
+        </p:grpSpPr>
+        <p:sp>
+          <p:nvSpPr>
+            <p:cNvPr id="11" name="TextBox 10">
+              <a:extLst>
+                <a:ext uri="{FF2B5EF4-FFF2-40B4-BE49-F238E27FC236}">
+                  <a16:creationId xmlns:a16="http://schemas.microsoft.com/office/drawing/2014/main" id="{F34F1AEC-FFA4-3164-706E-2DF5B92D174A}"/>
+                </a:ext>
+              </a:extLst>
+            </p:cNvPr>
+            <p:cNvSpPr txBox="1"/>
+            <p:nvPr/>
+          </p:nvSpPr>
+          <p:spPr>
+            <a:xfrm>
+              <a:off x="2228856" y="2813147"/>
+              <a:ext cx="1919372" cy="276999"/>
+            </a:xfrm>
+            <a:prstGeom prst="rect">
+              <a:avLst/>
+            </a:prstGeom>
+            <a:noFill/>
+          </p:spPr>
+          <p:txBody>
+            <a:bodyPr wrap="none" rtlCol="0">
+              <a:spAutoFit/>
+            </a:bodyPr>
+            <a:lstStyle/>
+            <a:p>
+              <a:r>
+                <a:rPr lang="en-US" sz="1200" dirty="0"/>
+                <a:t>Sample size ( 91 countries ) </a:t>
+              </a:r>
+            </a:p>
+          </p:txBody>
+        </p:sp>
+        <p:sp>
+          <p:nvSpPr>
+            <p:cNvPr id="12" name="TextBox 11">
+              <a:extLst>
+                <a:ext uri="{FF2B5EF4-FFF2-40B4-BE49-F238E27FC236}">
+                  <a16:creationId xmlns:a16="http://schemas.microsoft.com/office/drawing/2014/main" id="{638AE465-A05B-3AED-7849-EFEB11688E8C}"/>
+                </a:ext>
+              </a:extLst>
+            </p:cNvPr>
+            <p:cNvSpPr txBox="1"/>
+            <p:nvPr/>
+          </p:nvSpPr>
+          <p:spPr>
+            <a:xfrm>
+              <a:off x="2228856" y="3043979"/>
+              <a:ext cx="2542876" cy="276999"/>
+            </a:xfrm>
+            <a:prstGeom prst="rect">
+              <a:avLst/>
+            </a:prstGeom>
+            <a:noFill/>
+          </p:spPr>
+          <p:txBody>
+            <a:bodyPr wrap="none" rtlCol="0">
+              <a:spAutoFit/>
+            </a:bodyPr>
+            <a:lstStyle/>
+            <a:p>
+              <a:r>
+                <a:rPr lang="en-US" sz="1200" dirty="0"/>
+                <a:t>Numerical data ( mostly indexes or %)</a:t>
+              </a:r>
+            </a:p>
+          </p:txBody>
+        </p:sp>
+      </p:grpSp>
+      <p:sp>
+        <p:nvSpPr>
+          <p:cNvPr id="13" name="TextBox 12">
+            <a:extLst>
+              <a:ext uri="{FF2B5EF4-FFF2-40B4-BE49-F238E27FC236}">
+                <a16:creationId xmlns:a16="http://schemas.microsoft.com/office/drawing/2014/main" id="{2DD3D041-CB24-5DE3-4350-23AD82C3D91F}"/>
+              </a:ext>
+            </a:extLst>
+          </p:cNvPr>
+          <p:cNvSpPr txBox="1"/>
+          <p:nvPr/>
+        </p:nvSpPr>
+        <p:spPr>
+          <a:xfrm>
+            <a:off x="1198227" y="2973607"/>
+            <a:ext cx="2545249" cy="369332"/>
+          </a:xfrm>
+          <a:prstGeom prst="rect">
+            <a:avLst/>
+          </a:prstGeom>
+          <a:noFill/>
+        </p:spPr>
+        <p:txBody>
+          <a:bodyPr wrap="none" rtlCol="0">
+            <a:spAutoFit/>
+          </a:bodyPr>
+          <a:lstStyle/>
+          <a:p>
+            <a:r>
+              <a:rPr lang="en-US" dirty="0"/>
+              <a:t>Linear Regression Model </a:t>
+            </a:r>
+          </a:p>
+        </p:txBody>
+      </p:sp>
+      <p:sp>
+        <p:nvSpPr>
+          <p:cNvPr id="15" name="TextBox 14">
+            <a:extLst>
+              <a:ext uri="{FF2B5EF4-FFF2-40B4-BE49-F238E27FC236}">
+                <a16:creationId xmlns:a16="http://schemas.microsoft.com/office/drawing/2014/main" id="{37F3C352-D90D-F5A3-67EE-3BF511B242D3}"/>
+              </a:ext>
+            </a:extLst>
+          </p:cNvPr>
+          <p:cNvSpPr txBox="1"/>
+          <p:nvPr/>
+        </p:nvSpPr>
+        <p:spPr>
+          <a:xfrm>
+            <a:off x="7776661" y="2999619"/>
+            <a:ext cx="2319161" cy="369332"/>
+          </a:xfrm>
+          <a:prstGeom prst="rect">
+            <a:avLst/>
+          </a:prstGeom>
+          <a:noFill/>
+        </p:spPr>
+        <p:txBody>
+          <a:bodyPr wrap="none" rtlCol="0">
+            <a:spAutoFit/>
+          </a:bodyPr>
+          <a:lstStyle/>
+          <a:p>
+            <a:r>
+              <a:rPr lang="en-US" dirty="0"/>
+              <a:t>Random Forest Model </a:t>
+            </a:r>
+          </a:p>
+        </p:txBody>
+      </p:sp>
+      <p:pic>
+        <p:nvPicPr>
+          <p:cNvPr id="18" name="Picture 17">
+            <a:extLst>
+              <a:ext uri="{FF2B5EF4-FFF2-40B4-BE49-F238E27FC236}">
+                <a16:creationId xmlns:a16="http://schemas.microsoft.com/office/drawing/2014/main" id="{A489C301-EF71-EE55-5F46-8FCFD70D20DE}"/>
+              </a:ext>
+            </a:extLst>
+          </p:cNvPr>
+          <p:cNvPicPr>
+            <a:picLocks noChangeAspect="1"/>
+          </p:cNvPicPr>
+          <p:nvPr/>
+        </p:nvPicPr>
+        <p:blipFill>
+          <a:blip r:embed="rId4"/>
+          <a:stretch>
+            <a:fillRect/>
+          </a:stretch>
+        </p:blipFill>
+        <p:spPr>
+          <a:xfrm>
+            <a:off x="6095999" y="3798332"/>
+            <a:ext cx="5919780" cy="1742739"/>
+          </a:xfrm>
+          <a:prstGeom prst="rect">
+            <a:avLst/>
+          </a:prstGeom>
+        </p:spPr>
+      </p:pic>
+      <p:pic>
+        <p:nvPicPr>
+          <p:cNvPr id="22" name="Picture 21">
+            <a:extLst>
+              <a:ext uri="{FF2B5EF4-FFF2-40B4-BE49-F238E27FC236}">
+                <a16:creationId xmlns:a16="http://schemas.microsoft.com/office/drawing/2014/main" id="{C4A7D421-0259-F31A-DA22-1ED13FD1DC86}"/>
+              </a:ext>
+            </a:extLst>
+          </p:cNvPr>
+          <p:cNvPicPr>
+            <a:picLocks noChangeAspect="1"/>
+          </p:cNvPicPr>
+          <p:nvPr/>
+        </p:nvPicPr>
+        <p:blipFill>
+          <a:blip r:embed="rId5"/>
+          <a:stretch>
+            <a:fillRect/>
+          </a:stretch>
+        </p:blipFill>
+        <p:spPr>
+          <a:xfrm>
+            <a:off x="418228" y="3827765"/>
+            <a:ext cx="5501505" cy="1683872"/>
           </a:xfrm>
           <a:prstGeom prst="rect">
             <a:avLst/>
@@ -4038,7 +6329,7 @@
           <p:nvPr/>
         </p:nvPicPr>
         <p:blipFill>
-          <a:blip r:embed="rId2"/>
+          <a:blip r:embed="rId3"/>
           <a:stretch>
             <a:fillRect/>
           </a:stretch>
@@ -4068,7 +6359,7 @@
           <p:nvPr/>
         </p:nvPicPr>
         <p:blipFill>
-          <a:blip r:embed="rId3"/>
+          <a:blip r:embed="rId4"/>
           <a:stretch>
             <a:fillRect/>
           </a:stretch>
@@ -4077,6 +6368,101 @@
           <a:xfrm>
             <a:off x="11272220" y="5938220"/>
             <a:ext cx="919779" cy="919779"/>
+          </a:xfrm>
+          <a:prstGeom prst="rect">
+            <a:avLst/>
+          </a:prstGeom>
+        </p:spPr>
+      </p:pic>
+      <p:sp>
+        <p:nvSpPr>
+          <p:cNvPr id="2" name="TextBox 1">
+            <a:extLst>
+              <a:ext uri="{FF2B5EF4-FFF2-40B4-BE49-F238E27FC236}">
+                <a16:creationId xmlns:a16="http://schemas.microsoft.com/office/drawing/2014/main" id="{616D8598-590A-BA84-04A5-942A64FA2178}"/>
+              </a:ext>
+            </a:extLst>
+          </p:cNvPr>
+          <p:cNvSpPr txBox="1"/>
+          <p:nvPr/>
+        </p:nvSpPr>
+        <p:spPr>
+          <a:xfrm>
+            <a:off x="5082517" y="268941"/>
+            <a:ext cx="2026965" cy="369332"/>
+          </a:xfrm>
+          <a:prstGeom prst="rect">
+            <a:avLst/>
+          </a:prstGeom>
+          <a:noFill/>
+        </p:spPr>
+        <p:txBody>
+          <a:bodyPr wrap="none" rtlCol="0">
+            <a:spAutoFit/>
+          </a:bodyPr>
+          <a:lstStyle/>
+          <a:p>
+            <a:r>
+              <a:rPr lang="en-US" dirty="0"/>
+              <a:t>Hypothesis testing: </a:t>
+            </a:r>
+          </a:p>
+        </p:txBody>
+      </p:sp>
+      <p:pic>
+        <p:nvPicPr>
+          <p:cNvPr id="5" name="Picture 4">
+            <a:extLst>
+              <a:ext uri="{FF2B5EF4-FFF2-40B4-BE49-F238E27FC236}">
+                <a16:creationId xmlns:a16="http://schemas.microsoft.com/office/drawing/2014/main" id="{A9A26AC4-E0C7-6325-CA07-4168C71821EC}"/>
+              </a:ext>
+            </a:extLst>
+          </p:cNvPr>
+          <p:cNvPicPr>
+            <a:picLocks noChangeAspect="1"/>
+          </p:cNvPicPr>
+          <p:nvPr/>
+        </p:nvPicPr>
+        <p:blipFill>
+          <a:blip r:embed="rId5"/>
+          <a:stretch>
+            <a:fillRect/>
+          </a:stretch>
+        </p:blipFill>
+        <p:spPr>
+          <a:xfrm>
+            <a:off x="4964183" y="724056"/>
+            <a:ext cx="5514489" cy="1687846"/>
+          </a:xfrm>
+          <a:prstGeom prst="rect">
+            <a:avLst/>
+          </a:prstGeom>
+        </p:spPr>
+      </p:pic>
+      <p:pic>
+        <p:nvPicPr>
+          <p:cNvPr id="7" name="Picture 6">
+            <a:extLst>
+              <a:ext uri="{FF2B5EF4-FFF2-40B4-BE49-F238E27FC236}">
+                <a16:creationId xmlns:a16="http://schemas.microsoft.com/office/drawing/2014/main" id="{CF2F7E3E-4970-1068-1E1C-0ED3C75D19BE}"/>
+              </a:ext>
+            </a:extLst>
+          </p:cNvPr>
+          <p:cNvPicPr>
+            <a:picLocks noChangeAspect="1"/>
+          </p:cNvPicPr>
+          <p:nvPr/>
+        </p:nvPicPr>
+        <p:blipFill>
+          <a:blip r:embed="rId6"/>
+          <a:stretch>
+            <a:fillRect/>
+          </a:stretch>
+        </p:blipFill>
+        <p:spPr>
+          <a:xfrm>
+            <a:off x="730197" y="1247498"/>
+            <a:ext cx="3077956" cy="640963"/>
           </a:xfrm>
           <a:prstGeom prst="rect">
             <a:avLst/>
@@ -4569,4 +6955,299 @@
     </a:ext>
   </a:extLst>
 </a:theme>
+</file>
+
+<file path=ppt/theme/theme2.xml><?xml version="1.0" encoding="utf-8"?>
+<a:theme xmlns:a="http://schemas.openxmlformats.org/drawingml/2006/main" name="Office Theme">
+  <a:themeElements>
+    <a:clrScheme name="Office">
+      <a:dk1>
+        <a:sysClr val="windowText" lastClr="000000"/>
+      </a:dk1>
+      <a:lt1>
+        <a:sysClr val="window" lastClr="FFFFFF"/>
+      </a:lt1>
+      <a:dk2>
+        <a:srgbClr val="44546A"/>
+      </a:dk2>
+      <a:lt2>
+        <a:srgbClr val="E7E6E6"/>
+      </a:lt2>
+      <a:accent1>
+        <a:srgbClr val="4472C4"/>
+      </a:accent1>
+      <a:accent2>
+        <a:srgbClr val="ED7D31"/>
+      </a:accent2>
+      <a:accent3>
+        <a:srgbClr val="A5A5A5"/>
+      </a:accent3>
+      <a:accent4>
+        <a:srgbClr val="FFC000"/>
+      </a:accent4>
+      <a:accent5>
+        <a:srgbClr val="5B9BD5"/>
+      </a:accent5>
+      <a:accent6>
+        <a:srgbClr val="70AD47"/>
+      </a:accent6>
+      <a:hlink>
+        <a:srgbClr val="0563C1"/>
+      </a:hlink>
+      <a:folHlink>
+        <a:srgbClr val="954F72"/>
+      </a:folHlink>
+    </a:clrScheme>
+    <a:fontScheme name="Office">
+      <a:majorFont>
+        <a:latin typeface="Calibri Light" panose="020F0302020204030204"/>
+        <a:ea typeface=""/>
+        <a:cs typeface=""/>
+        <a:font script="Jpan" typeface="游ゴシック Light"/>
+        <a:font script="Hang" typeface="맑은 고딕"/>
+        <a:font script="Hans" typeface="等线 Light"/>
+        <a:font script="Hant" typeface="新細明體"/>
+        <a:font script="Arab" typeface="Times New Roman"/>
+        <a:font script="Hebr" typeface="Times New Roman"/>
+        <a:font script="Thai" typeface="Angsana New"/>
+        <a:font script="Ethi" typeface="Nyala"/>
+        <a:font script="Beng" typeface="Vrinda"/>
+        <a:font script="Gujr" typeface="Shruti"/>
+        <a:font script="Khmr" typeface="MoolBoran"/>
+        <a:font script="Knda" typeface="Tunga"/>
+        <a:font script="Guru" typeface="Raavi"/>
+        <a:font script="Cans" typeface="Euphemia"/>
+        <a:font script="Cher" typeface="Plantagenet Cherokee"/>
+        <a:font script="Yiii" typeface="Microsoft Yi Baiti"/>
+        <a:font script="Tibt" typeface="Microsoft Himalaya"/>
+        <a:font script="Thaa" typeface="MV Boli"/>
+        <a:font script="Deva" typeface="Mangal"/>
+        <a:font script="Telu" typeface="Gautami"/>
+        <a:font script="Taml" typeface="Latha"/>
+        <a:font script="Syrc" typeface="Estrangelo Edessa"/>
+        <a:font script="Orya" typeface="Kalinga"/>
+        <a:font script="Mlym" typeface="Kartika"/>
+        <a:font script="Laoo" typeface="DokChampa"/>
+        <a:font script="Sinh" typeface="Iskoola Pota"/>
+        <a:font script="Mong" typeface="Mongolian Baiti"/>
+        <a:font script="Viet" typeface="Times New Roman"/>
+        <a:font script="Uigh" typeface="Microsoft Uighur"/>
+        <a:font script="Geor" typeface="Sylfaen"/>
+        <a:font script="Armn" typeface="Arial"/>
+        <a:font script="Bugi" typeface="Leelawadee UI"/>
+        <a:font script="Bopo" typeface="Microsoft JhengHei"/>
+        <a:font script="Java" typeface="Javanese Text"/>
+        <a:font script="Lisu" typeface="Segoe UI"/>
+        <a:font script="Mymr" typeface="Myanmar Text"/>
+        <a:font script="Nkoo" typeface="Ebrima"/>
+        <a:font script="Olck" typeface="Nirmala UI"/>
+        <a:font script="Osma" typeface="Ebrima"/>
+        <a:font script="Phag" typeface="Phagspa"/>
+        <a:font script="Syrn" typeface="Estrangelo Edessa"/>
+        <a:font script="Syrj" typeface="Estrangelo Edessa"/>
+        <a:font script="Syre" typeface="Estrangelo Edessa"/>
+        <a:font script="Sora" typeface="Nirmala UI"/>
+        <a:font script="Tale" typeface="Microsoft Tai Le"/>
+        <a:font script="Talu" typeface="Microsoft New Tai Lue"/>
+        <a:font script="Tfng" typeface="Ebrima"/>
+      </a:majorFont>
+      <a:minorFont>
+        <a:latin typeface="Calibri" panose="020F0502020204030204"/>
+        <a:ea typeface=""/>
+        <a:cs typeface=""/>
+        <a:font script="Jpan" typeface="游ゴシック"/>
+        <a:font script="Hang" typeface="맑은 고딕"/>
+        <a:font script="Hans" typeface="等线"/>
+        <a:font script="Hant" typeface="新細明體"/>
+        <a:font script="Arab" typeface="Arial"/>
+        <a:font script="Hebr" typeface="Arial"/>
+        <a:font script="Thai" typeface="Cordia New"/>
+        <a:font script="Ethi" typeface="Nyala"/>
+        <a:font script="Beng" typeface="Vrinda"/>
+        <a:font script="Gujr" typeface="Shruti"/>
+        <a:font script="Khmr" typeface="DaunPenh"/>
+        <a:font script="Knda" typeface="Tunga"/>
+        <a:font script="Guru" typeface="Raavi"/>
+        <a:font script="Cans" typeface="Euphemia"/>
+        <a:font script="Cher" typeface="Plantagenet Cherokee"/>
+        <a:font script="Yiii" typeface="Microsoft Yi Baiti"/>
+        <a:font script="Tibt" typeface="Microsoft Himalaya"/>
+        <a:font script="Thaa" typeface="MV Boli"/>
+        <a:font script="Deva" typeface="Mangal"/>
+        <a:font script="Telu" typeface="Gautami"/>
+        <a:font script="Taml" typeface="Latha"/>
+        <a:font script="Syrc" typeface="Estrangelo Edessa"/>
+        <a:font script="Orya" typeface="Kalinga"/>
+        <a:font script="Mlym" typeface="Kartika"/>
+        <a:font script="Laoo" typeface="DokChampa"/>
+        <a:font script="Sinh" typeface="Iskoola Pota"/>
+        <a:font script="Mong" typeface="Mongolian Baiti"/>
+        <a:font script="Viet" typeface="Arial"/>
+        <a:font script="Uigh" typeface="Microsoft Uighur"/>
+        <a:font script="Geor" typeface="Sylfaen"/>
+        <a:font script="Armn" typeface="Arial"/>
+        <a:font script="Bugi" typeface="Leelawadee UI"/>
+        <a:font script="Bopo" typeface="Microsoft JhengHei"/>
+        <a:font script="Java" typeface="Javanese Text"/>
+        <a:font script="Lisu" typeface="Segoe UI"/>
+        <a:font script="Mymr" typeface="Myanmar Text"/>
+        <a:font script="Nkoo" typeface="Ebrima"/>
+        <a:font script="Olck" typeface="Nirmala UI"/>
+        <a:font script="Osma" typeface="Ebrima"/>
+        <a:font script="Phag" typeface="Phagspa"/>
+        <a:font script="Syrn" typeface="Estrangelo Edessa"/>
+        <a:font script="Syrj" typeface="Estrangelo Edessa"/>
+        <a:font script="Syre" typeface="Estrangelo Edessa"/>
+        <a:font script="Sora" typeface="Nirmala UI"/>
+        <a:font script="Tale" typeface="Microsoft Tai Le"/>
+        <a:font script="Talu" typeface="Microsoft New Tai Lue"/>
+        <a:font script="Tfng" typeface="Ebrima"/>
+      </a:minorFont>
+    </a:fontScheme>
+    <a:fmtScheme name="Office">
+      <a:fillStyleLst>
+        <a:solidFill>
+          <a:schemeClr val="phClr"/>
+        </a:solidFill>
+        <a:gradFill rotWithShape="1">
+          <a:gsLst>
+            <a:gs pos="0">
+              <a:schemeClr val="phClr">
+                <a:lumMod val="110000"/>
+                <a:satMod val="105000"/>
+                <a:tint val="67000"/>
+              </a:schemeClr>
+            </a:gs>
+            <a:gs pos="50000">
+              <a:schemeClr val="phClr">
+                <a:lumMod val="105000"/>
+                <a:satMod val="103000"/>
+                <a:tint val="73000"/>
+              </a:schemeClr>
+            </a:gs>
+            <a:gs pos="100000">
+              <a:schemeClr val="phClr">
+                <a:lumMod val="105000"/>
+                <a:satMod val="109000"/>
+                <a:tint val="81000"/>
+              </a:schemeClr>
+            </a:gs>
+          </a:gsLst>
+          <a:lin ang="5400000" scaled="0"/>
+        </a:gradFill>
+        <a:gradFill rotWithShape="1">
+          <a:gsLst>
+            <a:gs pos="0">
+              <a:schemeClr val="phClr">
+                <a:satMod val="103000"/>
+                <a:lumMod val="102000"/>
+                <a:tint val="94000"/>
+              </a:schemeClr>
+            </a:gs>
+            <a:gs pos="50000">
+              <a:schemeClr val="phClr">
+                <a:satMod val="110000"/>
+                <a:lumMod val="100000"/>
+                <a:shade val="100000"/>
+              </a:schemeClr>
+            </a:gs>
+            <a:gs pos="100000">
+              <a:schemeClr val="phClr">
+                <a:lumMod val="99000"/>
+                <a:satMod val="120000"/>
+                <a:shade val="78000"/>
+              </a:schemeClr>
+            </a:gs>
+          </a:gsLst>
+          <a:lin ang="5400000" scaled="0"/>
+        </a:gradFill>
+      </a:fillStyleLst>
+      <a:lnStyleLst>
+        <a:ln w="6350" cap="flat" cmpd="sng" algn="ctr">
+          <a:solidFill>
+            <a:schemeClr val="phClr"/>
+          </a:solidFill>
+          <a:prstDash val="solid"/>
+          <a:miter lim="800000"/>
+        </a:ln>
+        <a:ln w="12700" cap="flat" cmpd="sng" algn="ctr">
+          <a:solidFill>
+            <a:schemeClr val="phClr"/>
+          </a:solidFill>
+          <a:prstDash val="solid"/>
+          <a:miter lim="800000"/>
+        </a:ln>
+        <a:ln w="19050" cap="flat" cmpd="sng" algn="ctr">
+          <a:solidFill>
+            <a:schemeClr val="phClr"/>
+          </a:solidFill>
+          <a:prstDash val="solid"/>
+          <a:miter lim="800000"/>
+        </a:ln>
+      </a:lnStyleLst>
+      <a:effectStyleLst>
+        <a:effectStyle>
+          <a:effectLst/>
+        </a:effectStyle>
+        <a:effectStyle>
+          <a:effectLst/>
+        </a:effectStyle>
+        <a:effectStyle>
+          <a:effectLst>
+            <a:outerShdw blurRad="57150" dist="19050" dir="5400000" algn="ctr" rotWithShape="0">
+              <a:srgbClr val="000000">
+                <a:alpha val="63000"/>
+              </a:srgbClr>
+            </a:outerShdw>
+          </a:effectLst>
+        </a:effectStyle>
+      </a:effectStyleLst>
+      <a:bgFillStyleLst>
+        <a:solidFill>
+          <a:schemeClr val="phClr"/>
+        </a:solidFill>
+        <a:solidFill>
+          <a:schemeClr val="phClr">
+            <a:tint val="95000"/>
+            <a:satMod val="170000"/>
+          </a:schemeClr>
+        </a:solidFill>
+        <a:gradFill rotWithShape="1">
+          <a:gsLst>
+            <a:gs pos="0">
+              <a:schemeClr val="phClr">
+                <a:tint val="93000"/>
+                <a:satMod val="150000"/>
+                <a:shade val="98000"/>
+                <a:lumMod val="102000"/>
+              </a:schemeClr>
+            </a:gs>
+            <a:gs pos="50000">
+              <a:schemeClr val="phClr">
+                <a:tint val="98000"/>
+                <a:satMod val="130000"/>
+                <a:shade val="90000"/>
+                <a:lumMod val="103000"/>
+              </a:schemeClr>
+            </a:gs>
+            <a:gs pos="100000">
+              <a:schemeClr val="phClr">
+                <a:shade val="63000"/>
+                <a:satMod val="120000"/>
+              </a:schemeClr>
+            </a:gs>
+          </a:gsLst>
+          <a:lin ang="5400000" scaled="0"/>
+        </a:gradFill>
+      </a:bgFillStyleLst>
+    </a:fmtScheme>
+  </a:themeElements>
+  <a:objectDefaults/>
+  <a:extraClrSchemeLst/>
+  <a:extLst>
+    <a:ext uri="{05A4C25C-085E-4340-85A3-A5531E510DB2}">
+      <thm15:themeFamily xmlns:thm15="http://schemas.microsoft.com/office/thememl/2012/main" name="Office Theme" id="{62F939B6-93AF-4DB8-9C6B-D6C7DFDC589F}" vid="{4A3C46E8-61CC-4603-A589-7422A47A8E4A}"/>
+    </a:ext>
+  </a:extLst>
+</a:theme>
 </file>
--- a/gdp_presentation.pptx
+++ b/gdp_presentation.pptx
@@ -5,7 +5,7 @@
     <p:sldMasterId id="2147483648" r:id="rId1"/>
   </p:sldMasterIdLst>
   <p:notesMasterIdLst>
-    <p:notesMasterId r:id="rId12"/>
+    <p:notesMasterId r:id="rId14"/>
   </p:notesMasterIdLst>
   <p:sldIdLst>
     <p:sldId id="256" r:id="rId2"/>
@@ -14,10 +14,12 @@
     <p:sldId id="260" r:id="rId5"/>
     <p:sldId id="259" r:id="rId6"/>
     <p:sldId id="261" r:id="rId7"/>
-    <p:sldId id="262" r:id="rId8"/>
+    <p:sldId id="265" r:id="rId8"/>
     <p:sldId id="263" r:id="rId9"/>
     <p:sldId id="264" r:id="rId10"/>
-    <p:sldId id="265" r:id="rId11"/>
+    <p:sldId id="266" r:id="rId11"/>
+    <p:sldId id="267" r:id="rId12"/>
+    <p:sldId id="262" r:id="rId13"/>
   </p:sldIdLst>
   <p:sldSz cx="12192000" cy="6858000"/>
   <p:notesSz cx="6858000" cy="9144000"/>
@@ -116,6 +118,11 @@
       </a:defRPr>
     </a:lvl9pPr>
   </p:defaultTextStyle>
+  <p:extLst>
+    <p:ext uri="{EFAFB233-063F-42B5-8137-9DF3F51BA10A}">
+      <p15:sldGuideLst xmlns:p15="http://schemas.microsoft.com/office/powerpoint/2012/main"/>
+    </p:ext>
+  </p:extLst>
 </p:presentation>
 </file>
 
@@ -201,7 +208,7 @@
           <a:p>
             <a:fld id="{1507099F-98EB-4B41-BBBE-862CA11BA5AE}" type="datetimeFigureOut">
               <a:rPr lang="en-US" smtClean="0"/>
-              <a:t>7/14/22</a:t>
+              <a:t>7/15/22</a:t>
             </a:fld>
             <a:endParaRPr lang="en-US"/>
           </a:p>
@@ -534,7 +541,7 @@
           <a:p>
             <a:fld id="{31674E15-9EC4-1C4C-9F0A-D4B7364F2117}" type="slidenum">
               <a:rPr lang="en-US" smtClean="0"/>
-              <a:t>7</a:t>
+              <a:t>12</a:t>
             </a:fld>
             <a:endParaRPr lang="en-US"/>
           </a:p>
@@ -702,7 +709,7 @@
           <a:p>
             <a:fld id="{31504168-084F-B14D-8981-B6A7DFD6AFFE}" type="datetimeFigureOut">
               <a:rPr lang="en-US" smtClean="0"/>
-              <a:t>7/14/22</a:t>
+              <a:t>7/15/22</a:t>
             </a:fld>
             <a:endParaRPr lang="en-US"/>
           </a:p>
@@ -902,7 +909,7 @@
           <a:p>
             <a:fld id="{31504168-084F-B14D-8981-B6A7DFD6AFFE}" type="datetimeFigureOut">
               <a:rPr lang="en-US" smtClean="0"/>
-              <a:t>7/14/22</a:t>
+              <a:t>7/15/22</a:t>
             </a:fld>
             <a:endParaRPr lang="en-US"/>
           </a:p>
@@ -1112,7 +1119,7 @@
           <a:p>
             <a:fld id="{31504168-084F-B14D-8981-B6A7DFD6AFFE}" type="datetimeFigureOut">
               <a:rPr lang="en-US" smtClean="0"/>
-              <a:t>7/14/22</a:t>
+              <a:t>7/15/22</a:t>
             </a:fld>
             <a:endParaRPr lang="en-US"/>
           </a:p>
@@ -1312,7 +1319,7 @@
           <a:p>
             <a:fld id="{31504168-084F-B14D-8981-B6A7DFD6AFFE}" type="datetimeFigureOut">
               <a:rPr lang="en-US" smtClean="0"/>
-              <a:t>7/14/22</a:t>
+              <a:t>7/15/22</a:t>
             </a:fld>
             <a:endParaRPr lang="en-US"/>
           </a:p>
@@ -1588,7 +1595,7 @@
           <a:p>
             <a:fld id="{31504168-084F-B14D-8981-B6A7DFD6AFFE}" type="datetimeFigureOut">
               <a:rPr lang="en-US" smtClean="0"/>
-              <a:t>7/14/22</a:t>
+              <a:t>7/15/22</a:t>
             </a:fld>
             <a:endParaRPr lang="en-US"/>
           </a:p>
@@ -1856,7 +1863,7 @@
           <a:p>
             <a:fld id="{31504168-084F-B14D-8981-B6A7DFD6AFFE}" type="datetimeFigureOut">
               <a:rPr lang="en-US" smtClean="0"/>
-              <a:t>7/14/22</a:t>
+              <a:t>7/15/22</a:t>
             </a:fld>
             <a:endParaRPr lang="en-US"/>
           </a:p>
@@ -2271,7 +2278,7 @@
           <a:p>
             <a:fld id="{31504168-084F-B14D-8981-B6A7DFD6AFFE}" type="datetimeFigureOut">
               <a:rPr lang="en-US" smtClean="0"/>
-              <a:t>7/14/22</a:t>
+              <a:t>7/15/22</a:t>
             </a:fld>
             <a:endParaRPr lang="en-US"/>
           </a:p>
@@ -2413,7 +2420,7 @@
           <a:p>
             <a:fld id="{31504168-084F-B14D-8981-B6A7DFD6AFFE}" type="datetimeFigureOut">
               <a:rPr lang="en-US" smtClean="0"/>
-              <a:t>7/14/22</a:t>
+              <a:t>7/15/22</a:t>
             </a:fld>
             <a:endParaRPr lang="en-US"/>
           </a:p>
@@ -2526,7 +2533,7 @@
           <a:p>
             <a:fld id="{31504168-084F-B14D-8981-B6A7DFD6AFFE}" type="datetimeFigureOut">
               <a:rPr lang="en-US" smtClean="0"/>
-              <a:t>7/14/22</a:t>
+              <a:t>7/15/22</a:t>
             </a:fld>
             <a:endParaRPr lang="en-US"/>
           </a:p>
@@ -2839,7 +2846,7 @@
           <a:p>
             <a:fld id="{31504168-084F-B14D-8981-B6A7DFD6AFFE}" type="datetimeFigureOut">
               <a:rPr lang="en-US" smtClean="0"/>
-              <a:t>7/14/22</a:t>
+              <a:t>7/15/22</a:t>
             </a:fld>
             <a:endParaRPr lang="en-US"/>
           </a:p>
@@ -3128,7 +3135,7 @@
           <a:p>
             <a:fld id="{31504168-084F-B14D-8981-B6A7DFD6AFFE}" type="datetimeFigureOut">
               <a:rPr lang="en-US" smtClean="0"/>
-              <a:t>7/14/22</a:t>
+              <a:t>7/15/22</a:t>
             </a:fld>
             <a:endParaRPr lang="en-US"/>
           </a:p>
@@ -3371,7 +3378,7 @@
           <a:p>
             <a:fld id="{31504168-084F-B14D-8981-B6A7DFD6AFFE}" type="datetimeFigureOut">
               <a:rPr lang="en-US" smtClean="0"/>
-              <a:t>7/14/22</a:t>
+              <a:t>7/15/22</a:t>
             </a:fld>
             <a:endParaRPr lang="en-US"/>
           </a:p>
@@ -3980,12 +3987,162 @@
           </a:prstGeom>
         </p:spPr>
       </p:pic>
+    </p:spTree>
+    <p:extLst>
+      <p:ext uri="{BB962C8B-B14F-4D97-AF65-F5344CB8AC3E}">
+        <p14:creationId xmlns:p14="http://schemas.microsoft.com/office/powerpoint/2010/main" val="3697611980"/>
+      </p:ext>
+    </p:extLst>
+  </p:cSld>
+  <p:clrMapOvr>
+    <a:masterClrMapping/>
+  </p:clrMapOvr>
+</p:sld>
+</file>
+
+<file path=ppt/slides/slide11.xml><?xml version="1.0" encoding="utf-8"?>
+<p:sld xmlns:a="http://schemas.openxmlformats.org/drawingml/2006/main" xmlns:r="http://schemas.openxmlformats.org/officeDocument/2006/relationships" xmlns:p="http://schemas.openxmlformats.org/presentationml/2006/main">
+  <p:cSld>
+    <p:spTree>
+      <p:nvGrpSpPr>
+        <p:cNvPr id="1" name=""/>
+        <p:cNvGrpSpPr/>
+        <p:nvPr/>
+      </p:nvGrpSpPr>
+      <p:grpSpPr>
+        <a:xfrm>
+          <a:off x="0" y="0"/>
+          <a:ext cx="0" cy="0"/>
+          <a:chOff x="0" y="0"/>
+          <a:chExt cx="0" cy="0"/>
+        </a:xfrm>
+      </p:grpSpPr>
       <p:pic>
         <p:nvPicPr>
-          <p:cNvPr id="5" name="Picture 4">
-            <a:extLst>
-              <a:ext uri="{FF2B5EF4-FFF2-40B4-BE49-F238E27FC236}">
-                <a16:creationId xmlns:a16="http://schemas.microsoft.com/office/drawing/2014/main" id="{F954BB39-BA36-0AD6-591F-FF54CD4C0094}"/>
+          <p:cNvPr id="4" name="Picture 3">
+            <a:extLst>
+              <a:ext uri="{FF2B5EF4-FFF2-40B4-BE49-F238E27FC236}">
+                <a16:creationId xmlns:a16="http://schemas.microsoft.com/office/drawing/2014/main" id="{4996750C-3F78-6614-253C-D7DDADD4438B}"/>
+              </a:ext>
+            </a:extLst>
+          </p:cNvPr>
+          <p:cNvPicPr>
+            <a:picLocks noChangeAspect="1"/>
+          </p:cNvPicPr>
+          <p:nvPr/>
+        </p:nvPicPr>
+        <p:blipFill>
+          <a:blip r:embed="rId2"/>
+          <a:stretch>
+            <a:fillRect/>
+          </a:stretch>
+        </p:blipFill>
+        <p:spPr>
+          <a:xfrm>
+            <a:off x="0" y="6229141"/>
+            <a:ext cx="2075941" cy="505146"/>
+          </a:xfrm>
+          <a:prstGeom prst="rect">
+            <a:avLst/>
+          </a:prstGeom>
+        </p:spPr>
+      </p:pic>
+      <p:pic>
+        <p:nvPicPr>
+          <p:cNvPr id="6" name="Picture 5">
+            <a:extLst>
+              <a:ext uri="{FF2B5EF4-FFF2-40B4-BE49-F238E27FC236}">
+                <a16:creationId xmlns:a16="http://schemas.microsoft.com/office/drawing/2014/main" id="{A28F1343-E383-1E41-2F63-0E4B417ECBE3}"/>
+              </a:ext>
+            </a:extLst>
+          </p:cNvPr>
+          <p:cNvPicPr>
+            <a:picLocks noChangeAspect="1"/>
+          </p:cNvPicPr>
+          <p:nvPr/>
+        </p:nvPicPr>
+        <p:blipFill>
+          <a:blip r:embed="rId3"/>
+          <a:stretch>
+            <a:fillRect/>
+          </a:stretch>
+        </p:blipFill>
+        <p:spPr>
+          <a:xfrm>
+            <a:off x="11272220" y="5938220"/>
+            <a:ext cx="919779" cy="919779"/>
+          </a:xfrm>
+          <a:prstGeom prst="rect">
+            <a:avLst/>
+          </a:prstGeom>
+        </p:spPr>
+      </p:pic>
+    </p:spTree>
+    <p:extLst>
+      <p:ext uri="{BB962C8B-B14F-4D97-AF65-F5344CB8AC3E}">
+        <p14:creationId xmlns:p14="http://schemas.microsoft.com/office/powerpoint/2010/main" val="4162438849"/>
+      </p:ext>
+    </p:extLst>
+  </p:cSld>
+  <p:clrMapOvr>
+    <a:masterClrMapping/>
+  </p:clrMapOvr>
+</p:sld>
+</file>
+
+<file path=ppt/slides/slide12.xml><?xml version="1.0" encoding="utf-8"?>
+<p:sld xmlns:a="http://schemas.openxmlformats.org/drawingml/2006/main" xmlns:r="http://schemas.openxmlformats.org/officeDocument/2006/relationships" xmlns:p="http://schemas.openxmlformats.org/presentationml/2006/main">
+  <p:cSld>
+    <p:spTree>
+      <p:nvGrpSpPr>
+        <p:cNvPr id="1" name=""/>
+        <p:cNvGrpSpPr/>
+        <p:nvPr/>
+      </p:nvGrpSpPr>
+      <p:grpSpPr>
+        <a:xfrm>
+          <a:off x="0" y="0"/>
+          <a:ext cx="0" cy="0"/>
+          <a:chOff x="0" y="0"/>
+          <a:chExt cx="0" cy="0"/>
+        </a:xfrm>
+      </p:grpSpPr>
+      <p:pic>
+        <p:nvPicPr>
+          <p:cNvPr id="4" name="Picture 3">
+            <a:extLst>
+              <a:ext uri="{FF2B5EF4-FFF2-40B4-BE49-F238E27FC236}">
+                <a16:creationId xmlns:a16="http://schemas.microsoft.com/office/drawing/2014/main" id="{4996750C-3F78-6614-253C-D7DDADD4438B}"/>
+              </a:ext>
+            </a:extLst>
+          </p:cNvPr>
+          <p:cNvPicPr>
+            <a:picLocks noChangeAspect="1"/>
+          </p:cNvPicPr>
+          <p:nvPr/>
+        </p:nvPicPr>
+        <p:blipFill>
+          <a:blip r:embed="rId3"/>
+          <a:stretch>
+            <a:fillRect/>
+          </a:stretch>
+        </p:blipFill>
+        <p:spPr>
+          <a:xfrm>
+            <a:off x="0" y="6229141"/>
+            <a:ext cx="2075941" cy="505146"/>
+          </a:xfrm>
+          <a:prstGeom prst="rect">
+            <a:avLst/>
+          </a:prstGeom>
+        </p:spPr>
+      </p:pic>
+      <p:pic>
+        <p:nvPicPr>
+          <p:cNvPr id="6" name="Picture 5">
+            <a:extLst>
+              <a:ext uri="{FF2B5EF4-FFF2-40B4-BE49-F238E27FC236}">
+                <a16:creationId xmlns:a16="http://schemas.microsoft.com/office/drawing/2014/main" id="{A28F1343-E383-1E41-2F63-0E4B417ECBE3}"/>
               </a:ext>
             </a:extLst>
           </p:cNvPr>
@@ -4002,8 +4159,8 @@
         </p:blipFill>
         <p:spPr>
           <a:xfrm>
-            <a:off x="393177" y="753932"/>
-            <a:ext cx="5854700" cy="1219200"/>
+            <a:off x="11272220" y="5938220"/>
+            <a:ext cx="919779" cy="919779"/>
           </a:xfrm>
           <a:prstGeom prst="rect">
             <a:avLst/>
@@ -4012,10 +4169,10 @@
       </p:pic>
       <p:sp>
         <p:nvSpPr>
-          <p:cNvPr id="8" name="TextBox 7">
-            <a:extLst>
-              <a:ext uri="{FF2B5EF4-FFF2-40B4-BE49-F238E27FC236}">
-                <a16:creationId xmlns:a16="http://schemas.microsoft.com/office/drawing/2014/main" id="{61361C80-94D5-F71D-C35F-97A32286CC81}"/>
+          <p:cNvPr id="2" name="TextBox 1">
+            <a:extLst>
+              <a:ext uri="{FF2B5EF4-FFF2-40B4-BE49-F238E27FC236}">
+                <a16:creationId xmlns:a16="http://schemas.microsoft.com/office/drawing/2014/main" id="{616D8598-590A-BA84-04A5-942A64FA2178}"/>
               </a:ext>
             </a:extLst>
           </p:cNvPr>
@@ -4024,8 +4181,8 @@
         </p:nvSpPr>
         <p:spPr>
           <a:xfrm>
-            <a:off x="1425388" y="1839121"/>
-            <a:ext cx="6099586" cy="646331"/>
+            <a:off x="5082517" y="268941"/>
+            <a:ext cx="2026965" cy="369332"/>
           </a:xfrm>
           <a:prstGeom prst="rect">
             <a:avLst/>
@@ -4033,38 +4190,82 @@
           <a:noFill/>
         </p:spPr>
         <p:txBody>
-          <a:bodyPr wrap="square">
+          <a:bodyPr wrap="none" rtlCol="0">
             <a:spAutoFit/>
           </a:bodyPr>
           <a:lstStyle/>
           <a:p>
             <a:r>
               <a:rPr lang="en-US" dirty="0"/>
-              <a:t>https://</a:t>
-            </a:r>
-            <a:r>
-              <a:rPr lang="en-US" dirty="0" err="1"/>
-              <a:t>blogs.worldbank.org</a:t>
-            </a:r>
-            <a:r>
-              <a:rPr lang="en-US" dirty="0"/>
-              <a:t>/</a:t>
-            </a:r>
-            <a:r>
-              <a:rPr lang="en-US" dirty="0" err="1"/>
-              <a:t>opendata</a:t>
-            </a:r>
-            <a:r>
-              <a:rPr lang="en-US" dirty="0"/>
-              <a:t>/new-world-bank-country-classifications-income-level-2021-2022</a:t>
+              <a:t>Hypothesis testing: </a:t>
             </a:r>
           </a:p>
         </p:txBody>
       </p:sp>
+      <p:pic>
+        <p:nvPicPr>
+          <p:cNvPr id="5" name="Picture 4">
+            <a:extLst>
+              <a:ext uri="{FF2B5EF4-FFF2-40B4-BE49-F238E27FC236}">
+                <a16:creationId xmlns:a16="http://schemas.microsoft.com/office/drawing/2014/main" id="{A9A26AC4-E0C7-6325-CA07-4168C71821EC}"/>
+              </a:ext>
+            </a:extLst>
+          </p:cNvPr>
+          <p:cNvPicPr>
+            <a:picLocks noChangeAspect="1"/>
+          </p:cNvPicPr>
+          <p:nvPr/>
+        </p:nvPicPr>
+        <p:blipFill>
+          <a:blip r:embed="rId5"/>
+          <a:stretch>
+            <a:fillRect/>
+          </a:stretch>
+        </p:blipFill>
+        <p:spPr>
+          <a:xfrm>
+            <a:off x="4964183" y="724056"/>
+            <a:ext cx="5514489" cy="1687846"/>
+          </a:xfrm>
+          <a:prstGeom prst="rect">
+            <a:avLst/>
+          </a:prstGeom>
+        </p:spPr>
+      </p:pic>
+      <p:pic>
+        <p:nvPicPr>
+          <p:cNvPr id="7" name="Picture 6">
+            <a:extLst>
+              <a:ext uri="{FF2B5EF4-FFF2-40B4-BE49-F238E27FC236}">
+                <a16:creationId xmlns:a16="http://schemas.microsoft.com/office/drawing/2014/main" id="{CF2F7E3E-4970-1068-1E1C-0ED3C75D19BE}"/>
+              </a:ext>
+            </a:extLst>
+          </p:cNvPr>
+          <p:cNvPicPr>
+            <a:picLocks noChangeAspect="1"/>
+          </p:cNvPicPr>
+          <p:nvPr/>
+        </p:nvPicPr>
+        <p:blipFill>
+          <a:blip r:embed="rId6"/>
+          <a:stretch>
+            <a:fillRect/>
+          </a:stretch>
+        </p:blipFill>
+        <p:spPr>
+          <a:xfrm>
+            <a:off x="730197" y="1247498"/>
+            <a:ext cx="3077956" cy="640963"/>
+          </a:xfrm>
+          <a:prstGeom prst="rect">
+            <a:avLst/>
+          </a:prstGeom>
+        </p:spPr>
+      </p:pic>
     </p:spTree>
     <p:extLst>
       <p:ext uri="{BB962C8B-B14F-4D97-AF65-F5344CB8AC3E}">
-        <p14:creationId xmlns:p14="http://schemas.microsoft.com/office/powerpoint/2010/main" val="973614668"/>
+        <p14:creationId xmlns:p14="http://schemas.microsoft.com/office/powerpoint/2010/main" val="1584924002"/>
       </p:ext>
     </p:extLst>
   </p:cSld>
@@ -4498,98 +4699,6 @@
           </p:txBody>
         </p:sp>
       </p:grpSp>
-      <p:sp>
-        <p:nvSpPr>
-          <p:cNvPr id="16" name="Right Arrow 15">
-            <a:extLst>
-              <a:ext uri="{FF2B5EF4-FFF2-40B4-BE49-F238E27FC236}">
-                <a16:creationId xmlns:a16="http://schemas.microsoft.com/office/drawing/2014/main" id="{53693BB0-CE6E-9EB8-CB62-4DB5471FF083}"/>
-              </a:ext>
-            </a:extLst>
-          </p:cNvPr>
-          <p:cNvSpPr/>
-          <p:nvPr/>
-        </p:nvSpPr>
-        <p:spPr>
-          <a:xfrm>
-            <a:off x="3469036" y="3637397"/>
-            <a:ext cx="1376979" cy="258131"/>
-          </a:xfrm>
-          <a:prstGeom prst="rightArrow">
-            <a:avLst/>
-          </a:prstGeom>
-        </p:spPr>
-        <p:style>
-          <a:lnRef idx="2">
-            <a:schemeClr val="accent1">
-              <a:shade val="50000"/>
-            </a:schemeClr>
-          </a:lnRef>
-          <a:fillRef idx="1">
-            <a:schemeClr val="accent1"/>
-          </a:fillRef>
-          <a:effectRef idx="0">
-            <a:schemeClr val="accent1"/>
-          </a:effectRef>
-          <a:fontRef idx="minor">
-            <a:schemeClr val="lt1"/>
-          </a:fontRef>
-        </p:style>
-        <p:txBody>
-          <a:bodyPr rtlCol="0" anchor="ctr"/>
-          <a:lstStyle/>
-          <a:p>
-            <a:pPr algn="ctr"/>
-            <a:endParaRPr lang="en-US"/>
-          </a:p>
-        </p:txBody>
-      </p:sp>
-      <p:sp>
-        <p:nvSpPr>
-          <p:cNvPr id="17" name="Right Arrow 16">
-            <a:extLst>
-              <a:ext uri="{FF2B5EF4-FFF2-40B4-BE49-F238E27FC236}">
-                <a16:creationId xmlns:a16="http://schemas.microsoft.com/office/drawing/2014/main" id="{42FE821A-2989-4144-E443-8EAEC7FDDB6B}"/>
-              </a:ext>
-            </a:extLst>
-          </p:cNvPr>
-          <p:cNvSpPr/>
-          <p:nvPr/>
-        </p:nvSpPr>
-        <p:spPr>
-          <a:xfrm>
-            <a:off x="7091439" y="3640635"/>
-            <a:ext cx="1376979" cy="258131"/>
-          </a:xfrm>
-          <a:prstGeom prst="rightArrow">
-            <a:avLst/>
-          </a:prstGeom>
-        </p:spPr>
-        <p:style>
-          <a:lnRef idx="2">
-            <a:schemeClr val="accent1">
-              <a:shade val="50000"/>
-            </a:schemeClr>
-          </a:lnRef>
-          <a:fillRef idx="1">
-            <a:schemeClr val="accent1"/>
-          </a:fillRef>
-          <a:effectRef idx="0">
-            <a:schemeClr val="accent1"/>
-          </a:effectRef>
-          <a:fontRef idx="minor">
-            <a:schemeClr val="lt1"/>
-          </a:fontRef>
-        </p:style>
-        <p:txBody>
-          <a:bodyPr rtlCol="0" anchor="ctr"/>
-          <a:lstStyle/>
-          <a:p>
-            <a:pPr algn="ctr"/>
-            <a:endParaRPr lang="en-US"/>
-          </a:p>
-        </p:txBody>
-      </p:sp>
     </p:spTree>
     <p:extLst>
       <p:ext uri="{BB962C8B-B14F-4D97-AF65-F5344CB8AC3E}">
@@ -4600,6 +4709,408 @@
   <p:clrMapOvr>
     <a:masterClrMapping/>
   </p:clrMapOvr>
+  <p:timing>
+    <p:tnLst>
+      <p:par>
+        <p:cTn id="1" dur="indefinite" restart="never" nodeType="tmRoot">
+          <p:childTnLst>
+            <p:seq concurrent="1" nextAc="seek">
+              <p:cTn id="2" dur="indefinite" nodeType="mainSeq">
+                <p:childTnLst>
+                  <p:par>
+                    <p:cTn id="3" fill="hold">
+                      <p:stCondLst>
+                        <p:cond delay="indefinite"/>
+                      </p:stCondLst>
+                      <p:childTnLst>
+                        <p:par>
+                          <p:cTn id="4" fill="hold">
+                            <p:stCondLst>
+                              <p:cond delay="0"/>
+                            </p:stCondLst>
+                            <p:childTnLst>
+                              <p:par>
+                                <p:cTn id="5" presetID="1" presetClass="entr" presetSubtype="0" fill="hold" nodeType="clickEffect">
+                                  <p:stCondLst>
+                                    <p:cond delay="1000"/>
+                                  </p:stCondLst>
+                                  <p:childTnLst>
+                                    <p:set>
+                                      <p:cBhvr>
+                                        <p:cTn id="6" dur="1" fill="hold">
+                                          <p:stCondLst>
+                                            <p:cond delay="0"/>
+                                          </p:stCondLst>
+                                        </p:cTn>
+                                        <p:tgtEl>
+                                          <p:spTgt spid="5"/>
+                                        </p:tgtEl>
+                                        <p:attrNameLst>
+                                          <p:attrName>style.visibility</p:attrName>
+                                        </p:attrNameLst>
+                                      </p:cBhvr>
+                                      <p:to>
+                                        <p:strVal val="visible"/>
+                                      </p:to>
+                                    </p:set>
+                                  </p:childTnLst>
+                                </p:cTn>
+                              </p:par>
+                            </p:childTnLst>
+                          </p:cTn>
+                        </p:par>
+                      </p:childTnLst>
+                    </p:cTn>
+                  </p:par>
+                  <p:par>
+                    <p:cTn id="7" fill="hold">
+                      <p:stCondLst>
+                        <p:cond delay="indefinite"/>
+                      </p:stCondLst>
+                      <p:childTnLst>
+                        <p:par>
+                          <p:cTn id="8" fill="hold">
+                            <p:stCondLst>
+                              <p:cond delay="0"/>
+                            </p:stCondLst>
+                            <p:childTnLst>
+                              <p:par>
+                                <p:cTn id="9" presetID="9" presetClass="entr" presetSubtype="0" fill="hold" grpId="0" nodeType="clickEffect">
+                                  <p:stCondLst>
+                                    <p:cond delay="0"/>
+                                  </p:stCondLst>
+                                  <p:childTnLst>
+                                    <p:set>
+                                      <p:cBhvr>
+                                        <p:cTn id="10" dur="1" fill="hold">
+                                          <p:stCondLst>
+                                            <p:cond delay="0"/>
+                                          </p:stCondLst>
+                                        </p:cTn>
+                                        <p:tgtEl>
+                                          <p:spTgt spid="8"/>
+                                        </p:tgtEl>
+                                        <p:attrNameLst>
+                                          <p:attrName>style.visibility</p:attrName>
+                                        </p:attrNameLst>
+                                      </p:cBhvr>
+                                      <p:to>
+                                        <p:strVal val="visible"/>
+                                      </p:to>
+                                    </p:set>
+                                    <p:animEffect transition="in" filter="dissolve">
+                                      <p:cBhvr>
+                                        <p:cTn id="11" dur="500"/>
+                                        <p:tgtEl>
+                                          <p:spTgt spid="8"/>
+                                        </p:tgtEl>
+                                      </p:cBhvr>
+                                    </p:animEffect>
+                                  </p:childTnLst>
+                                </p:cTn>
+                              </p:par>
+                            </p:childTnLst>
+                          </p:cTn>
+                        </p:par>
+                      </p:childTnLst>
+                    </p:cTn>
+                  </p:par>
+                  <p:par>
+                    <p:cTn id="12" fill="hold">
+                      <p:stCondLst>
+                        <p:cond delay="indefinite"/>
+                      </p:stCondLst>
+                      <p:childTnLst>
+                        <p:par>
+                          <p:cTn id="13" fill="hold">
+                            <p:stCondLst>
+                              <p:cond delay="0"/>
+                            </p:stCondLst>
+                            <p:childTnLst>
+                              <p:par>
+                                <p:cTn id="14" presetID="1" presetClass="entr" presetSubtype="0" fill="hold" grpId="0" nodeType="clickEffect">
+                                  <p:stCondLst>
+                                    <p:cond delay="0"/>
+                                  </p:stCondLst>
+                                  <p:childTnLst>
+                                    <p:set>
+                                      <p:cBhvr>
+                                        <p:cTn id="15" dur="1" fill="hold">
+                                          <p:stCondLst>
+                                            <p:cond delay="0"/>
+                                          </p:stCondLst>
+                                        </p:cTn>
+                                        <p:tgtEl>
+                                          <p:spTgt spid="9"/>
+                                        </p:tgtEl>
+                                        <p:attrNameLst>
+                                          <p:attrName>style.visibility</p:attrName>
+                                        </p:attrNameLst>
+                                      </p:cBhvr>
+                                      <p:to>
+                                        <p:strVal val="visible"/>
+                                      </p:to>
+                                    </p:set>
+                                  </p:childTnLst>
+                                </p:cTn>
+                              </p:par>
+                            </p:childTnLst>
+                          </p:cTn>
+                        </p:par>
+                      </p:childTnLst>
+                    </p:cTn>
+                  </p:par>
+                  <p:par>
+                    <p:cTn id="16" fill="hold">
+                      <p:stCondLst>
+                        <p:cond delay="indefinite"/>
+                      </p:stCondLst>
+                      <p:childTnLst>
+                        <p:par>
+                          <p:cTn id="17" fill="hold">
+                            <p:stCondLst>
+                              <p:cond delay="0"/>
+                            </p:stCondLst>
+                            <p:childTnLst>
+                              <p:par>
+                                <p:cTn id="18" presetID="1" presetClass="entr" presetSubtype="0" fill="hold" nodeType="clickEffect">
+                                  <p:stCondLst>
+                                    <p:cond delay="0"/>
+                                  </p:stCondLst>
+                                  <p:childTnLst>
+                                    <p:set>
+                                      <p:cBhvr>
+                                        <p:cTn id="19" dur="1" fill="hold">
+                                          <p:stCondLst>
+                                            <p:cond delay="0"/>
+                                          </p:stCondLst>
+                                        </p:cTn>
+                                        <p:tgtEl>
+                                          <p:spTgt spid="15"/>
+                                        </p:tgtEl>
+                                        <p:attrNameLst>
+                                          <p:attrName>style.visibility</p:attrName>
+                                        </p:attrNameLst>
+                                      </p:cBhvr>
+                                      <p:to>
+                                        <p:strVal val="visible"/>
+                                      </p:to>
+                                    </p:set>
+                                  </p:childTnLst>
+                                </p:cTn>
+                              </p:par>
+                            </p:childTnLst>
+                          </p:cTn>
+                        </p:par>
+                      </p:childTnLst>
+                    </p:cTn>
+                  </p:par>
+                  <p:par>
+                    <p:cTn id="20" fill="hold">
+                      <p:stCondLst>
+                        <p:cond delay="indefinite"/>
+                      </p:stCondLst>
+                      <p:childTnLst>
+                        <p:par>
+                          <p:cTn id="21" fill="hold">
+                            <p:stCondLst>
+                              <p:cond delay="0"/>
+                            </p:stCondLst>
+                            <p:childTnLst>
+                              <p:par>
+                                <p:cTn id="22" presetID="1" presetClass="entr" presetSubtype="0" fill="hold" nodeType="clickEffect">
+                                  <p:stCondLst>
+                                    <p:cond delay="0"/>
+                                  </p:stCondLst>
+                                  <p:childTnLst>
+                                    <p:set>
+                                      <p:cBhvr>
+                                        <p:cTn id="23" dur="1" fill="hold">
+                                          <p:stCondLst>
+                                            <p:cond delay="0"/>
+                                          </p:stCondLst>
+                                        </p:cTn>
+                                        <p:tgtEl>
+                                          <p:spTgt spid="15"/>
+                                        </p:tgtEl>
+                                        <p:attrNameLst>
+                                          <p:attrName>style.visibility</p:attrName>
+                                        </p:attrNameLst>
+                                      </p:cBhvr>
+                                      <p:to>
+                                        <p:strVal val="visible"/>
+                                      </p:to>
+                                    </p:set>
+                                  </p:childTnLst>
+                                </p:cTn>
+                              </p:par>
+                            </p:childTnLst>
+                          </p:cTn>
+                        </p:par>
+                      </p:childTnLst>
+                    </p:cTn>
+                  </p:par>
+                  <p:par>
+                    <p:cTn id="24" fill="hold">
+                      <p:stCondLst>
+                        <p:cond delay="indefinite"/>
+                      </p:stCondLst>
+                      <p:childTnLst>
+                        <p:par>
+                          <p:cTn id="25" fill="hold">
+                            <p:stCondLst>
+                              <p:cond delay="0"/>
+                            </p:stCondLst>
+                            <p:childTnLst>
+                              <p:par>
+                                <p:cTn id="26" presetID="1" presetClass="entr" presetSubtype="0" fill="hold" nodeType="clickEffect">
+                                  <p:stCondLst>
+                                    <p:cond delay="0"/>
+                                  </p:stCondLst>
+                                  <p:childTnLst>
+                                    <p:set>
+                                      <p:cBhvr>
+                                        <p:cTn id="27" dur="1" fill="hold">
+                                          <p:stCondLst>
+                                            <p:cond delay="0"/>
+                                          </p:stCondLst>
+                                        </p:cTn>
+                                        <p:tgtEl>
+                                          <p:spTgt spid="15"/>
+                                        </p:tgtEl>
+                                        <p:attrNameLst>
+                                          <p:attrName>style.visibility</p:attrName>
+                                        </p:attrNameLst>
+                                      </p:cBhvr>
+                                      <p:to>
+                                        <p:strVal val="visible"/>
+                                      </p:to>
+                                    </p:set>
+                                  </p:childTnLst>
+                                </p:cTn>
+                              </p:par>
+                            </p:childTnLst>
+                          </p:cTn>
+                        </p:par>
+                      </p:childTnLst>
+                    </p:cTn>
+                  </p:par>
+                  <p:par>
+                    <p:cTn id="28" fill="hold">
+                      <p:stCondLst>
+                        <p:cond delay="indefinite"/>
+                      </p:stCondLst>
+                      <p:childTnLst>
+                        <p:par>
+                          <p:cTn id="29" fill="hold">
+                            <p:stCondLst>
+                              <p:cond delay="0"/>
+                            </p:stCondLst>
+                            <p:childTnLst>
+                              <p:par>
+                                <p:cTn id="30" presetID="1" presetClass="entr" presetSubtype="0" fill="hold" nodeType="clickEffect">
+                                  <p:stCondLst>
+                                    <p:cond delay="0"/>
+                                  </p:stCondLst>
+                                  <p:childTnLst>
+                                    <p:set>
+                                      <p:cBhvr>
+                                        <p:cTn id="31" dur="1" fill="hold">
+                                          <p:stCondLst>
+                                            <p:cond delay="0"/>
+                                          </p:stCondLst>
+                                        </p:cTn>
+                                        <p:tgtEl>
+                                          <p:spTgt spid="15"/>
+                                        </p:tgtEl>
+                                        <p:attrNameLst>
+                                          <p:attrName>style.visibility</p:attrName>
+                                        </p:attrNameLst>
+                                      </p:cBhvr>
+                                      <p:to>
+                                        <p:strVal val="visible"/>
+                                      </p:to>
+                                    </p:set>
+                                  </p:childTnLst>
+                                </p:cTn>
+                              </p:par>
+                            </p:childTnLst>
+                          </p:cTn>
+                        </p:par>
+                      </p:childTnLst>
+                    </p:cTn>
+                  </p:par>
+                  <p:par>
+                    <p:cTn id="32" fill="hold">
+                      <p:stCondLst>
+                        <p:cond delay="indefinite"/>
+                      </p:stCondLst>
+                      <p:childTnLst>
+                        <p:par>
+                          <p:cTn id="33" fill="hold">
+                            <p:stCondLst>
+                              <p:cond delay="0"/>
+                            </p:stCondLst>
+                            <p:childTnLst>
+                              <p:par>
+                                <p:cTn id="34" presetID="1" presetClass="entr" presetSubtype="0" fill="hold" nodeType="clickEffect">
+                                  <p:stCondLst>
+                                    <p:cond delay="0"/>
+                                  </p:stCondLst>
+                                  <p:childTnLst>
+                                    <p:set>
+                                      <p:cBhvr>
+                                        <p:cTn id="35" dur="1" fill="hold">
+                                          <p:stCondLst>
+                                            <p:cond delay="0"/>
+                                          </p:stCondLst>
+                                        </p:cTn>
+                                        <p:tgtEl>
+                                          <p:spTgt spid="15"/>
+                                        </p:tgtEl>
+                                        <p:attrNameLst>
+                                          <p:attrName>style.visibility</p:attrName>
+                                        </p:attrNameLst>
+                                      </p:cBhvr>
+                                      <p:to>
+                                        <p:strVal val="visible"/>
+                                      </p:to>
+                                    </p:set>
+                                  </p:childTnLst>
+                                </p:cTn>
+                              </p:par>
+                            </p:childTnLst>
+                          </p:cTn>
+                        </p:par>
+                      </p:childTnLst>
+                    </p:cTn>
+                  </p:par>
+                </p:childTnLst>
+              </p:cTn>
+              <p:prevCondLst>
+                <p:cond evt="onPrev" delay="0">
+                  <p:tgtEl>
+                    <p:sldTgt/>
+                  </p:tgtEl>
+                </p:cond>
+              </p:prevCondLst>
+              <p:nextCondLst>
+                <p:cond evt="onNext" delay="0">
+                  <p:tgtEl>
+                    <p:sldTgt/>
+                  </p:tgtEl>
+                </p:cond>
+              </p:nextCondLst>
+            </p:seq>
+          </p:childTnLst>
+        </p:cTn>
+      </p:par>
+    </p:tnLst>
+    <p:bldLst>
+      <p:bldP spid="8" grpId="0"/>
+      <p:bldP spid="9" grpId="0"/>
+    </p:bldLst>
+  </p:timing>
 </p:sld>
 </file>
 
@@ -5516,6 +6027,261 @@
   <p:clrMapOvr>
     <a:masterClrMapping/>
   </p:clrMapOvr>
+  <p:timing>
+    <p:tnLst>
+      <p:par>
+        <p:cTn id="1" dur="indefinite" restart="never" nodeType="tmRoot">
+          <p:childTnLst>
+            <p:seq concurrent="1" nextAc="seek">
+              <p:cTn id="2" dur="indefinite" nodeType="mainSeq">
+                <p:childTnLst>
+                  <p:par>
+                    <p:cTn id="3" fill="hold">
+                      <p:stCondLst>
+                        <p:cond delay="indefinite"/>
+                      </p:stCondLst>
+                      <p:childTnLst>
+                        <p:par>
+                          <p:cTn id="4" fill="hold">
+                            <p:stCondLst>
+                              <p:cond delay="0"/>
+                            </p:stCondLst>
+                            <p:childTnLst>
+                              <p:par>
+                                <p:cTn id="5" presetID="1" presetClass="entr" presetSubtype="0" fill="hold" nodeType="clickEffect">
+                                  <p:stCondLst>
+                                    <p:cond delay="0"/>
+                                  </p:stCondLst>
+                                  <p:childTnLst>
+                                    <p:set>
+                                      <p:cBhvr>
+                                        <p:cTn id="6" dur="1" fill="hold">
+                                          <p:stCondLst>
+                                            <p:cond delay="0"/>
+                                          </p:stCondLst>
+                                        </p:cTn>
+                                        <p:tgtEl>
+                                          <p:spTgt spid="14"/>
+                                        </p:tgtEl>
+                                        <p:attrNameLst>
+                                          <p:attrName>style.visibility</p:attrName>
+                                        </p:attrNameLst>
+                                      </p:cBhvr>
+                                      <p:to>
+                                        <p:strVal val="visible"/>
+                                      </p:to>
+                                    </p:set>
+                                  </p:childTnLst>
+                                </p:cTn>
+                              </p:par>
+                            </p:childTnLst>
+                          </p:cTn>
+                        </p:par>
+                      </p:childTnLst>
+                    </p:cTn>
+                  </p:par>
+                  <p:par>
+                    <p:cTn id="7" fill="hold">
+                      <p:stCondLst>
+                        <p:cond delay="indefinite"/>
+                      </p:stCondLst>
+                      <p:childTnLst>
+                        <p:par>
+                          <p:cTn id="8" fill="hold">
+                            <p:stCondLst>
+                              <p:cond delay="0"/>
+                            </p:stCondLst>
+                            <p:childTnLst>
+                              <p:par>
+                                <p:cTn id="9" presetID="1" presetClass="entr" presetSubtype="0" fill="hold" nodeType="clickEffect">
+                                  <p:stCondLst>
+                                    <p:cond delay="0"/>
+                                  </p:stCondLst>
+                                  <p:childTnLst>
+                                    <p:set>
+                                      <p:cBhvr>
+                                        <p:cTn id="10" dur="1" fill="hold">
+                                          <p:stCondLst>
+                                            <p:cond delay="0"/>
+                                          </p:stCondLst>
+                                        </p:cTn>
+                                        <p:tgtEl>
+                                          <p:spTgt spid="20"/>
+                                        </p:tgtEl>
+                                        <p:attrNameLst>
+                                          <p:attrName>style.visibility</p:attrName>
+                                        </p:attrNameLst>
+                                      </p:cBhvr>
+                                      <p:to>
+                                        <p:strVal val="visible"/>
+                                      </p:to>
+                                    </p:set>
+                                  </p:childTnLst>
+                                </p:cTn>
+                              </p:par>
+                            </p:childTnLst>
+                          </p:cTn>
+                        </p:par>
+                      </p:childTnLst>
+                    </p:cTn>
+                  </p:par>
+                  <p:par>
+                    <p:cTn id="11" fill="hold">
+                      <p:stCondLst>
+                        <p:cond delay="indefinite"/>
+                      </p:stCondLst>
+                      <p:childTnLst>
+                        <p:par>
+                          <p:cTn id="12" fill="hold">
+                            <p:stCondLst>
+                              <p:cond delay="0"/>
+                            </p:stCondLst>
+                            <p:childTnLst>
+                              <p:par>
+                                <p:cTn id="13" presetID="1" presetClass="entr" presetSubtype="0" fill="hold" nodeType="clickEffect">
+                                  <p:stCondLst>
+                                    <p:cond delay="0"/>
+                                  </p:stCondLst>
+                                  <p:childTnLst>
+                                    <p:set>
+                                      <p:cBhvr>
+                                        <p:cTn id="14" dur="1" fill="hold">
+                                          <p:stCondLst>
+                                            <p:cond delay="0"/>
+                                          </p:stCondLst>
+                                        </p:cTn>
+                                        <p:tgtEl>
+                                          <p:spTgt spid="15"/>
+                                        </p:tgtEl>
+                                        <p:attrNameLst>
+                                          <p:attrName>style.visibility</p:attrName>
+                                        </p:attrNameLst>
+                                      </p:cBhvr>
+                                      <p:to>
+                                        <p:strVal val="visible"/>
+                                      </p:to>
+                                    </p:set>
+                                  </p:childTnLst>
+                                </p:cTn>
+                              </p:par>
+                            </p:childTnLst>
+                          </p:cTn>
+                        </p:par>
+                      </p:childTnLst>
+                    </p:cTn>
+                  </p:par>
+                  <p:par>
+                    <p:cTn id="15" fill="hold">
+                      <p:stCondLst>
+                        <p:cond delay="indefinite"/>
+                      </p:stCondLst>
+                      <p:childTnLst>
+                        <p:par>
+                          <p:cTn id="16" fill="hold">
+                            <p:stCondLst>
+                              <p:cond delay="0"/>
+                            </p:stCondLst>
+                            <p:childTnLst>
+                              <p:par>
+                                <p:cTn id="17" presetID="1" presetClass="entr" presetSubtype="0" fill="hold" nodeType="clickEffect">
+                                  <p:stCondLst>
+                                    <p:cond delay="0"/>
+                                  </p:stCondLst>
+                                  <p:childTnLst>
+                                    <p:set>
+                                      <p:cBhvr>
+                                        <p:cTn id="18" dur="1" fill="hold">
+                                          <p:stCondLst>
+                                            <p:cond delay="0"/>
+                                          </p:stCondLst>
+                                        </p:cTn>
+                                        <p:tgtEl>
+                                          <p:spTgt spid="16"/>
+                                        </p:tgtEl>
+                                        <p:attrNameLst>
+                                          <p:attrName>style.visibility</p:attrName>
+                                        </p:attrNameLst>
+                                      </p:cBhvr>
+                                      <p:to>
+                                        <p:strVal val="visible"/>
+                                      </p:to>
+                                    </p:set>
+                                  </p:childTnLst>
+                                </p:cTn>
+                              </p:par>
+                            </p:childTnLst>
+                          </p:cTn>
+                        </p:par>
+                      </p:childTnLst>
+                    </p:cTn>
+                  </p:par>
+                  <p:par>
+                    <p:cTn id="19" fill="hold">
+                      <p:stCondLst>
+                        <p:cond delay="indefinite"/>
+                      </p:stCondLst>
+                      <p:childTnLst>
+                        <p:par>
+                          <p:cTn id="20" fill="hold">
+                            <p:stCondLst>
+                              <p:cond delay="0"/>
+                            </p:stCondLst>
+                            <p:childTnLst>
+                              <p:par>
+                                <p:cTn id="21" presetID="1" presetClass="entr" presetSubtype="0" fill="hold" nodeType="clickEffect">
+                                  <p:stCondLst>
+                                    <p:cond delay="0"/>
+                                  </p:stCondLst>
+                                  <p:childTnLst>
+                                    <p:set>
+                                      <p:cBhvr>
+                                        <p:cTn id="22" dur="1" fill="hold">
+                                          <p:stCondLst>
+                                            <p:cond delay="0"/>
+                                          </p:stCondLst>
+                                        </p:cTn>
+                                        <p:tgtEl>
+                                          <p:spTgt spid="18"/>
+                                        </p:tgtEl>
+                                        <p:attrNameLst>
+                                          <p:attrName>style.visibility</p:attrName>
+                                        </p:attrNameLst>
+                                      </p:cBhvr>
+                                      <p:to>
+                                        <p:strVal val="visible"/>
+                                      </p:to>
+                                    </p:set>
+                                  </p:childTnLst>
+                                </p:cTn>
+                              </p:par>
+                            </p:childTnLst>
+                          </p:cTn>
+                        </p:par>
+                      </p:childTnLst>
+                    </p:cTn>
+                  </p:par>
+                </p:childTnLst>
+              </p:cTn>
+              <p:prevCondLst>
+                <p:cond evt="onPrev" delay="0">
+                  <p:tgtEl>
+                    <p:sldTgt/>
+                  </p:tgtEl>
+                </p:cond>
+              </p:prevCondLst>
+              <p:nextCondLst>
+                <p:cond evt="onNext" delay="0">
+                  <p:tgtEl>
+                    <p:sldTgt/>
+                  </p:tgtEl>
+                </p:cond>
+              </p:nextCondLst>
+            </p:seq>
+          </p:childTnLst>
+        </p:cTn>
+      </p:par>
+    </p:tnLst>
+  </p:timing>
 </p:sld>
 </file>
 
@@ -5596,6 +6362,47 @@
           </a:prstGeom>
         </p:spPr>
       </p:pic>
+      <p:sp>
+        <p:nvSpPr>
+          <p:cNvPr id="2" name="TextBox 1">
+            <a:extLst>
+              <a:ext uri="{FF2B5EF4-FFF2-40B4-BE49-F238E27FC236}">
+                <a16:creationId xmlns:a16="http://schemas.microsoft.com/office/drawing/2014/main" id="{209F25F7-4272-555E-6BE5-2C1B570E96CF}"/>
+              </a:ext>
+            </a:extLst>
+          </p:cNvPr>
+          <p:cNvSpPr txBox="1"/>
+          <p:nvPr/>
+        </p:nvSpPr>
+        <p:spPr>
+          <a:xfrm>
+            <a:off x="4356806" y="434898"/>
+            <a:ext cx="3540906" cy="646331"/>
+          </a:xfrm>
+          <a:prstGeom prst="rect">
+            <a:avLst/>
+          </a:prstGeom>
+          <a:noFill/>
+        </p:spPr>
+        <p:txBody>
+          <a:bodyPr wrap="none" rtlCol="0">
+            <a:spAutoFit/>
+          </a:bodyPr>
+          <a:lstStyle/>
+          <a:p>
+            <a:r>
+              <a:rPr lang="en-US" dirty="0"/>
+              <a:t>Data visualization and Story-Telling :</a:t>
+            </a:r>
+          </a:p>
+          <a:p>
+            <a:r>
+              <a:rPr lang="en-US" dirty="0"/>
+              <a:t> </a:t>
+            </a:r>
+          </a:p>
+        </p:txBody>
+      </p:sp>
     </p:spTree>
     <p:extLst>
       <p:ext uri="{BB962C8B-B14F-4D97-AF65-F5344CB8AC3E}">
@@ -5855,7 +6662,7 @@
         </p:nvSpPr>
         <p:spPr>
           <a:xfrm>
-            <a:off x="5330662" y="193638"/>
+            <a:off x="5739885" y="179912"/>
             <a:ext cx="1530675" cy="369332"/>
           </a:xfrm>
           <a:prstGeom prst="rect">
@@ -5925,7 +6732,7 @@
         </p:nvSpPr>
         <p:spPr>
           <a:xfrm>
-            <a:off x="667516" y="1249673"/>
+            <a:off x="737773" y="1249673"/>
             <a:ext cx="740908" cy="369332"/>
           </a:xfrm>
           <a:prstGeom prst="rect">
@@ -6042,7 +6849,7 @@
         </p:nvSpPr>
         <p:spPr>
           <a:xfrm>
-            <a:off x="4816963" y="2039255"/>
+            <a:off x="5499371" y="1942170"/>
             <a:ext cx="2205540" cy="369332"/>
           </a:xfrm>
           <a:prstGeom prst="rect">
@@ -6077,7 +6884,7 @@
         </p:nvGrpSpPr>
         <p:grpSpPr>
           <a:xfrm>
-            <a:off x="6911538" y="1963202"/>
+            <a:off x="5330703" y="2376272"/>
             <a:ext cx="2542876" cy="507831"/>
             <a:chOff x="2228856" y="2813147"/>
             <a:chExt cx="2542876" cy="507831"/>
@@ -6203,7 +7010,7 @@
         </p:nvSpPr>
         <p:spPr>
           <a:xfrm>
-            <a:off x="7776661" y="2999619"/>
+            <a:off x="8674612" y="2824908"/>
             <a:ext cx="2319161" cy="369332"/>
           </a:xfrm>
           <a:prstGeom prst="rect">
@@ -6246,8 +7053,8 @@
         </p:blipFill>
         <p:spPr>
           <a:xfrm>
-            <a:off x="6095999" y="3798332"/>
-            <a:ext cx="5919780" cy="1742739"/>
+            <a:off x="6290389" y="3758979"/>
+            <a:ext cx="5730839" cy="1742739"/>
           </a:xfrm>
           <a:prstGeom prst="rect">
             <a:avLst/>
@@ -6256,10 +7063,10 @@
       </p:pic>
       <p:pic>
         <p:nvPicPr>
-          <p:cNvPr id="22" name="Picture 21">
-            <a:extLst>
-              <a:ext uri="{FF2B5EF4-FFF2-40B4-BE49-F238E27FC236}">
-                <a16:creationId xmlns:a16="http://schemas.microsoft.com/office/drawing/2014/main" id="{C4A7D421-0259-F31A-DA22-1ED13FD1DC86}"/>
+          <p:cNvPr id="16" name="Picture 15">
+            <a:extLst>
+              <a:ext uri="{FF2B5EF4-FFF2-40B4-BE49-F238E27FC236}">
+                <a16:creationId xmlns:a16="http://schemas.microsoft.com/office/drawing/2014/main" id="{5E8FE069-D712-30A3-CBAF-59F72E23C3E2}"/>
               </a:ext>
             </a:extLst>
           </p:cNvPr>
@@ -6276,8 +7083,8 @@
         </p:blipFill>
         <p:spPr>
           <a:xfrm>
-            <a:off x="418228" y="3827765"/>
-            <a:ext cx="5501505" cy="1683872"/>
+            <a:off x="365162" y="3788369"/>
+            <a:ext cx="5329833" cy="1752702"/>
           </a:xfrm>
           <a:prstGeom prst="rect">
             <a:avLst/>
@@ -6294,6 +7101,503 @@
   <p:clrMapOvr>
     <a:masterClrMapping/>
   </p:clrMapOvr>
+  <p:timing>
+    <p:tnLst>
+      <p:par>
+        <p:cTn id="1" dur="indefinite" restart="never" nodeType="tmRoot">
+          <p:childTnLst>
+            <p:seq concurrent="1" nextAc="seek">
+              <p:cTn id="2" dur="indefinite" nodeType="mainSeq">
+                <p:childTnLst>
+                  <p:par>
+                    <p:cTn id="3" fill="hold">
+                      <p:stCondLst>
+                        <p:cond delay="indefinite"/>
+                      </p:stCondLst>
+                      <p:childTnLst>
+                        <p:par>
+                          <p:cTn id="4" fill="hold">
+                            <p:stCondLst>
+                              <p:cond delay="0"/>
+                            </p:stCondLst>
+                            <p:childTnLst>
+                              <p:par>
+                                <p:cTn id="5" presetID="1" presetClass="entr" presetSubtype="0" fill="hold" grpId="0" nodeType="clickEffect">
+                                  <p:stCondLst>
+                                    <p:cond delay="0"/>
+                                  </p:stCondLst>
+                                  <p:childTnLst>
+                                    <p:set>
+                                      <p:cBhvr>
+                                        <p:cTn id="6" dur="1" fill="hold">
+                                          <p:stCondLst>
+                                            <p:cond delay="0"/>
+                                          </p:stCondLst>
+                                        </p:cTn>
+                                        <p:tgtEl>
+                                          <p:spTgt spid="5"/>
+                                        </p:tgtEl>
+                                        <p:attrNameLst>
+                                          <p:attrName>style.visibility</p:attrName>
+                                        </p:attrNameLst>
+                                      </p:cBhvr>
+                                      <p:to>
+                                        <p:strVal val="visible"/>
+                                      </p:to>
+                                    </p:set>
+                                  </p:childTnLst>
+                                </p:cTn>
+                              </p:par>
+                            </p:childTnLst>
+                          </p:cTn>
+                        </p:par>
+                      </p:childTnLst>
+                    </p:cTn>
+                  </p:par>
+                  <p:par>
+                    <p:cTn id="7" fill="hold">
+                      <p:stCondLst>
+                        <p:cond delay="indefinite"/>
+                      </p:stCondLst>
+                      <p:childTnLst>
+                        <p:par>
+                          <p:cTn id="8" fill="hold">
+                            <p:stCondLst>
+                              <p:cond delay="0"/>
+                            </p:stCondLst>
+                            <p:childTnLst>
+                              <p:par>
+                                <p:cTn id="9" presetID="1" presetClass="entr" presetSubtype="0" fill="hold" grpId="0" nodeType="clickEffect">
+                                  <p:stCondLst>
+                                    <p:cond delay="0"/>
+                                  </p:stCondLst>
+                                  <p:childTnLst>
+                                    <p:set>
+                                      <p:cBhvr>
+                                        <p:cTn id="10" dur="1" fill="hold">
+                                          <p:stCondLst>
+                                            <p:cond delay="0"/>
+                                          </p:stCondLst>
+                                        </p:cTn>
+                                        <p:tgtEl>
+                                          <p:spTgt spid="3"/>
+                                        </p:tgtEl>
+                                        <p:attrNameLst>
+                                          <p:attrName>style.visibility</p:attrName>
+                                        </p:attrNameLst>
+                                      </p:cBhvr>
+                                      <p:to>
+                                        <p:strVal val="visible"/>
+                                      </p:to>
+                                    </p:set>
+                                  </p:childTnLst>
+                                </p:cTn>
+                              </p:par>
+                            </p:childTnLst>
+                          </p:cTn>
+                        </p:par>
+                      </p:childTnLst>
+                    </p:cTn>
+                  </p:par>
+                  <p:par>
+                    <p:cTn id="11" fill="hold">
+                      <p:stCondLst>
+                        <p:cond delay="indefinite"/>
+                      </p:stCondLst>
+                      <p:childTnLst>
+                        <p:par>
+                          <p:cTn id="12" fill="hold">
+                            <p:stCondLst>
+                              <p:cond delay="0"/>
+                            </p:stCondLst>
+                            <p:childTnLst>
+                              <p:par>
+                                <p:cTn id="13" presetID="1" presetClass="entr" presetSubtype="0" fill="hold" grpId="0" nodeType="clickEffect">
+                                  <p:stCondLst>
+                                    <p:cond delay="0"/>
+                                  </p:stCondLst>
+                                  <p:childTnLst>
+                                    <p:set>
+                                      <p:cBhvr>
+                                        <p:cTn id="14" dur="1" fill="hold">
+                                          <p:stCondLst>
+                                            <p:cond delay="0"/>
+                                          </p:stCondLst>
+                                        </p:cTn>
+                                        <p:tgtEl>
+                                          <p:spTgt spid="8"/>
+                                        </p:tgtEl>
+                                        <p:attrNameLst>
+                                          <p:attrName>style.visibility</p:attrName>
+                                        </p:attrNameLst>
+                                      </p:cBhvr>
+                                      <p:to>
+                                        <p:strVal val="visible"/>
+                                      </p:to>
+                                    </p:set>
+                                  </p:childTnLst>
+                                </p:cTn>
+                              </p:par>
+                            </p:childTnLst>
+                          </p:cTn>
+                        </p:par>
+                      </p:childTnLst>
+                    </p:cTn>
+                  </p:par>
+                  <p:par>
+                    <p:cTn id="15" fill="hold">
+                      <p:stCondLst>
+                        <p:cond delay="indefinite"/>
+                      </p:stCondLst>
+                      <p:childTnLst>
+                        <p:par>
+                          <p:cTn id="16" fill="hold">
+                            <p:stCondLst>
+                              <p:cond delay="0"/>
+                            </p:stCondLst>
+                            <p:childTnLst>
+                              <p:par>
+                                <p:cTn id="17" presetID="1" presetClass="entr" presetSubtype="0" fill="hold" grpId="0" nodeType="clickEffect">
+                                  <p:stCondLst>
+                                    <p:cond delay="0"/>
+                                  </p:stCondLst>
+                                  <p:childTnLst>
+                                    <p:set>
+                                      <p:cBhvr>
+                                        <p:cTn id="18" dur="1" fill="hold">
+                                          <p:stCondLst>
+                                            <p:cond delay="0"/>
+                                          </p:stCondLst>
+                                        </p:cTn>
+                                        <p:tgtEl>
+                                          <p:spTgt spid="9"/>
+                                        </p:tgtEl>
+                                        <p:attrNameLst>
+                                          <p:attrName>style.visibility</p:attrName>
+                                        </p:attrNameLst>
+                                      </p:cBhvr>
+                                      <p:to>
+                                        <p:strVal val="visible"/>
+                                      </p:to>
+                                    </p:set>
+                                  </p:childTnLst>
+                                </p:cTn>
+                              </p:par>
+                            </p:childTnLst>
+                          </p:cTn>
+                        </p:par>
+                      </p:childTnLst>
+                    </p:cTn>
+                  </p:par>
+                  <p:par>
+                    <p:cTn id="19" fill="hold">
+                      <p:stCondLst>
+                        <p:cond delay="indefinite"/>
+                      </p:stCondLst>
+                      <p:childTnLst>
+                        <p:par>
+                          <p:cTn id="20" fill="hold">
+                            <p:stCondLst>
+                              <p:cond delay="0"/>
+                            </p:stCondLst>
+                            <p:childTnLst>
+                              <p:par>
+                                <p:cTn id="21" presetID="1" presetClass="entr" presetSubtype="0" fill="hold" grpId="0" nodeType="clickEffect">
+                                  <p:stCondLst>
+                                    <p:cond delay="0"/>
+                                  </p:stCondLst>
+                                  <p:childTnLst>
+                                    <p:set>
+                                      <p:cBhvr>
+                                        <p:cTn id="22" dur="1" fill="hold">
+                                          <p:stCondLst>
+                                            <p:cond delay="0"/>
+                                          </p:stCondLst>
+                                        </p:cTn>
+                                        <p:tgtEl>
+                                          <p:spTgt spid="10"/>
+                                        </p:tgtEl>
+                                        <p:attrNameLst>
+                                          <p:attrName>style.visibility</p:attrName>
+                                        </p:attrNameLst>
+                                      </p:cBhvr>
+                                      <p:to>
+                                        <p:strVal val="visible"/>
+                                      </p:to>
+                                    </p:set>
+                                  </p:childTnLst>
+                                </p:cTn>
+                              </p:par>
+                            </p:childTnLst>
+                          </p:cTn>
+                        </p:par>
+                      </p:childTnLst>
+                    </p:cTn>
+                  </p:par>
+                  <p:par>
+                    <p:cTn id="23" fill="hold">
+                      <p:stCondLst>
+                        <p:cond delay="indefinite"/>
+                      </p:stCondLst>
+                      <p:childTnLst>
+                        <p:par>
+                          <p:cTn id="24" fill="hold">
+                            <p:stCondLst>
+                              <p:cond delay="0"/>
+                            </p:stCondLst>
+                            <p:childTnLst>
+                              <p:par>
+                                <p:cTn id="25" presetID="3" presetClass="entr" presetSubtype="10" fill="hold" nodeType="clickEffect">
+                                  <p:stCondLst>
+                                    <p:cond delay="0"/>
+                                  </p:stCondLst>
+                                  <p:childTnLst>
+                                    <p:set>
+                                      <p:cBhvr>
+                                        <p:cTn id="26" dur="1" fill="hold">
+                                          <p:stCondLst>
+                                            <p:cond delay="0"/>
+                                          </p:stCondLst>
+                                        </p:cTn>
+                                        <p:tgtEl>
+                                          <p:spTgt spid="14"/>
+                                        </p:tgtEl>
+                                        <p:attrNameLst>
+                                          <p:attrName>style.visibility</p:attrName>
+                                        </p:attrNameLst>
+                                      </p:cBhvr>
+                                      <p:to>
+                                        <p:strVal val="visible"/>
+                                      </p:to>
+                                    </p:set>
+                                    <p:animEffect transition="in" filter="blinds(horizontal)">
+                                      <p:cBhvr>
+                                        <p:cTn id="27" dur="500"/>
+                                        <p:tgtEl>
+                                          <p:spTgt spid="14"/>
+                                        </p:tgtEl>
+                                      </p:cBhvr>
+                                    </p:animEffect>
+                                  </p:childTnLst>
+                                </p:cTn>
+                              </p:par>
+                            </p:childTnLst>
+                          </p:cTn>
+                        </p:par>
+                      </p:childTnLst>
+                    </p:cTn>
+                  </p:par>
+                  <p:par>
+                    <p:cTn id="28" fill="hold">
+                      <p:stCondLst>
+                        <p:cond delay="indefinite"/>
+                      </p:stCondLst>
+                      <p:childTnLst>
+                        <p:par>
+                          <p:cTn id="29" fill="hold">
+                            <p:stCondLst>
+                              <p:cond delay="0"/>
+                            </p:stCondLst>
+                            <p:childTnLst>
+                              <p:par>
+                                <p:cTn id="30" presetID="1" presetClass="entr" presetSubtype="0" fill="hold" grpId="0" nodeType="clickEffect">
+                                  <p:stCondLst>
+                                    <p:cond delay="0"/>
+                                  </p:stCondLst>
+                                  <p:childTnLst>
+                                    <p:set>
+                                      <p:cBhvr>
+                                        <p:cTn id="31" dur="1" fill="hold">
+                                          <p:stCondLst>
+                                            <p:cond delay="0"/>
+                                          </p:stCondLst>
+                                        </p:cTn>
+                                        <p:tgtEl>
+                                          <p:spTgt spid="13"/>
+                                        </p:tgtEl>
+                                        <p:attrNameLst>
+                                          <p:attrName>style.visibility</p:attrName>
+                                        </p:attrNameLst>
+                                      </p:cBhvr>
+                                      <p:to>
+                                        <p:strVal val="visible"/>
+                                      </p:to>
+                                    </p:set>
+                                  </p:childTnLst>
+                                </p:cTn>
+                              </p:par>
+                            </p:childTnLst>
+                          </p:cTn>
+                        </p:par>
+                      </p:childTnLst>
+                    </p:cTn>
+                  </p:par>
+                  <p:par>
+                    <p:cTn id="32" fill="hold">
+                      <p:stCondLst>
+                        <p:cond delay="indefinite"/>
+                      </p:stCondLst>
+                      <p:childTnLst>
+                        <p:par>
+                          <p:cTn id="33" fill="hold">
+                            <p:stCondLst>
+                              <p:cond delay="0"/>
+                            </p:stCondLst>
+                            <p:childTnLst>
+                              <p:par>
+                                <p:cTn id="34" presetID="1" presetClass="entr" presetSubtype="0" fill="hold" grpId="0" nodeType="clickEffect">
+                                  <p:stCondLst>
+                                    <p:cond delay="0"/>
+                                  </p:stCondLst>
+                                  <p:childTnLst>
+                                    <p:set>
+                                      <p:cBhvr>
+                                        <p:cTn id="35" dur="1" fill="hold">
+                                          <p:stCondLst>
+                                            <p:cond delay="0"/>
+                                          </p:stCondLst>
+                                        </p:cTn>
+                                        <p:tgtEl>
+                                          <p:spTgt spid="15"/>
+                                        </p:tgtEl>
+                                        <p:attrNameLst>
+                                          <p:attrName>style.visibility</p:attrName>
+                                        </p:attrNameLst>
+                                      </p:cBhvr>
+                                      <p:to>
+                                        <p:strVal val="visible"/>
+                                      </p:to>
+                                    </p:set>
+                                  </p:childTnLst>
+                                </p:cTn>
+                              </p:par>
+                            </p:childTnLst>
+                          </p:cTn>
+                        </p:par>
+                      </p:childTnLst>
+                    </p:cTn>
+                  </p:par>
+                  <p:par>
+                    <p:cTn id="36" fill="hold">
+                      <p:stCondLst>
+                        <p:cond delay="indefinite"/>
+                      </p:stCondLst>
+                      <p:childTnLst>
+                        <p:par>
+                          <p:cTn id="37" fill="hold">
+                            <p:stCondLst>
+                              <p:cond delay="0"/>
+                            </p:stCondLst>
+                            <p:childTnLst>
+                              <p:par>
+                                <p:cTn id="38" presetID="1" presetClass="entr" presetSubtype="0" fill="hold" nodeType="clickEffect">
+                                  <p:stCondLst>
+                                    <p:cond delay="0"/>
+                                  </p:stCondLst>
+                                  <p:childTnLst>
+                                    <p:set>
+                                      <p:cBhvr>
+                                        <p:cTn id="39" dur="1" fill="hold">
+                                          <p:stCondLst>
+                                            <p:cond delay="0"/>
+                                          </p:stCondLst>
+                                        </p:cTn>
+                                        <p:tgtEl>
+                                          <p:spTgt spid="16"/>
+                                        </p:tgtEl>
+                                        <p:attrNameLst>
+                                          <p:attrName>style.visibility</p:attrName>
+                                        </p:attrNameLst>
+                                      </p:cBhvr>
+                                      <p:to>
+                                        <p:strVal val="visible"/>
+                                      </p:to>
+                                    </p:set>
+                                  </p:childTnLst>
+                                </p:cTn>
+                              </p:par>
+                            </p:childTnLst>
+                          </p:cTn>
+                        </p:par>
+                      </p:childTnLst>
+                    </p:cTn>
+                  </p:par>
+                  <p:par>
+                    <p:cTn id="40" fill="hold">
+                      <p:stCondLst>
+                        <p:cond delay="indefinite"/>
+                      </p:stCondLst>
+                      <p:childTnLst>
+                        <p:par>
+                          <p:cTn id="41" fill="hold">
+                            <p:stCondLst>
+                              <p:cond delay="0"/>
+                            </p:stCondLst>
+                            <p:childTnLst>
+                              <p:par>
+                                <p:cTn id="42" presetID="1" presetClass="entr" presetSubtype="0" fill="hold" nodeType="clickEffect">
+                                  <p:stCondLst>
+                                    <p:cond delay="0"/>
+                                  </p:stCondLst>
+                                  <p:childTnLst>
+                                    <p:set>
+                                      <p:cBhvr>
+                                        <p:cTn id="43" dur="1" fill="hold">
+                                          <p:stCondLst>
+                                            <p:cond delay="0"/>
+                                          </p:stCondLst>
+                                        </p:cTn>
+                                        <p:tgtEl>
+                                          <p:spTgt spid="18"/>
+                                        </p:tgtEl>
+                                        <p:attrNameLst>
+                                          <p:attrName>style.visibility</p:attrName>
+                                        </p:attrNameLst>
+                                      </p:cBhvr>
+                                      <p:to>
+                                        <p:strVal val="visible"/>
+                                      </p:to>
+                                    </p:set>
+                                  </p:childTnLst>
+                                </p:cTn>
+                              </p:par>
+                            </p:childTnLst>
+                          </p:cTn>
+                        </p:par>
+                      </p:childTnLst>
+                    </p:cTn>
+                  </p:par>
+                </p:childTnLst>
+              </p:cTn>
+              <p:prevCondLst>
+                <p:cond evt="onPrev" delay="0">
+                  <p:tgtEl>
+                    <p:sldTgt/>
+                  </p:tgtEl>
+                </p:cond>
+              </p:prevCondLst>
+              <p:nextCondLst>
+                <p:cond evt="onNext" delay="0">
+                  <p:tgtEl>
+                    <p:sldTgt/>
+                  </p:tgtEl>
+                </p:cond>
+              </p:nextCondLst>
+            </p:seq>
+          </p:childTnLst>
+        </p:cTn>
+      </p:par>
+    </p:tnLst>
+    <p:bldLst>
+      <p:bldP spid="3" grpId="0"/>
+      <p:bldP spid="5" grpId="0"/>
+      <p:bldP spid="8" grpId="0"/>
+      <p:bldP spid="9" grpId="0"/>
+      <p:bldP spid="10" grpId="0"/>
+      <p:bldP spid="13" grpId="0"/>
+      <p:bldP spid="15" grpId="0"/>
+    </p:bldLst>
+  </p:timing>
 </p:sld>
 </file>
 
@@ -6329,14 +7633,14 @@
           <p:nvPr/>
         </p:nvPicPr>
         <p:blipFill>
-          <a:blip r:embed="rId3"/>
+          <a:blip r:embed="rId2"/>
           <a:stretch>
             <a:fillRect/>
           </a:stretch>
         </p:blipFill>
         <p:spPr>
           <a:xfrm>
-            <a:off x="0" y="6229141"/>
+            <a:off x="89210" y="6240292"/>
             <a:ext cx="2075941" cy="505146"/>
           </a:xfrm>
           <a:prstGeom prst="rect">
@@ -6359,7 +7663,7 @@
           <p:nvPr/>
         </p:nvPicPr>
         <p:blipFill>
-          <a:blip r:embed="rId4"/>
+          <a:blip r:embed="rId3"/>
           <a:stretch>
             <a:fillRect/>
           </a:stretch>
@@ -6374,12 +7678,144 @@
           </a:prstGeom>
         </p:spPr>
       </p:pic>
+      <p:grpSp>
+        <p:nvGrpSpPr>
+          <p:cNvPr id="16" name="Group 15">
+            <a:extLst>
+              <a:ext uri="{FF2B5EF4-FFF2-40B4-BE49-F238E27FC236}">
+                <a16:creationId xmlns:a16="http://schemas.microsoft.com/office/drawing/2014/main" id="{0A5E4714-D3DE-A617-E4C0-8C20EDB72529}"/>
+              </a:ext>
+            </a:extLst>
+          </p:cNvPr>
+          <p:cNvGrpSpPr/>
+          <p:nvPr/>
+        </p:nvGrpSpPr>
+        <p:grpSpPr>
+          <a:xfrm>
+            <a:off x="5496916" y="3767707"/>
+            <a:ext cx="5376856" cy="765215"/>
+            <a:chOff x="4527395" y="1375457"/>
+            <a:chExt cx="5376856" cy="765215"/>
+          </a:xfrm>
+        </p:grpSpPr>
+        <p:pic>
+          <p:nvPicPr>
+            <p:cNvPr id="5" name="Picture 4">
+              <a:extLst>
+                <a:ext uri="{FF2B5EF4-FFF2-40B4-BE49-F238E27FC236}">
+                  <a16:creationId xmlns:a16="http://schemas.microsoft.com/office/drawing/2014/main" id="{F954BB39-BA36-0AD6-591F-FF54CD4C0094}"/>
+                </a:ext>
+              </a:extLst>
+            </p:cNvPr>
+            <p:cNvPicPr>
+              <a:picLocks noChangeAspect="1"/>
+            </p:cNvPicPr>
+            <p:nvPr/>
+          </p:nvPicPr>
+          <p:blipFill>
+            <a:blip r:embed="rId4"/>
+            <a:stretch>
+              <a:fillRect/>
+            </a:stretch>
+          </p:blipFill>
+          <p:spPr>
+            <a:xfrm>
+              <a:off x="6245857" y="1375457"/>
+              <a:ext cx="2606501" cy="542786"/>
+            </a:xfrm>
+            <a:prstGeom prst="rect">
+              <a:avLst/>
+            </a:prstGeom>
+          </p:spPr>
+        </p:pic>
+        <p:sp>
+          <p:nvSpPr>
+            <p:cNvPr id="8" name="TextBox 7">
+              <a:extLst>
+                <a:ext uri="{FF2B5EF4-FFF2-40B4-BE49-F238E27FC236}">
+                  <a16:creationId xmlns:a16="http://schemas.microsoft.com/office/drawing/2014/main" id="{61361C80-94D5-F71D-C35F-97A32286CC81}"/>
+                </a:ext>
+              </a:extLst>
+            </p:cNvPr>
+            <p:cNvSpPr txBox="1"/>
+            <p:nvPr/>
+          </p:nvSpPr>
+          <p:spPr>
+            <a:xfrm>
+              <a:off x="4527395" y="1909840"/>
+              <a:ext cx="5376856" cy="230832"/>
+            </a:xfrm>
+            <a:prstGeom prst="rect">
+              <a:avLst/>
+            </a:prstGeom>
+            <a:noFill/>
+          </p:spPr>
+          <p:txBody>
+            <a:bodyPr wrap="square">
+              <a:spAutoFit/>
+            </a:bodyPr>
+            <a:lstStyle/>
+            <a:p>
+              <a:r>
+                <a:rPr lang="en-US" sz="900" dirty="0"/>
+                <a:t>https://</a:t>
+              </a:r>
+              <a:r>
+                <a:rPr lang="en-US" sz="900" dirty="0" err="1"/>
+                <a:t>blogs.worldbank.org</a:t>
+              </a:r>
+              <a:r>
+                <a:rPr lang="en-US" sz="900" dirty="0"/>
+                <a:t>/</a:t>
+              </a:r>
+              <a:r>
+                <a:rPr lang="en-US" sz="900" dirty="0" err="1"/>
+                <a:t>opendata</a:t>
+              </a:r>
+              <a:r>
+                <a:rPr lang="en-US" sz="900" dirty="0"/>
+                <a:t>/new-world-bank-country-classifications-income-level-2021-2022</a:t>
+              </a:r>
+            </a:p>
+          </p:txBody>
+        </p:sp>
+      </p:grpSp>
+      <p:pic>
+        <p:nvPicPr>
+          <p:cNvPr id="2" name="Picture 1">
+            <a:extLst>
+              <a:ext uri="{FF2B5EF4-FFF2-40B4-BE49-F238E27FC236}">
+                <a16:creationId xmlns:a16="http://schemas.microsoft.com/office/drawing/2014/main" id="{B8A99EE4-5F93-7BD4-7530-AA04F3A2B043}"/>
+              </a:ext>
+            </a:extLst>
+          </p:cNvPr>
+          <p:cNvPicPr>
+            <a:picLocks noChangeAspect="1"/>
+          </p:cNvPicPr>
+          <p:nvPr/>
+        </p:nvPicPr>
+        <p:blipFill>
+          <a:blip r:embed="rId2"/>
+          <a:stretch>
+            <a:fillRect/>
+          </a:stretch>
+        </p:blipFill>
+        <p:spPr>
+          <a:xfrm>
+            <a:off x="6782324" y="992477"/>
+            <a:ext cx="3366256" cy="819123"/>
+          </a:xfrm>
+          <a:prstGeom prst="rect">
+            <a:avLst/>
+          </a:prstGeom>
+        </p:spPr>
+      </p:pic>
       <p:sp>
         <p:nvSpPr>
-          <p:cNvPr id="2" name="TextBox 1">
-            <a:extLst>
-              <a:ext uri="{FF2B5EF4-FFF2-40B4-BE49-F238E27FC236}">
-                <a16:creationId xmlns:a16="http://schemas.microsoft.com/office/drawing/2014/main" id="{616D8598-590A-BA84-04A5-942A64FA2178}"/>
+          <p:cNvPr id="3" name="TextBox 2">
+            <a:extLst>
+              <a:ext uri="{FF2B5EF4-FFF2-40B4-BE49-F238E27FC236}">
+                <a16:creationId xmlns:a16="http://schemas.microsoft.com/office/drawing/2014/main" id="{72FA7507-6871-2AF9-6E0B-88B8BAD53B25}"/>
               </a:ext>
             </a:extLst>
           </p:cNvPr>
@@ -6388,8 +7824,8 @@
         </p:nvSpPr>
         <p:spPr>
           <a:xfrm>
-            <a:off x="5082517" y="268941"/>
-            <a:ext cx="2026965" cy="369332"/>
+            <a:off x="5723970" y="8514"/>
+            <a:ext cx="904607" cy="369332"/>
           </a:xfrm>
           <a:prstGeom prst="rect">
             <a:avLst/>
@@ -6404,17 +7840,17 @@
           <a:p>
             <a:r>
               <a:rPr lang="en-US" dirty="0"/>
-              <a:t>Hypothesis testing: </a:t>
+              <a:t>Credits:</a:t>
             </a:r>
           </a:p>
         </p:txBody>
       </p:sp>
       <p:pic>
         <p:nvPicPr>
-          <p:cNvPr id="5" name="Picture 4">
-            <a:extLst>
-              <a:ext uri="{FF2B5EF4-FFF2-40B4-BE49-F238E27FC236}">
-                <a16:creationId xmlns:a16="http://schemas.microsoft.com/office/drawing/2014/main" id="{A9A26AC4-E0C7-6325-CA07-4168C71821EC}"/>
+          <p:cNvPr id="7" name="Picture 6">
+            <a:extLst>
+              <a:ext uri="{FF2B5EF4-FFF2-40B4-BE49-F238E27FC236}">
+                <a16:creationId xmlns:a16="http://schemas.microsoft.com/office/drawing/2014/main" id="{9178843F-D1EC-1362-F465-6C42F68A15C9}"/>
               </a:ext>
             </a:extLst>
           </p:cNvPr>
@@ -6431,20 +7867,155 @@
         </p:blipFill>
         <p:spPr>
           <a:xfrm>
-            <a:off x="4964183" y="724056"/>
-            <a:ext cx="5514489" cy="1687846"/>
+            <a:off x="7123636" y="5324316"/>
+            <a:ext cx="3225800" cy="622300"/>
           </a:xfrm>
           <a:prstGeom prst="rect">
             <a:avLst/>
           </a:prstGeom>
         </p:spPr>
       </p:pic>
+      <p:grpSp>
+        <p:nvGrpSpPr>
+          <p:cNvPr id="17" name="Group 16">
+            <a:extLst>
+              <a:ext uri="{FF2B5EF4-FFF2-40B4-BE49-F238E27FC236}">
+                <a16:creationId xmlns:a16="http://schemas.microsoft.com/office/drawing/2014/main" id="{52D03CB1-9862-42CC-E168-22595299D800}"/>
+              </a:ext>
+            </a:extLst>
+          </p:cNvPr>
+          <p:cNvGrpSpPr/>
+          <p:nvPr/>
+        </p:nvGrpSpPr>
+        <p:grpSpPr>
+          <a:xfrm>
+            <a:off x="5580758" y="2358598"/>
+            <a:ext cx="5239063" cy="948760"/>
+            <a:chOff x="4596291" y="2604053"/>
+            <a:chExt cx="5239063" cy="948760"/>
+          </a:xfrm>
+        </p:grpSpPr>
+        <p:sp>
+          <p:nvSpPr>
+            <p:cNvPr id="9" name="TextBox 8">
+              <a:extLst>
+                <a:ext uri="{FF2B5EF4-FFF2-40B4-BE49-F238E27FC236}">
+                  <a16:creationId xmlns:a16="http://schemas.microsoft.com/office/drawing/2014/main" id="{B6559F24-4FEC-36C5-5831-80CE574BC229}"/>
+                </a:ext>
+              </a:extLst>
+            </p:cNvPr>
+            <p:cNvSpPr txBox="1"/>
+            <p:nvPr/>
+          </p:nvSpPr>
+          <p:spPr>
+            <a:xfrm>
+              <a:off x="5191807" y="2926882"/>
+              <a:ext cx="3972306" cy="307777"/>
+            </a:xfrm>
+            <a:prstGeom prst="rect">
+              <a:avLst/>
+            </a:prstGeom>
+            <a:noFill/>
+          </p:spPr>
+          <p:txBody>
+            <a:bodyPr wrap="none" rtlCol="0">
+              <a:spAutoFit/>
+            </a:bodyPr>
+            <a:lstStyle/>
+            <a:p>
+              <a:pPr algn="r"/>
+              <a:r>
+                <a:rPr lang="en-GB" sz="1400" dirty="0"/>
+                <a:t>Okun’s Law: Economic Growth and Unemployment :</a:t>
+              </a:r>
+            </a:p>
+          </p:txBody>
+        </p:sp>
+        <p:sp>
+          <p:nvSpPr>
+            <p:cNvPr id="10" name="TextBox 9">
+              <a:extLst>
+                <a:ext uri="{FF2B5EF4-FFF2-40B4-BE49-F238E27FC236}">
+                  <a16:creationId xmlns:a16="http://schemas.microsoft.com/office/drawing/2014/main" id="{171E4FB1-C5E8-F87F-22DE-4B8AE1F88DE7}"/>
+                </a:ext>
+              </a:extLst>
+            </p:cNvPr>
+            <p:cNvSpPr txBox="1"/>
+            <p:nvPr/>
+          </p:nvSpPr>
+          <p:spPr>
+            <a:xfrm>
+              <a:off x="4596291" y="3245036"/>
+              <a:ext cx="5239063" cy="307777"/>
+            </a:xfrm>
+            <a:prstGeom prst="rect">
+              <a:avLst/>
+            </a:prstGeom>
+            <a:noFill/>
+          </p:spPr>
+          <p:txBody>
+            <a:bodyPr wrap="none" rtlCol="0">
+              <a:spAutoFit/>
+            </a:bodyPr>
+            <a:lstStyle/>
+            <a:p>
+              <a:pPr algn="r"/>
+              <a:r>
+                <a:rPr lang="en-US" sz="1400" dirty="0"/>
+                <a:t>https://www.investopedia.com/articles/economics/12/</a:t>
+              </a:r>
+              <a:r>
+                <a:rPr lang="en-US" sz="1400" dirty="0" err="1"/>
+                <a:t>okuns-law.asp</a:t>
+              </a:r>
+              <a:endParaRPr lang="en-US" sz="1400" dirty="0"/>
+            </a:p>
+          </p:txBody>
+        </p:sp>
+        <p:sp>
+          <p:nvSpPr>
+            <p:cNvPr id="11" name="TextBox 10">
+              <a:extLst>
+                <a:ext uri="{FF2B5EF4-FFF2-40B4-BE49-F238E27FC236}">
+                  <a16:creationId xmlns:a16="http://schemas.microsoft.com/office/drawing/2014/main" id="{DB3AB4E7-51DA-36AC-F064-C0F4C0F613A0}"/>
+                </a:ext>
+              </a:extLst>
+            </p:cNvPr>
+            <p:cNvSpPr txBox="1"/>
+            <p:nvPr/>
+          </p:nvSpPr>
+          <p:spPr>
+            <a:xfrm>
+              <a:off x="5570467" y="2604053"/>
+              <a:ext cx="3290709" cy="307777"/>
+            </a:xfrm>
+            <a:prstGeom prst="rect">
+              <a:avLst/>
+            </a:prstGeom>
+            <a:noFill/>
+          </p:spPr>
+          <p:txBody>
+            <a:bodyPr wrap="none" rtlCol="0">
+              <a:spAutoFit/>
+            </a:bodyPr>
+            <a:lstStyle/>
+            <a:p>
+              <a:pPr algn="r"/>
+              <a:r>
+                <a:rPr lang="en-GB" sz="1400" dirty="0"/>
+                <a:t>Arthur Okun (1928 – 1980): Yale professor </a:t>
+              </a:r>
+              <a:endParaRPr lang="en-US" sz="1400" dirty="0"/>
+            </a:p>
+          </p:txBody>
+        </p:sp>
+      </p:grpSp>
       <p:pic>
         <p:nvPicPr>
-          <p:cNvPr id="7" name="Picture 6">
-            <a:extLst>
-              <a:ext uri="{FF2B5EF4-FFF2-40B4-BE49-F238E27FC236}">
-                <a16:creationId xmlns:a16="http://schemas.microsoft.com/office/drawing/2014/main" id="{CF2F7E3E-4970-1068-1E1C-0ED3C75D19BE}"/>
+          <p:cNvPr id="12" name="Picture 11">
+            <a:extLst>
+              <a:ext uri="{FF2B5EF4-FFF2-40B4-BE49-F238E27FC236}">
+                <a16:creationId xmlns:a16="http://schemas.microsoft.com/office/drawing/2014/main" id="{AEBD28AE-270B-6524-EDD4-609CC3C31597}"/>
               </a:ext>
             </a:extLst>
           </p:cNvPr>
@@ -6461,18 +8032,235 @@
         </p:blipFill>
         <p:spPr>
           <a:xfrm>
-            <a:off x="730197" y="1247498"/>
-            <a:ext cx="3077956" cy="640963"/>
+            <a:off x="1941889" y="3589178"/>
+            <a:ext cx="1043357" cy="1442630"/>
           </a:xfrm>
           <a:prstGeom prst="rect">
             <a:avLst/>
           </a:prstGeom>
         </p:spPr>
       </p:pic>
+      <p:sp>
+        <p:nvSpPr>
+          <p:cNvPr id="13" name="TextBox 12">
+            <a:extLst>
+              <a:ext uri="{FF2B5EF4-FFF2-40B4-BE49-F238E27FC236}">
+                <a16:creationId xmlns:a16="http://schemas.microsoft.com/office/drawing/2014/main" id="{47027157-A40A-CAB6-D9A0-487D490A4BA8}"/>
+              </a:ext>
+            </a:extLst>
+          </p:cNvPr>
+          <p:cNvSpPr txBox="1"/>
+          <p:nvPr/>
+        </p:nvSpPr>
+        <p:spPr>
+          <a:xfrm>
+            <a:off x="734414" y="5298179"/>
+            <a:ext cx="3225800" cy="800219"/>
+          </a:xfrm>
+          <a:prstGeom prst="rect">
+            <a:avLst/>
+          </a:prstGeom>
+          <a:noFill/>
+        </p:spPr>
+        <p:txBody>
+          <a:bodyPr wrap="square" rtlCol="0">
+            <a:spAutoFit/>
+          </a:bodyPr>
+          <a:lstStyle/>
+          <a:p>
+            <a:r>
+              <a:rPr lang="en-US" sz="1100" dirty="0"/>
+              <a:t>MACROECONOMICS</a:t>
+            </a:r>
+          </a:p>
+          <a:p>
+            <a:r>
+              <a:rPr lang="en-US" sz="1100" dirty="0"/>
+              <a:t>Olivier Blanchard, </a:t>
+            </a:r>
+            <a:r>
+              <a:rPr lang="en-GB" sz="1100" dirty="0"/>
+              <a:t>Professor of Economics at MIT </a:t>
+            </a:r>
+          </a:p>
+          <a:p>
+            <a:r>
+              <a:rPr lang="en-GB" sz="1200" dirty="0"/>
+              <a:t>Chief Economist International Monetary Fund (2008-2015)</a:t>
+            </a:r>
+            <a:r>
+              <a:rPr lang="en-GB" sz="900" dirty="0"/>
+              <a:t> </a:t>
+            </a:r>
+            <a:endParaRPr lang="en-US" sz="900" dirty="0"/>
+          </a:p>
+        </p:txBody>
+      </p:sp>
+      <p:grpSp>
+        <p:nvGrpSpPr>
+          <p:cNvPr id="20" name="Group 19">
+            <a:extLst>
+              <a:ext uri="{FF2B5EF4-FFF2-40B4-BE49-F238E27FC236}">
+                <a16:creationId xmlns:a16="http://schemas.microsoft.com/office/drawing/2014/main" id="{1F46B374-1E0E-5D45-CB8B-6267DC446B64}"/>
+              </a:ext>
+            </a:extLst>
+          </p:cNvPr>
+          <p:cNvGrpSpPr/>
+          <p:nvPr/>
+        </p:nvGrpSpPr>
+        <p:grpSpPr>
+          <a:xfrm>
+            <a:off x="777204" y="555490"/>
+            <a:ext cx="4465221" cy="2754199"/>
+            <a:chOff x="230794" y="608289"/>
+            <a:chExt cx="4465221" cy="2754199"/>
+          </a:xfrm>
+        </p:grpSpPr>
+        <p:sp>
+          <p:nvSpPr>
+            <p:cNvPr id="15" name="TextBox 14">
+              <a:extLst>
+                <a:ext uri="{FF2B5EF4-FFF2-40B4-BE49-F238E27FC236}">
+                  <a16:creationId xmlns:a16="http://schemas.microsoft.com/office/drawing/2014/main" id="{07D2048C-AC62-D807-2A6D-00C2925A9A90}"/>
+                </a:ext>
+              </a:extLst>
+            </p:cNvPr>
+            <p:cNvSpPr txBox="1"/>
+            <p:nvPr/>
+          </p:nvSpPr>
+          <p:spPr>
+            <a:xfrm>
+              <a:off x="230794" y="2346825"/>
+              <a:ext cx="4465221" cy="1015663"/>
+            </a:xfrm>
+            <a:prstGeom prst="rect">
+              <a:avLst/>
+            </a:prstGeom>
+            <a:noFill/>
+          </p:spPr>
+          <p:txBody>
+            <a:bodyPr wrap="square">
+              <a:spAutoFit/>
+            </a:bodyPr>
+            <a:lstStyle/>
+            <a:p>
+              <a:pPr algn="l"/>
+              <a:r>
+                <a:rPr lang="en-GB" sz="1200" i="0" dirty="0">
+                  <a:solidFill>
+                    <a:srgbClr val="0F1111"/>
+                  </a:solidFill>
+                  <a:effectLst/>
+                  <a:latin typeface="Amazon Ember"/>
+                </a:rPr>
+                <a:t>Towards a New Paradigm in Monetary Economics </a:t>
+              </a:r>
+              <a:endParaRPr lang="en-GB" sz="1200" dirty="0">
+                <a:solidFill>
+                  <a:srgbClr val="0F1111"/>
+                </a:solidFill>
+                <a:latin typeface="Amazon Ember"/>
+              </a:endParaRPr>
+            </a:p>
+            <a:p>
+              <a:r>
+                <a:rPr lang="en-GB" sz="1200" i="0" dirty="0">
+                  <a:solidFill>
+                    <a:srgbClr val="0F1111"/>
+                  </a:solidFill>
+                  <a:effectLst/>
+                  <a:latin typeface="Amazon Ember"/>
+                </a:rPr>
+                <a:t>BY: Joseph E. Stiglitz (</a:t>
+              </a:r>
+              <a:r>
+                <a:rPr lang="en-GB" sz="1200" dirty="0"/>
+                <a:t>1943 -  ) </a:t>
+              </a:r>
+            </a:p>
+            <a:p>
+              <a:r>
+                <a:rPr lang="en-GB" sz="1200" dirty="0"/>
+                <a:t>Professor at </a:t>
+              </a:r>
+              <a:r>
+                <a:rPr lang="en-GB" sz="1200" dirty="0">
+                  <a:hlinkClick r:id="rId7" tooltip="Columbia University"/>
+                </a:rPr>
+                <a:t>Columbia University</a:t>
+              </a:r>
+              <a:endParaRPr lang="en-GB" sz="1200" dirty="0"/>
+            </a:p>
+            <a:p>
+              <a:r>
+                <a:rPr lang="en-GB" sz="1200" dirty="0"/>
+                <a:t> </a:t>
+              </a:r>
+              <a:r>
+                <a:rPr lang="en-GB" sz="1200" dirty="0">
+                  <a:hlinkClick r:id="rId8" tooltip="Nobel Memorial Prize in Economic Sciences"/>
+                </a:rPr>
+                <a:t>Nobel Memorial Prize in Economic Sciences</a:t>
+              </a:r>
+              <a:r>
+                <a:rPr lang="en-GB" sz="1200" dirty="0"/>
+                <a:t> (2001)</a:t>
+              </a:r>
+              <a:endParaRPr lang="en-GB" sz="1000" i="0" dirty="0">
+                <a:solidFill>
+                  <a:srgbClr val="0F1111"/>
+                </a:solidFill>
+                <a:effectLst/>
+                <a:latin typeface="Amazon Ember"/>
+              </a:endParaRPr>
+            </a:p>
+            <a:p>
+              <a:pPr algn="l"/>
+              <a:endParaRPr lang="en-GB" sz="1200" i="0" dirty="0">
+                <a:solidFill>
+                  <a:srgbClr val="0F1111"/>
+                </a:solidFill>
+                <a:effectLst/>
+                <a:latin typeface="Amazon Ember"/>
+              </a:endParaRPr>
+            </a:p>
+          </p:txBody>
+        </p:sp>
+        <p:pic>
+          <p:nvPicPr>
+            <p:cNvPr id="18" name="Picture 17">
+              <a:extLst>
+                <a:ext uri="{FF2B5EF4-FFF2-40B4-BE49-F238E27FC236}">
+                  <a16:creationId xmlns:a16="http://schemas.microsoft.com/office/drawing/2014/main" id="{E07E581A-AFC4-7F4B-AC94-2E46AEF1507B}"/>
+                </a:ext>
+              </a:extLst>
+            </p:cNvPr>
+            <p:cNvPicPr>
+              <a:picLocks noChangeAspect="1"/>
+            </p:cNvPicPr>
+            <p:nvPr/>
+          </p:nvPicPr>
+          <p:blipFill>
+            <a:blip r:embed="rId9"/>
+            <a:stretch>
+              <a:fillRect/>
+            </a:stretch>
+          </p:blipFill>
+          <p:spPr>
+            <a:xfrm>
+              <a:off x="1437141" y="608289"/>
+              <a:ext cx="1026263" cy="1587500"/>
+            </a:xfrm>
+            <a:prstGeom prst="rect">
+              <a:avLst/>
+            </a:prstGeom>
+          </p:spPr>
+        </p:pic>
+      </p:grpSp>
     </p:spTree>
     <p:extLst>
       <p:ext uri="{BB962C8B-B14F-4D97-AF65-F5344CB8AC3E}">
-        <p14:creationId xmlns:p14="http://schemas.microsoft.com/office/powerpoint/2010/main" val="1584924002"/>
+        <p14:creationId xmlns:p14="http://schemas.microsoft.com/office/powerpoint/2010/main" val="973614668"/>
       </p:ext>
     </p:extLst>
   </p:cSld>
@@ -6559,6 +8347,41 @@
           </a:prstGeom>
         </p:spPr>
       </p:pic>
+      <p:sp>
+        <p:nvSpPr>
+          <p:cNvPr id="2" name="TextBox 1">
+            <a:extLst>
+              <a:ext uri="{FF2B5EF4-FFF2-40B4-BE49-F238E27FC236}">
+                <a16:creationId xmlns:a16="http://schemas.microsoft.com/office/drawing/2014/main" id="{13E98AA0-84FD-8D38-A899-E2233AA23076}"/>
+              </a:ext>
+            </a:extLst>
+          </p:cNvPr>
+          <p:cNvSpPr txBox="1"/>
+          <p:nvPr/>
+        </p:nvSpPr>
+        <p:spPr>
+          <a:xfrm>
+            <a:off x="5348840" y="2892400"/>
+            <a:ext cx="1494320" cy="646331"/>
+          </a:xfrm>
+          <a:prstGeom prst="rect">
+            <a:avLst/>
+          </a:prstGeom>
+          <a:noFill/>
+        </p:spPr>
+        <p:txBody>
+          <a:bodyPr wrap="none" rtlCol="0">
+            <a:spAutoFit/>
+          </a:bodyPr>
+          <a:lstStyle/>
+          <a:p>
+            <a:r>
+              <a:rPr lang="en-US" sz="3600" dirty="0"/>
+              <a:t>Q &amp; A  </a:t>
+            </a:r>
+          </a:p>
+        </p:txBody>
+      </p:sp>
     </p:spTree>
     <p:extLst>
       <p:ext uri="{BB962C8B-B14F-4D97-AF65-F5344CB8AC3E}">

--- a/gdp_presentation.pptx
+++ b/gdp_presentation.pptx
@@ -3897,6 +3897,38 @@
           </a:p>
         </p:txBody>
       </p:sp>
+      <p:sp>
+        <p:nvSpPr>
+          <p:cNvPr id="2" name="TextBox 1">
+            <a:extLst>
+              <a:ext uri="{FF2B5EF4-FFF2-40B4-BE49-F238E27FC236}">
+                <a16:creationId xmlns:a16="http://schemas.microsoft.com/office/drawing/2014/main" id="{27AC2437-8096-91F0-68B5-6F0F8CD739D8}"/>
+              </a:ext>
+            </a:extLst>
+          </p:cNvPr>
+          <p:cNvSpPr txBox="1"/>
+          <p:nvPr/>
+        </p:nvSpPr>
+        <p:spPr>
+          <a:xfrm>
+            <a:off x="3646842" y="2183802"/>
+            <a:ext cx="184731" cy="369332"/>
+          </a:xfrm>
+          <a:prstGeom prst="rect">
+            <a:avLst/>
+          </a:prstGeom>
+          <a:noFill/>
+        </p:spPr>
+        <p:txBody>
+          <a:bodyPr wrap="none" rtlCol="0">
+            <a:spAutoFit/>
+          </a:bodyPr>
+          <a:lstStyle/>
+          <a:p>
+            <a:endParaRPr lang="en-US"/>
+          </a:p>
+        </p:txBody>
+      </p:sp>
     </p:spTree>
     <p:extLst>
       <p:ext uri="{BB962C8B-B14F-4D97-AF65-F5344CB8AC3E}">
@@ -4434,7 +4466,7 @@
         </p:nvSpPr>
         <p:spPr>
           <a:xfrm>
-            <a:off x="1780787" y="3418556"/>
+            <a:off x="1780788" y="3418556"/>
             <a:ext cx="1100942" cy="923330"/>
           </a:xfrm>
           <a:prstGeom prst="rect">
@@ -4448,6 +4480,7 @@
           </a:bodyPr>
           <a:lstStyle/>
           <a:p>
+            <a:pPr algn="ctr"/>
             <a:r>
               <a:rPr lang="en-US" dirty="0"/>
               <a:t>COUNTRY</a:t>
@@ -4457,13 +4490,14 @@
             <a:pPr algn="ctr"/>
             <a:r>
               <a:rPr lang="en-US" dirty="0"/>
-              <a:t>or </a:t>
-            </a:r>
-          </a:p>
-          <a:p>
+              <a:t>and </a:t>
+            </a:r>
+          </a:p>
+          <a:p>
+            <a:pPr algn="ctr"/>
             <a:r>
               <a:rPr lang="en-US" dirty="0"/>
-              <a:t>  REGION </a:t>
+              <a:t>REGION </a:t>
             </a:r>
           </a:p>
         </p:txBody>
@@ -4732,7 +4766,7 @@
                               <p:par>
                                 <p:cTn id="5" presetID="1" presetClass="entr" presetSubtype="0" fill="hold" nodeType="clickEffect">
                                   <p:stCondLst>
-                                    <p:cond delay="1000"/>
+                                    <p:cond delay="0"/>
                                   </p:stCondLst>
                                   <p:childTnLst>
                                     <p:set>
@@ -5276,6 +5310,49 @@
             <a:p>
               <a:r>
                 <a:rPr lang="en-GB" sz="1200" b="1" dirty="0"/>
+                <a:t>Gross domestic product, </a:t>
+              </a:r>
+              <a:r>
+                <a:rPr lang="en-GB" sz="1200" dirty="0"/>
+                <a:t>current prices </a:t>
+              </a:r>
+              <a:r>
+                <a:rPr lang="en-GB" sz="1200" b="1" dirty="0"/>
+                <a:t>(</a:t>
+              </a:r>
+              <a:r>
+                <a:rPr lang="en-GB" sz="1200" b="1" dirty="0" err="1"/>
+                <a:t>gdp_curr</a:t>
+              </a:r>
+              <a:r>
+                <a:rPr lang="en-GB" sz="1200" dirty="0"/>
+                <a:t>): </a:t>
+              </a:r>
+              <a:r>
+                <a:rPr lang="en-GB" sz="1200" i="1" dirty="0"/>
+                <a:t>$</a:t>
+              </a:r>
+            </a:p>
+            <a:p>
+              <a:r>
+                <a:rPr lang="en-GB" sz="1200" i="1" dirty="0"/>
+                <a:t>GDP (inc. exports – imports) </a:t>
+              </a:r>
+              <a:r>
+                <a:rPr lang="en-GB" sz="1200" b="1" i="1" dirty="0">
+                  <a:solidFill>
+                    <a:srgbClr val="FF0000"/>
+                  </a:solidFill>
+                </a:rPr>
+                <a:t>TARGET </a:t>
+              </a:r>
+            </a:p>
+            <a:p>
+              <a:endParaRPr lang="en-GB" sz="1200" b="1" dirty="0"/>
+            </a:p>
+            <a:p>
+              <a:r>
+                <a:rPr lang="en-GB" sz="1200" b="1" dirty="0"/>
                 <a:t>Gross domestic product</a:t>
               </a:r>
               <a:r>
@@ -5294,46 +5371,12 @@
             <a:p>
               <a:r>
                 <a:rPr lang="en-GB" sz="1200" i="1" dirty="0"/>
-                <a:t>% GDP (inc. exports – imports)</a:t>
+                <a:t>% growth (inc. exports – imports)</a:t>
               </a:r>
             </a:p>
             <a:p>
               <a:r>
                 <a:rPr lang="en-GB" sz="1200" dirty="0"/>
-                <a:t> </a:t>
-              </a:r>
-            </a:p>
-            <a:p>
-              <a:r>
-                <a:rPr lang="en-GB" sz="1200" b="1" dirty="0"/>
-                <a:t>Gross domestic product, </a:t>
-              </a:r>
-              <a:r>
-                <a:rPr lang="en-GB" sz="1200" dirty="0"/>
-                <a:t>current prices </a:t>
-              </a:r>
-              <a:r>
-                <a:rPr lang="en-GB" sz="1200" b="1" dirty="0"/>
-                <a:t>(gdp_curr</a:t>
-              </a:r>
-              <a:r>
-                <a:rPr lang="en-GB" sz="1200" dirty="0"/>
-                <a:t>): </a:t>
-              </a:r>
-              <a:r>
-                <a:rPr lang="en-GB" sz="1200" i="1" dirty="0"/>
-                <a:t>$</a:t>
-              </a:r>
-            </a:p>
-            <a:p>
-              <a:r>
-                <a:rPr lang="en-GB" sz="1200" i="1" dirty="0"/>
-                <a:t>GDP (inc. exports – imports)</a:t>
-              </a:r>
-            </a:p>
-            <a:p>
-              <a:r>
-                <a:rPr lang="en-GB" sz="1200" i="1" dirty="0"/>
                 <a:t> </a:t>
               </a:r>
               <a:endParaRPr lang="en-GB" sz="1200" b="1" i="1" dirty="0"/>
@@ -5365,7 +5408,7 @@
             <a:p>
               <a:r>
                 <a:rPr lang="en-GB" sz="1200" b="1" dirty="0"/>
-                <a:t>Gross domestic product per capita</a:t>
+                <a:t>Gross domestic product in PPP units</a:t>
               </a:r>
               <a:r>
                 <a:rPr lang="en-GB" sz="1200" dirty="0"/>
